--- a/javaWorks/자료/java_ppt/13장-자바 입출력.pptx
+++ b/javaWorks/자료/java_ppt/13장-자바 입출력.pptx
@@ -253,7 +253,7 @@
           <a:p>
             <a:fld id="{7665CDAC-D627-4E87-877A-1B781DD4CADC}" type="datetimeFigureOut">
               <a:rPr lang="ko-KR" altLang="en-US" smtClean="0"/>
-              <a:t>2023-06-06</a:t>
+              <a:t>2023-06-09</a:t>
             </a:fld>
             <a:endParaRPr lang="ko-KR" altLang="en-US"/>
           </a:p>
@@ -791,7 +791,7 @@
           <a:p>
             <a:fld id="{F4AC81B4-D91A-4578-85B3-829E63FCFE17}" type="datetime1">
               <a:rPr lang="ko-KR" altLang="en-US" smtClean="0"/>
-              <a:t>2023-06-06</a:t>
+              <a:t>2023-06-09</a:t>
             </a:fld>
             <a:endParaRPr lang="ko-KR" altLang="en-US"/>
           </a:p>
@@ -1166,7 +1166,7 @@
           <a:p>
             <a:fld id="{F5B77542-37E5-48F2-BAE7-80CC6B0EB6A3}" type="datetime1">
               <a:rPr lang="ko-KR" altLang="en-US" smtClean="0"/>
-              <a:t>2023-06-06</a:t>
+              <a:t>2023-06-09</a:t>
             </a:fld>
             <a:endParaRPr lang="ko-KR" altLang="en-US"/>
           </a:p>
@@ -1346,7 +1346,7 @@
           <a:p>
             <a:fld id="{227CF174-B5AC-4A98-B673-0BE8126D3F27}" type="datetime1">
               <a:rPr lang="ko-KR" altLang="en-US" smtClean="0"/>
-              <a:t>2023-06-06</a:t>
+              <a:t>2023-06-09</a:t>
             </a:fld>
             <a:endParaRPr lang="ko-KR" altLang="en-US"/>
           </a:p>
@@ -1520,7 +1520,7 @@
           <a:p>
             <a:fld id="{E20FDEC8-1339-42E8-9704-2977280C2FD3}" type="datetime1">
               <a:rPr lang="ko-KR" altLang="en-US" smtClean="0"/>
-              <a:t>2023-06-06</a:t>
+              <a:t>2023-06-09</a:t>
             </a:fld>
             <a:endParaRPr lang="ko-KR" altLang="en-US"/>
           </a:p>
@@ -1766,7 +1766,7 @@
           <a:p>
             <a:fld id="{4D18DC76-A282-4817-B790-197F054E1215}" type="datetime1">
               <a:rPr lang="ko-KR" altLang="en-US" smtClean="0"/>
-              <a:t>2023-06-06</a:t>
+              <a:t>2023-06-09</a:t>
             </a:fld>
             <a:endParaRPr lang="ko-KR" altLang="en-US"/>
           </a:p>
@@ -2054,7 +2054,7 @@
           <a:p>
             <a:fld id="{6680AA6C-13D8-43E4-90F0-E6C88A2B9F16}" type="datetime1">
               <a:rPr lang="ko-KR" altLang="en-US" smtClean="0"/>
-              <a:t>2023-06-06</a:t>
+              <a:t>2023-06-09</a:t>
             </a:fld>
             <a:endParaRPr lang="ko-KR" altLang="en-US"/>
           </a:p>
@@ -2476,7 +2476,7 @@
           <a:p>
             <a:fld id="{3EF5B03B-20CC-436E-8601-C933C6C1F4A6}" type="datetime1">
               <a:rPr lang="ko-KR" altLang="en-US" smtClean="0"/>
-              <a:t>2023-06-06</a:t>
+              <a:t>2023-06-09</a:t>
             </a:fld>
             <a:endParaRPr lang="ko-KR" altLang="en-US"/>
           </a:p>
@@ -2594,7 +2594,7 @@
           <a:p>
             <a:fld id="{87B5A15D-8B08-482F-AB47-E416EC355EB6}" type="datetime1">
               <a:rPr lang="ko-KR" altLang="en-US" smtClean="0"/>
-              <a:t>2023-06-06</a:t>
+              <a:t>2023-06-09</a:t>
             </a:fld>
             <a:endParaRPr lang="ko-KR" altLang="en-US"/>
           </a:p>
@@ -2689,7 +2689,7 @@
           <a:p>
             <a:fld id="{A877D7F8-7B64-44F8-A411-CBD22F28CBFF}" type="datetime1">
               <a:rPr lang="ko-KR" altLang="en-US" smtClean="0"/>
-              <a:t>2023-06-06</a:t>
+              <a:t>2023-06-09</a:t>
             </a:fld>
             <a:endParaRPr lang="ko-KR" altLang="en-US"/>
           </a:p>
@@ -2966,7 +2966,7 @@
           <a:p>
             <a:fld id="{E12DBD9B-2BB6-4D1F-BCB4-1E48829C93C3}" type="datetime1">
               <a:rPr lang="ko-KR" altLang="en-US" smtClean="0"/>
-              <a:t>2023-06-06</a:t>
+              <a:t>2023-06-09</a:t>
             </a:fld>
             <a:endParaRPr lang="ko-KR" altLang="en-US"/>
           </a:p>
@@ -3219,7 +3219,7 @@
           <a:p>
             <a:fld id="{17564C48-0CD7-40EB-BE64-BBF4DB8C56AF}" type="datetime1">
               <a:rPr lang="ko-KR" altLang="en-US" smtClean="0"/>
-              <a:t>2023-06-06</a:t>
+              <a:t>2023-06-09</a:t>
             </a:fld>
             <a:endParaRPr lang="ko-KR" altLang="en-US"/>
           </a:p>
@@ -3399,7 +3399,7 @@
           <a:p>
             <a:fld id="{C116BCB4-B68B-4638-8167-F4BDC0A30DA1}" type="datetime1">
               <a:rPr lang="ko-KR" altLang="en-US" smtClean="0"/>
-              <a:t>2023-06-06</a:t>
+              <a:t>2023-06-09</a:t>
             </a:fld>
             <a:endParaRPr lang="ko-KR" altLang="en-US"/>
           </a:p>
@@ -13802,13 +13802,13 @@
       </p:sp>
       <p:pic>
         <p:nvPicPr>
-          <p:cNvPr id="2" name="그림 1"/>
+          <p:cNvPr id="3" name="그림 2"/>
           <p:cNvPicPr>
             <a:picLocks noChangeAspect="1"/>
           </p:cNvPicPr>
           <p:nvPr/>
         </p:nvPicPr>
-        <p:blipFill rotWithShape="1">
+        <p:blipFill>
           <a:blip r:embed="rId2">
             <a:extLst>
               <a:ext uri="{28A0092B-C50C-407E-A947-70E740481C1C}">
@@ -13816,13 +13816,14 @@
               </a:ext>
             </a:extLst>
           </a:blip>
-          <a:srcRect t="19632"/>
-          <a:stretch/>
+          <a:stretch>
+            <a:fillRect/>
+          </a:stretch>
         </p:blipFill>
         <p:spPr>
           <a:xfrm>
-            <a:off x="1129139" y="1158010"/>
-            <a:ext cx="6143317" cy="4608512"/>
+            <a:off x="6825208" y="1701822"/>
+            <a:ext cx="2592288" cy="1660822"/>
           </a:xfrm>
           <a:prstGeom prst="rect">
             <a:avLst/>
@@ -13838,7 +13839,7 @@
       </p:pic>
       <p:pic>
         <p:nvPicPr>
-          <p:cNvPr id="3" name="그림 2"/>
+          <p:cNvPr id="4" name="그림 3"/>
           <p:cNvPicPr>
             <a:picLocks noChangeAspect="1"/>
           </p:cNvPicPr>
@@ -13858,8 +13859,45 @@
         </p:blipFill>
         <p:spPr>
           <a:xfrm>
-            <a:off x="6825208" y="1556792"/>
-            <a:ext cx="2592288" cy="1660822"/>
+            <a:off x="848544" y="1196752"/>
+            <a:ext cx="5671423" cy="4807337"/>
+          </a:xfrm>
+          <a:prstGeom prst="rect">
+            <a:avLst/>
+          </a:prstGeom>
+          <a:ln>
+            <a:solidFill>
+              <a:schemeClr val="bg1">
+                <a:lumMod val="85000"/>
+              </a:schemeClr>
+            </a:solidFill>
+          </a:ln>
+        </p:spPr>
+      </p:pic>
+      <p:pic>
+        <p:nvPicPr>
+          <p:cNvPr id="5" name="그림 4"/>
+          <p:cNvPicPr>
+            <a:picLocks noChangeAspect="1"/>
+          </p:cNvPicPr>
+          <p:nvPr/>
+        </p:nvPicPr>
+        <p:blipFill>
+          <a:blip r:embed="rId4">
+            <a:extLst>
+              <a:ext uri="{28A0092B-C50C-407E-A947-70E740481C1C}">
+                <a14:useLocalDpi xmlns:a14="http://schemas.microsoft.com/office/drawing/2010/main" val="0"/>
+              </a:ext>
+            </a:extLst>
+          </a:blip>
+          <a:stretch>
+            <a:fillRect/>
+          </a:stretch>
+        </p:blipFill>
+        <p:spPr>
+          <a:xfrm>
+            <a:off x="6830347" y="4149080"/>
+            <a:ext cx="2187130" cy="1005927"/>
           </a:xfrm>
           <a:prstGeom prst="rect">
             <a:avLst/>
@@ -15626,8 +15664,8 @@
         </p:blipFill>
         <p:spPr>
           <a:xfrm>
-            <a:off x="1424608" y="1772816"/>
-            <a:ext cx="5464014" cy="2933954"/>
+            <a:off x="1424607" y="1772816"/>
+            <a:ext cx="6034645" cy="3240360"/>
           </a:xfrm>
           <a:prstGeom prst="rect">
             <a:avLst/>

--- a/javaWorks/자료/java_ppt/13장-자바 입출력.pptx
+++ b/javaWorks/자료/java_ppt/13장-자바 입출력.pptx
@@ -5,7 +5,7 @@
     <p:sldMasterId id="2147483648" r:id="rId1"/>
   </p:sldMasterIdLst>
   <p:notesMasterIdLst>
-    <p:notesMasterId r:id="rId48"/>
+    <p:notesMasterId r:id="rId51"/>
   </p:notesMasterIdLst>
   <p:sldIdLst>
     <p:sldId id="256" r:id="rId2"/>
@@ -32,28 +32,31 @@
     <p:sldId id="330" r:id="rId23"/>
     <p:sldId id="331" r:id="rId24"/>
     <p:sldId id="337" r:id="rId25"/>
-    <p:sldId id="340" r:id="rId26"/>
-    <p:sldId id="280" r:id="rId27"/>
-    <p:sldId id="263" r:id="rId28"/>
-    <p:sldId id="283" r:id="rId29"/>
-    <p:sldId id="284" r:id="rId30"/>
-    <p:sldId id="316" r:id="rId31"/>
-    <p:sldId id="308" r:id="rId32"/>
-    <p:sldId id="299" r:id="rId33"/>
-    <p:sldId id="318" r:id="rId34"/>
-    <p:sldId id="315" r:id="rId35"/>
-    <p:sldId id="344" r:id="rId36"/>
-    <p:sldId id="300" r:id="rId37"/>
-    <p:sldId id="305" r:id="rId38"/>
-    <p:sldId id="304" r:id="rId39"/>
-    <p:sldId id="302" r:id="rId40"/>
-    <p:sldId id="310" r:id="rId41"/>
-    <p:sldId id="288" r:id="rId42"/>
-    <p:sldId id="289" r:id="rId43"/>
-    <p:sldId id="332" r:id="rId44"/>
-    <p:sldId id="290" r:id="rId45"/>
-    <p:sldId id="295" r:id="rId46"/>
-    <p:sldId id="309" r:id="rId47"/>
+    <p:sldId id="345" r:id="rId26"/>
+    <p:sldId id="340" r:id="rId27"/>
+    <p:sldId id="280" r:id="rId28"/>
+    <p:sldId id="263" r:id="rId29"/>
+    <p:sldId id="346" r:id="rId30"/>
+    <p:sldId id="283" r:id="rId31"/>
+    <p:sldId id="284" r:id="rId32"/>
+    <p:sldId id="316" r:id="rId33"/>
+    <p:sldId id="308" r:id="rId34"/>
+    <p:sldId id="299" r:id="rId35"/>
+    <p:sldId id="318" r:id="rId36"/>
+    <p:sldId id="315" r:id="rId37"/>
+    <p:sldId id="344" r:id="rId38"/>
+    <p:sldId id="300" r:id="rId39"/>
+    <p:sldId id="305" r:id="rId40"/>
+    <p:sldId id="304" r:id="rId41"/>
+    <p:sldId id="347" r:id="rId42"/>
+    <p:sldId id="302" r:id="rId43"/>
+    <p:sldId id="310" r:id="rId44"/>
+    <p:sldId id="288" r:id="rId45"/>
+    <p:sldId id="289" r:id="rId46"/>
+    <p:sldId id="332" r:id="rId47"/>
+    <p:sldId id="290" r:id="rId48"/>
+    <p:sldId id="295" r:id="rId49"/>
+    <p:sldId id="309" r:id="rId50"/>
   </p:sldIdLst>
   <p:sldSz cx="9906000" cy="6858000" type="A4"/>
   <p:notesSz cx="6858000" cy="9144000"/>
@@ -253,7 +256,7 @@
           <a:p>
             <a:fld id="{7665CDAC-D627-4E87-877A-1B781DD4CADC}" type="datetimeFigureOut">
               <a:rPr lang="ko-KR" altLang="en-US" smtClean="0"/>
-              <a:t>2023-06-09</a:t>
+              <a:t>2023-06-13</a:t>
             </a:fld>
             <a:endParaRPr lang="ko-KR" altLang="en-US"/>
           </a:p>
@@ -791,7 +794,7 @@
           <a:p>
             <a:fld id="{F4AC81B4-D91A-4578-85B3-829E63FCFE17}" type="datetime1">
               <a:rPr lang="ko-KR" altLang="en-US" smtClean="0"/>
-              <a:t>2023-06-09</a:t>
+              <a:t>2023-06-13</a:t>
             </a:fld>
             <a:endParaRPr lang="ko-KR" altLang="en-US"/>
           </a:p>
@@ -1166,7 +1169,7 @@
           <a:p>
             <a:fld id="{F5B77542-37E5-48F2-BAE7-80CC6B0EB6A3}" type="datetime1">
               <a:rPr lang="ko-KR" altLang="en-US" smtClean="0"/>
-              <a:t>2023-06-09</a:t>
+              <a:t>2023-06-13</a:t>
             </a:fld>
             <a:endParaRPr lang="ko-KR" altLang="en-US"/>
           </a:p>
@@ -1346,7 +1349,7 @@
           <a:p>
             <a:fld id="{227CF174-B5AC-4A98-B673-0BE8126D3F27}" type="datetime1">
               <a:rPr lang="ko-KR" altLang="en-US" smtClean="0"/>
-              <a:t>2023-06-09</a:t>
+              <a:t>2023-06-13</a:t>
             </a:fld>
             <a:endParaRPr lang="ko-KR" altLang="en-US"/>
           </a:p>
@@ -1520,7 +1523,7 @@
           <a:p>
             <a:fld id="{E20FDEC8-1339-42E8-9704-2977280C2FD3}" type="datetime1">
               <a:rPr lang="ko-KR" altLang="en-US" smtClean="0"/>
-              <a:t>2023-06-09</a:t>
+              <a:t>2023-06-13</a:t>
             </a:fld>
             <a:endParaRPr lang="ko-KR" altLang="en-US"/>
           </a:p>
@@ -1766,7 +1769,7 @@
           <a:p>
             <a:fld id="{4D18DC76-A282-4817-B790-197F054E1215}" type="datetime1">
               <a:rPr lang="ko-KR" altLang="en-US" smtClean="0"/>
-              <a:t>2023-06-09</a:t>
+              <a:t>2023-06-13</a:t>
             </a:fld>
             <a:endParaRPr lang="ko-KR" altLang="en-US"/>
           </a:p>
@@ -2054,7 +2057,7 @@
           <a:p>
             <a:fld id="{6680AA6C-13D8-43E4-90F0-E6C88A2B9F16}" type="datetime1">
               <a:rPr lang="ko-KR" altLang="en-US" smtClean="0"/>
-              <a:t>2023-06-09</a:t>
+              <a:t>2023-06-13</a:t>
             </a:fld>
             <a:endParaRPr lang="ko-KR" altLang="en-US"/>
           </a:p>
@@ -2476,7 +2479,7 @@
           <a:p>
             <a:fld id="{3EF5B03B-20CC-436E-8601-C933C6C1F4A6}" type="datetime1">
               <a:rPr lang="ko-KR" altLang="en-US" smtClean="0"/>
-              <a:t>2023-06-09</a:t>
+              <a:t>2023-06-13</a:t>
             </a:fld>
             <a:endParaRPr lang="ko-KR" altLang="en-US"/>
           </a:p>
@@ -2594,7 +2597,7 @@
           <a:p>
             <a:fld id="{87B5A15D-8B08-482F-AB47-E416EC355EB6}" type="datetime1">
               <a:rPr lang="ko-KR" altLang="en-US" smtClean="0"/>
-              <a:t>2023-06-09</a:t>
+              <a:t>2023-06-13</a:t>
             </a:fld>
             <a:endParaRPr lang="ko-KR" altLang="en-US"/>
           </a:p>
@@ -2689,7 +2692,7 @@
           <a:p>
             <a:fld id="{A877D7F8-7B64-44F8-A411-CBD22F28CBFF}" type="datetime1">
               <a:rPr lang="ko-KR" altLang="en-US" smtClean="0"/>
-              <a:t>2023-06-09</a:t>
+              <a:t>2023-06-13</a:t>
             </a:fld>
             <a:endParaRPr lang="ko-KR" altLang="en-US"/>
           </a:p>
@@ -2966,7 +2969,7 @@
           <a:p>
             <a:fld id="{E12DBD9B-2BB6-4D1F-BCB4-1E48829C93C3}" type="datetime1">
               <a:rPr lang="ko-KR" altLang="en-US" smtClean="0"/>
-              <a:t>2023-06-09</a:t>
+              <a:t>2023-06-13</a:t>
             </a:fld>
             <a:endParaRPr lang="ko-KR" altLang="en-US"/>
           </a:p>
@@ -3219,7 +3222,7 @@
           <a:p>
             <a:fld id="{17564C48-0CD7-40EB-BE64-BBF4DB8C56AF}" type="datetime1">
               <a:rPr lang="ko-KR" altLang="en-US" smtClean="0"/>
-              <a:t>2023-06-09</a:t>
+              <a:t>2023-06-13</a:t>
             </a:fld>
             <a:endParaRPr lang="ko-KR" altLang="en-US"/>
           </a:p>
@@ -3399,7 +3402,7 @@
           <a:p>
             <a:fld id="{C116BCB4-B68B-4638-8167-F4BDC0A30DA1}" type="datetime1">
               <a:rPr lang="ko-KR" altLang="en-US" smtClean="0"/>
-              <a:t>2023-06-09</a:t>
+              <a:t>2023-06-13</a:t>
             </a:fld>
             <a:endParaRPr lang="ko-KR" altLang="en-US"/>
           </a:p>
@@ -13950,6 +13953,144 @@
       </p:grpSpPr>
       <p:sp>
         <p:nvSpPr>
+          <p:cNvPr id="73" name="제목 5"/>
+          <p:cNvSpPr txBox="1">
+            <a:spLocks/>
+          </p:cNvSpPr>
+          <p:nvPr/>
+        </p:nvSpPr>
+        <p:spPr>
+          <a:xfrm>
+            <a:off x="0" y="-27384"/>
+            <a:ext cx="7113240" cy="854968"/>
+          </a:xfrm>
+          <a:prstGeom prst="rect">
+            <a:avLst/>
+          </a:prstGeom>
+        </p:spPr>
+        <p:txBody>
+          <a:bodyPr anchor="ctr" anchorCtr="0"/>
+          <a:lstStyle>
+            <a:lvl1pPr algn="l" defTabSz="914400" rtl="0" eaLnBrk="1" latinLnBrk="1" hangingPunct="1">
+              <a:spcBef>
+                <a:spcPct val="0"/>
+              </a:spcBef>
+              <a:buNone/>
+              <a:defRPr sz="3200" kern="1200">
+                <a:solidFill>
+                  <a:schemeClr val="bg1"/>
+                </a:solidFill>
+                <a:latin typeface="HY헤드라인M" panose="02030600000101010101" pitchFamily="18" charset="-127"/>
+                <a:ea typeface="HY헤드라인M" panose="02030600000101010101" pitchFamily="18" charset="-127"/>
+                <a:cs typeface="+mj-cs"/>
+              </a:defRPr>
+            </a:lvl1pPr>
+          </a:lstStyle>
+          <a:p>
+            <a:r>
+              <a:rPr lang="en-US" altLang="ko-KR" dirty="0" smtClean="0"/>
+              <a:t> </a:t>
+            </a:r>
+            <a:r>
+              <a:rPr lang="ko-KR" altLang="en-US" dirty="0"/>
+              <a:t> </a:t>
+            </a:r>
+            <a:r>
+              <a:rPr lang="ko-KR" altLang="en-US" dirty="0" smtClean="0"/>
+              <a:t>문자 단위 </a:t>
+            </a:r>
+            <a:r>
+              <a:rPr lang="ko-KR" altLang="en-US" dirty="0" err="1" smtClean="0"/>
+              <a:t>스트림</a:t>
+            </a:r>
+            <a:r>
+              <a:rPr lang="ko-KR" altLang="en-US" dirty="0" smtClean="0"/>
+              <a:t> </a:t>
+            </a:r>
+            <a:r>
+              <a:rPr lang="en-US" altLang="ko-KR" dirty="0" smtClean="0"/>
+              <a:t>- Writer</a:t>
+            </a:r>
+            <a:endParaRPr lang="ko-KR" altLang="en-US" dirty="0"/>
+          </a:p>
+        </p:txBody>
+      </p:sp>
+      <p:pic>
+        <p:nvPicPr>
+          <p:cNvPr id="2" name="그림 1"/>
+          <p:cNvPicPr>
+            <a:picLocks noChangeAspect="1"/>
+          </p:cNvPicPr>
+          <p:nvPr/>
+        </p:nvPicPr>
+        <p:blipFill>
+          <a:blip r:embed="rId2">
+            <a:extLst>
+              <a:ext uri="{28A0092B-C50C-407E-A947-70E740481C1C}">
+                <a14:useLocalDpi xmlns:a14="http://schemas.microsoft.com/office/drawing/2010/main" val="0"/>
+              </a:ext>
+            </a:extLst>
+          </a:blip>
+          <a:stretch>
+            <a:fillRect/>
+          </a:stretch>
+        </p:blipFill>
+        <p:spPr>
+          <a:xfrm>
+            <a:off x="1784648" y="1052736"/>
+            <a:ext cx="5709138" cy="5074014"/>
+          </a:xfrm>
+          <a:prstGeom prst="rect">
+            <a:avLst/>
+          </a:prstGeom>
+          <a:ln>
+            <a:solidFill>
+              <a:schemeClr val="bg1">
+                <a:lumMod val="85000"/>
+              </a:schemeClr>
+            </a:solidFill>
+          </a:ln>
+        </p:spPr>
+      </p:pic>
+    </p:spTree>
+    <p:extLst>
+      <p:ext uri="{BB962C8B-B14F-4D97-AF65-F5344CB8AC3E}">
+        <p14:creationId xmlns:p14="http://schemas.microsoft.com/office/powerpoint/2010/main" val="2419052117"/>
+      </p:ext>
+    </p:extLst>
+  </p:cSld>
+  <p:clrMapOvr>
+    <a:masterClrMapping/>
+  </p:clrMapOvr>
+  <p:timing>
+    <p:tnLst>
+      <p:par>
+        <p:cTn id="1" dur="indefinite" restart="never" nodeType="tmRoot"/>
+      </p:par>
+    </p:tnLst>
+  </p:timing>
+</p:sld>
+</file>
+
+<file path=ppt/slides/slide26.xml><?xml version="1.0" encoding="utf-8"?>
+<p:sld xmlns:a="http://schemas.openxmlformats.org/drawingml/2006/main" xmlns:r="http://schemas.openxmlformats.org/officeDocument/2006/relationships" xmlns:p="http://schemas.openxmlformats.org/presentationml/2006/main">
+  <p:cSld>
+    <p:spTree>
+      <p:nvGrpSpPr>
+        <p:cNvPr id="1" name=""/>
+        <p:cNvGrpSpPr/>
+        <p:nvPr/>
+      </p:nvGrpSpPr>
+      <p:grpSpPr>
+        <a:xfrm>
+          <a:off x="0" y="0"/>
+          <a:ext cx="0" cy="0"/>
+          <a:chOff x="0" y="0"/>
+          <a:chExt cx="0" cy="0"/>
+        </a:xfrm>
+      </p:grpSpPr>
+      <p:sp>
+        <p:nvSpPr>
           <p:cNvPr id="22" name="제목 5"/>
           <p:cNvSpPr txBox="1">
             <a:spLocks/>
@@ -14445,7 +14586,7 @@
 </p:sld>
 </file>
 
-<file path=ppt/slides/slide26.xml><?xml version="1.0" encoding="utf-8"?>
+<file path=ppt/slides/slide27.xml><?xml version="1.0" encoding="utf-8"?>
 <p:sld xmlns:a="http://schemas.openxmlformats.org/drawingml/2006/main" xmlns:r="http://schemas.openxmlformats.org/officeDocument/2006/relationships" xmlns:p="http://schemas.openxmlformats.org/presentationml/2006/main">
   <p:cSld>
     <p:spTree>
@@ -15494,7 +15635,7 @@
 </p:sld>
 </file>
 
-<file path=ppt/slides/slide27.xml><?xml version="1.0" encoding="utf-8"?>
+<file path=ppt/slides/slide28.xml><?xml version="1.0" encoding="utf-8"?>
 <p:sld xmlns:a="http://schemas.openxmlformats.org/drawingml/2006/main" xmlns:r="http://schemas.openxmlformats.org/officeDocument/2006/relationships" xmlns:p="http://schemas.openxmlformats.org/presentationml/2006/main">
   <p:cSld>
     <p:spTree>
@@ -15699,728 +15840,6 @@
 </p:sld>
 </file>
 
-<file path=ppt/slides/slide28.xml><?xml version="1.0" encoding="utf-8"?>
-<p:sld xmlns:a="http://schemas.openxmlformats.org/drawingml/2006/main" xmlns:r="http://schemas.openxmlformats.org/officeDocument/2006/relationships" xmlns:p="http://schemas.openxmlformats.org/presentationml/2006/main">
-  <p:cSld>
-    <p:spTree>
-      <p:nvGrpSpPr>
-        <p:cNvPr id="1" name=""/>
-        <p:cNvGrpSpPr/>
-        <p:nvPr/>
-      </p:nvGrpSpPr>
-      <p:grpSpPr>
-        <a:xfrm>
-          <a:off x="0" y="0"/>
-          <a:ext cx="0" cy="0"/>
-          <a:chOff x="0" y="0"/>
-          <a:chExt cx="0" cy="0"/>
-        </a:xfrm>
-      </p:grpSpPr>
-      <p:sp>
-        <p:nvSpPr>
-          <p:cNvPr id="22" name="제목 5"/>
-          <p:cNvSpPr txBox="1">
-            <a:spLocks/>
-          </p:cNvSpPr>
-          <p:nvPr/>
-        </p:nvSpPr>
-        <p:spPr>
-          <a:xfrm>
-            <a:off x="1" y="-27384"/>
-            <a:ext cx="3800872" cy="854968"/>
-          </a:xfrm>
-          <a:prstGeom prst="rect">
-            <a:avLst/>
-          </a:prstGeom>
-        </p:spPr>
-        <p:txBody>
-          <a:bodyPr anchor="ctr" anchorCtr="0"/>
-          <a:lstStyle>
-            <a:lvl1pPr algn="l" defTabSz="914400" rtl="0" eaLnBrk="1" latinLnBrk="1" hangingPunct="1">
-              <a:spcBef>
-                <a:spcPct val="0"/>
-              </a:spcBef>
-              <a:buNone/>
-              <a:defRPr sz="3200" kern="1200">
-                <a:solidFill>
-                  <a:schemeClr val="bg1"/>
-                </a:solidFill>
-                <a:latin typeface="HY헤드라인M" panose="02030600000101010101" pitchFamily="18" charset="-127"/>
-                <a:ea typeface="HY헤드라인M" panose="02030600000101010101" pitchFamily="18" charset="-127"/>
-                <a:cs typeface="+mj-cs"/>
-              </a:defRPr>
-            </a:lvl1pPr>
-          </a:lstStyle>
-          <a:p>
-            <a:r>
-              <a:rPr lang="en-US" altLang="ko-KR" dirty="0" smtClean="0"/>
-              <a:t> </a:t>
-            </a:r>
-            <a:r>
-              <a:rPr lang="ko-KR" altLang="en-US" dirty="0" smtClean="0"/>
-              <a:t>보조 </a:t>
-            </a:r>
-            <a:r>
-              <a:rPr lang="ko-KR" altLang="en-US" dirty="0" err="1" smtClean="0"/>
-              <a:t>스트림</a:t>
-            </a:r>
-            <a:endParaRPr lang="ko-KR" altLang="en-US" dirty="0"/>
-          </a:p>
-        </p:txBody>
-      </p:sp>
-      <p:sp>
-        <p:nvSpPr>
-          <p:cNvPr id="23" name="내용 개체 틀 2">
-            <a:extLst>
-              <a:ext uri="{FF2B5EF4-FFF2-40B4-BE49-F238E27FC236}">
-                <a16:creationId xmlns:a16="http://schemas.microsoft.com/office/drawing/2014/main" id="{98AF3A4E-7D90-4241-89FE-799D6F9D5A94}"/>
-              </a:ext>
-            </a:extLst>
-          </p:cNvPr>
-          <p:cNvSpPr txBox="1">
-            <a:spLocks/>
-          </p:cNvSpPr>
-          <p:nvPr/>
-        </p:nvSpPr>
-        <p:spPr>
-          <a:xfrm>
-            <a:off x="553287" y="942174"/>
-            <a:ext cx="8720193" cy="1694738"/>
-          </a:xfrm>
-          <a:prstGeom prst="rect">
-            <a:avLst/>
-          </a:prstGeom>
-        </p:spPr>
-        <p:txBody>
-          <a:bodyPr/>
-          <a:lstStyle>
-            <a:lvl1pPr marL="228600" indent="-228600" algn="l" defTabSz="914400" rtl="0" eaLnBrk="1" latinLnBrk="1" hangingPunct="1">
-              <a:lnSpc>
-                <a:spcPct val="90000"/>
-              </a:lnSpc>
-              <a:spcBef>
-                <a:spcPts val="1000"/>
-              </a:spcBef>
-              <a:buFont typeface="Arial" panose="020B0604020202020204" pitchFamily="34" charset="0"/>
-              <a:buChar char="•"/>
-              <a:defRPr sz="2800" kern="1200">
-                <a:solidFill>
-                  <a:schemeClr val="tx1"/>
-                </a:solidFill>
-                <a:latin typeface="+mn-lt"/>
-                <a:ea typeface="+mn-ea"/>
-                <a:cs typeface="+mn-cs"/>
-              </a:defRPr>
-            </a:lvl1pPr>
-            <a:lvl2pPr marL="685800" indent="-228600" algn="l" defTabSz="914400" rtl="0" eaLnBrk="1" latinLnBrk="1" hangingPunct="1">
-              <a:lnSpc>
-                <a:spcPct val="90000"/>
-              </a:lnSpc>
-              <a:spcBef>
-                <a:spcPts val="500"/>
-              </a:spcBef>
-              <a:buFont typeface="Arial" panose="020B0604020202020204" pitchFamily="34" charset="0"/>
-              <a:buChar char="•"/>
-              <a:defRPr sz="2400" kern="1200">
-                <a:solidFill>
-                  <a:schemeClr val="tx1"/>
-                </a:solidFill>
-                <a:latin typeface="+mn-lt"/>
-                <a:ea typeface="+mn-ea"/>
-                <a:cs typeface="+mn-cs"/>
-              </a:defRPr>
-            </a:lvl2pPr>
-            <a:lvl3pPr marL="1143000" indent="-228600" algn="l" defTabSz="914400" rtl="0" eaLnBrk="1" latinLnBrk="1" hangingPunct="1">
-              <a:lnSpc>
-                <a:spcPct val="90000"/>
-              </a:lnSpc>
-              <a:spcBef>
-                <a:spcPts val="500"/>
-              </a:spcBef>
-              <a:buFont typeface="Arial" panose="020B0604020202020204" pitchFamily="34" charset="0"/>
-              <a:buChar char="•"/>
-              <a:defRPr sz="2000" kern="1200">
-                <a:solidFill>
-                  <a:schemeClr val="tx1"/>
-                </a:solidFill>
-                <a:latin typeface="+mn-lt"/>
-                <a:ea typeface="+mn-ea"/>
-                <a:cs typeface="+mn-cs"/>
-              </a:defRPr>
-            </a:lvl3pPr>
-            <a:lvl4pPr marL="1600200" indent="-228600" algn="l" defTabSz="914400" rtl="0" eaLnBrk="1" latinLnBrk="1" hangingPunct="1">
-              <a:lnSpc>
-                <a:spcPct val="90000"/>
-              </a:lnSpc>
-              <a:spcBef>
-                <a:spcPts val="500"/>
-              </a:spcBef>
-              <a:buFont typeface="Arial" panose="020B0604020202020204" pitchFamily="34" charset="0"/>
-              <a:buChar char="•"/>
-              <a:defRPr sz="1800" kern="1200">
-                <a:solidFill>
-                  <a:schemeClr val="tx1"/>
-                </a:solidFill>
-                <a:latin typeface="+mn-lt"/>
-                <a:ea typeface="+mn-ea"/>
-                <a:cs typeface="+mn-cs"/>
-              </a:defRPr>
-            </a:lvl4pPr>
-            <a:lvl5pPr marL="2057400" indent="-228600" algn="l" defTabSz="914400" rtl="0" eaLnBrk="1" latinLnBrk="1" hangingPunct="1">
-              <a:lnSpc>
-                <a:spcPct val="90000"/>
-              </a:lnSpc>
-              <a:spcBef>
-                <a:spcPts val="500"/>
-              </a:spcBef>
-              <a:buFont typeface="Arial" panose="020B0604020202020204" pitchFamily="34" charset="0"/>
-              <a:buChar char="•"/>
-              <a:defRPr sz="1800" kern="1200">
-                <a:solidFill>
-                  <a:schemeClr val="tx1"/>
-                </a:solidFill>
-                <a:latin typeface="+mn-lt"/>
-                <a:ea typeface="+mn-ea"/>
-                <a:cs typeface="+mn-cs"/>
-              </a:defRPr>
-            </a:lvl5pPr>
-            <a:lvl6pPr marL="2514600" indent="-228600" algn="l" defTabSz="914400" rtl="0" eaLnBrk="1" latinLnBrk="1" hangingPunct="1">
-              <a:lnSpc>
-                <a:spcPct val="90000"/>
-              </a:lnSpc>
-              <a:spcBef>
-                <a:spcPts val="500"/>
-              </a:spcBef>
-              <a:buFont typeface="Arial" panose="020B0604020202020204" pitchFamily="34" charset="0"/>
-              <a:buChar char="•"/>
-              <a:defRPr sz="1800" kern="1200">
-                <a:solidFill>
-                  <a:schemeClr val="tx1"/>
-                </a:solidFill>
-                <a:latin typeface="+mn-lt"/>
-                <a:ea typeface="+mn-ea"/>
-                <a:cs typeface="+mn-cs"/>
-              </a:defRPr>
-            </a:lvl6pPr>
-            <a:lvl7pPr marL="2971800" indent="-228600" algn="l" defTabSz="914400" rtl="0" eaLnBrk="1" latinLnBrk="1" hangingPunct="1">
-              <a:lnSpc>
-                <a:spcPct val="90000"/>
-              </a:lnSpc>
-              <a:spcBef>
-                <a:spcPts val="500"/>
-              </a:spcBef>
-              <a:buFont typeface="Arial" panose="020B0604020202020204" pitchFamily="34" charset="0"/>
-              <a:buChar char="•"/>
-              <a:defRPr sz="1800" kern="1200">
-                <a:solidFill>
-                  <a:schemeClr val="tx1"/>
-                </a:solidFill>
-                <a:latin typeface="+mn-lt"/>
-                <a:ea typeface="+mn-ea"/>
-                <a:cs typeface="+mn-cs"/>
-              </a:defRPr>
-            </a:lvl7pPr>
-            <a:lvl8pPr marL="3429000" indent="-228600" algn="l" defTabSz="914400" rtl="0" eaLnBrk="1" latinLnBrk="1" hangingPunct="1">
-              <a:lnSpc>
-                <a:spcPct val="90000"/>
-              </a:lnSpc>
-              <a:spcBef>
-                <a:spcPts val="500"/>
-              </a:spcBef>
-              <a:buFont typeface="Arial" panose="020B0604020202020204" pitchFamily="34" charset="0"/>
-              <a:buChar char="•"/>
-              <a:defRPr sz="1800" kern="1200">
-                <a:solidFill>
-                  <a:schemeClr val="tx1"/>
-                </a:solidFill>
-                <a:latin typeface="+mn-lt"/>
-                <a:ea typeface="+mn-ea"/>
-                <a:cs typeface="+mn-cs"/>
-              </a:defRPr>
-            </a:lvl8pPr>
-            <a:lvl9pPr marL="3886200" indent="-228600" algn="l" defTabSz="914400" rtl="0" eaLnBrk="1" latinLnBrk="1" hangingPunct="1">
-              <a:lnSpc>
-                <a:spcPct val="90000"/>
-              </a:lnSpc>
-              <a:spcBef>
-                <a:spcPts val="500"/>
-              </a:spcBef>
-              <a:buFont typeface="Arial" panose="020B0604020202020204" pitchFamily="34" charset="0"/>
-              <a:buChar char="•"/>
-              <a:defRPr sz="1800" kern="1200">
-                <a:solidFill>
-                  <a:schemeClr val="tx1"/>
-                </a:solidFill>
-                <a:latin typeface="+mn-lt"/>
-                <a:ea typeface="+mn-ea"/>
-                <a:cs typeface="+mn-cs"/>
-              </a:defRPr>
-            </a:lvl9pPr>
-          </a:lstStyle>
-          <a:p>
-            <a:pPr marL="0" indent="0">
-              <a:lnSpc>
-                <a:spcPct val="150000"/>
-              </a:lnSpc>
-              <a:buNone/>
-            </a:pPr>
-            <a:r>
-              <a:rPr lang="ko-KR" altLang="en-US" sz="1800" dirty="0">
-                <a:latin typeface="+mn-ea"/>
-              </a:rPr>
-              <a:t> </a:t>
-            </a:r>
-            <a:r>
-              <a:rPr lang="ko-KR" altLang="en-US" sz="1800" dirty="0" smtClean="0">
-                <a:latin typeface="+mn-ea"/>
-              </a:rPr>
-              <a:t> </a:t>
-            </a:r>
-            <a:r>
-              <a:rPr lang="ko-KR" altLang="en-US" sz="2000" b="1" dirty="0" smtClean="0">
-                <a:solidFill>
-                  <a:srgbClr val="C00000"/>
-                </a:solidFill>
-                <a:latin typeface="+mn-ea"/>
-              </a:rPr>
-              <a:t>보조 </a:t>
-            </a:r>
-            <a:r>
-              <a:rPr lang="ko-KR" altLang="en-US" sz="2000" b="1" dirty="0" err="1" smtClean="0">
-                <a:solidFill>
-                  <a:srgbClr val="C00000"/>
-                </a:solidFill>
-                <a:latin typeface="+mn-ea"/>
-              </a:rPr>
-              <a:t>스트림</a:t>
-            </a:r>
-            <a:endParaRPr lang="en-US" altLang="ko-KR" sz="2000" b="1" dirty="0" smtClean="0">
-              <a:solidFill>
-                <a:srgbClr val="C00000"/>
-              </a:solidFill>
-              <a:latin typeface="+mn-ea"/>
-            </a:endParaRPr>
-          </a:p>
-          <a:p>
-            <a:pPr lvl="1">
-              <a:lnSpc>
-                <a:spcPct val="150000"/>
-              </a:lnSpc>
-              <a:buFont typeface="Wingdings" panose="05000000000000000000" pitchFamily="2" charset="2"/>
-              <a:buChar char="§"/>
-            </a:pPr>
-            <a:r>
-              <a:rPr lang="ko-KR" altLang="en-US" sz="1600" dirty="0" smtClean="0">
-                <a:latin typeface="+mn-ea"/>
-              </a:rPr>
-              <a:t>실제 읽고 쓰는 </a:t>
-            </a:r>
-            <a:r>
-              <a:rPr lang="ko-KR" altLang="en-US" sz="1600" dirty="0" err="1" smtClean="0">
-                <a:latin typeface="+mn-ea"/>
-              </a:rPr>
-              <a:t>스트림이</a:t>
-            </a:r>
-            <a:r>
-              <a:rPr lang="ko-KR" altLang="en-US" sz="1600" dirty="0" smtClean="0">
-                <a:latin typeface="+mn-ea"/>
-              </a:rPr>
-              <a:t> 아닌 보조적인 기능을 추가하는 </a:t>
-            </a:r>
-            <a:r>
-              <a:rPr lang="ko-KR" altLang="en-US" sz="1600" dirty="0" err="1" smtClean="0">
-                <a:latin typeface="+mn-ea"/>
-              </a:rPr>
-              <a:t>스트림</a:t>
-            </a:r>
-            <a:r>
-              <a:rPr lang="en-US" altLang="ko-KR" sz="1600" dirty="0" smtClean="0">
-                <a:latin typeface="+mn-ea"/>
-              </a:rPr>
-              <a:t>. </a:t>
-            </a:r>
-          </a:p>
-          <a:p>
-            <a:pPr lvl="1">
-              <a:lnSpc>
-                <a:spcPct val="150000"/>
-              </a:lnSpc>
-              <a:buFont typeface="Wingdings" panose="05000000000000000000" pitchFamily="2" charset="2"/>
-              <a:buChar char="§"/>
-            </a:pPr>
-            <a:r>
-              <a:rPr lang="ko-KR" altLang="en-US" sz="1600" dirty="0" smtClean="0">
-                <a:latin typeface="+mn-ea"/>
-              </a:rPr>
-              <a:t>생성자의 매개변수로 또 </a:t>
-            </a:r>
-            <a:r>
-              <a:rPr lang="ko-KR" altLang="en-US" sz="1600" b="1" dirty="0" err="1" smtClean="0">
-                <a:solidFill>
-                  <a:srgbClr val="C00000"/>
-                </a:solidFill>
-                <a:latin typeface="+mn-ea"/>
-              </a:rPr>
-              <a:t>기반스트림</a:t>
-            </a:r>
-            <a:r>
-              <a:rPr lang="ko-KR" altLang="en-US" sz="1600" dirty="0" err="1" smtClean="0">
-                <a:latin typeface="+mn-ea"/>
-              </a:rPr>
-              <a:t>을</a:t>
-            </a:r>
-            <a:r>
-              <a:rPr lang="ko-KR" altLang="en-US" sz="1600" dirty="0" smtClean="0">
-                <a:latin typeface="+mn-ea"/>
-              </a:rPr>
-              <a:t> 가짐</a:t>
-            </a:r>
-            <a:endParaRPr lang="en-US" altLang="ko-KR" sz="1600" dirty="0" smtClean="0">
-              <a:latin typeface="+mn-ea"/>
-            </a:endParaRPr>
-          </a:p>
-          <a:p>
-            <a:pPr lvl="1">
-              <a:lnSpc>
-                <a:spcPct val="150000"/>
-              </a:lnSpc>
-              <a:buFont typeface="Wingdings" panose="05000000000000000000" pitchFamily="2" charset="2"/>
-              <a:buChar char="§"/>
-            </a:pPr>
-            <a:r>
-              <a:rPr lang="ko-KR" altLang="en-US" sz="1600" dirty="0" err="1" smtClean="0">
-                <a:latin typeface="+mn-ea"/>
-              </a:rPr>
-              <a:t>데코레이터</a:t>
-            </a:r>
-            <a:r>
-              <a:rPr lang="en-US" altLang="ko-KR" sz="1600" dirty="0" smtClean="0">
-                <a:latin typeface="+mn-ea"/>
-              </a:rPr>
-              <a:t>(decorator) </a:t>
-            </a:r>
-            <a:r>
-              <a:rPr lang="ko-KR" altLang="en-US" sz="1600" dirty="0" smtClean="0">
-                <a:latin typeface="+mn-ea"/>
-              </a:rPr>
-              <a:t>패턴이라고 함</a:t>
-            </a:r>
-            <a:endParaRPr lang="en-US" altLang="ko-KR" sz="1800" dirty="0" smtClean="0"/>
-          </a:p>
-          <a:p>
-            <a:pPr lvl="1">
-              <a:lnSpc>
-                <a:spcPct val="100000"/>
-              </a:lnSpc>
-            </a:pPr>
-            <a:endParaRPr lang="en-US" altLang="ko-KR" sz="1800" dirty="0" smtClean="0"/>
-          </a:p>
-          <a:p>
-            <a:pPr marL="457200" lvl="1" indent="0">
-              <a:lnSpc>
-                <a:spcPct val="150000"/>
-              </a:lnSpc>
-              <a:buNone/>
-            </a:pPr>
-            <a:endParaRPr lang="en-US" altLang="ko-KR" sz="1400" b="1" dirty="0" smtClean="0">
-              <a:solidFill>
-                <a:srgbClr val="002060"/>
-              </a:solidFill>
-            </a:endParaRPr>
-          </a:p>
-        </p:txBody>
-      </p:sp>
-      <p:sp>
-        <p:nvSpPr>
-          <p:cNvPr id="9" name="타원 8"/>
-          <p:cNvSpPr/>
-          <p:nvPr/>
-        </p:nvSpPr>
-        <p:spPr>
-          <a:xfrm>
-            <a:off x="5561455" y="3246430"/>
-            <a:ext cx="2520280" cy="1368152"/>
-          </a:xfrm>
-          <a:prstGeom prst="ellipse">
-            <a:avLst/>
-          </a:prstGeom>
-          <a:ln/>
-        </p:spPr>
-        <p:style>
-          <a:lnRef idx="2">
-            <a:schemeClr val="accent2"/>
-          </a:lnRef>
-          <a:fillRef idx="1">
-            <a:schemeClr val="lt1"/>
-          </a:fillRef>
-          <a:effectRef idx="0">
-            <a:schemeClr val="accent2"/>
-          </a:effectRef>
-          <a:fontRef idx="minor">
-            <a:schemeClr val="dk1"/>
-          </a:fontRef>
-        </p:style>
-        <p:txBody>
-          <a:bodyPr rtlCol="0" anchor="ctr"/>
-          <a:lstStyle/>
-          <a:p>
-            <a:pPr algn="ctr"/>
-            <a:r>
-              <a:rPr lang="en-US" altLang="ko-KR" sz="1600" dirty="0" smtClean="0"/>
-              <a:t>+ </a:t>
-            </a:r>
-            <a:r>
-              <a:rPr lang="ko-KR" altLang="en-US" sz="1600" dirty="0" err="1" smtClean="0"/>
-              <a:t>버퍼링</a:t>
-            </a:r>
-            <a:r>
-              <a:rPr lang="ko-KR" altLang="en-US" sz="1600" dirty="0" smtClean="0"/>
-              <a:t> 기능</a:t>
-            </a:r>
-            <a:endParaRPr lang="en-US" altLang="ko-KR" sz="1600" dirty="0" smtClean="0"/>
-          </a:p>
-          <a:p>
-            <a:pPr algn="ctr"/>
-            <a:r>
-              <a:rPr lang="ko-KR" altLang="en-US" sz="1600" dirty="0" smtClean="0"/>
-              <a:t>추가</a:t>
-            </a:r>
-            <a:endParaRPr lang="ko-KR" altLang="en-US" sz="1600" dirty="0"/>
-          </a:p>
-        </p:txBody>
-      </p:sp>
-      <p:sp>
-        <p:nvSpPr>
-          <p:cNvPr id="7" name="타원 6"/>
-          <p:cNvSpPr/>
-          <p:nvPr/>
-        </p:nvSpPr>
-        <p:spPr>
-          <a:xfrm>
-            <a:off x="3512840" y="3246430"/>
-            <a:ext cx="2520280" cy="1368152"/>
-          </a:xfrm>
-          <a:prstGeom prst="ellipse">
-            <a:avLst/>
-          </a:prstGeom>
-          <a:ln/>
-        </p:spPr>
-        <p:style>
-          <a:lnRef idx="2">
-            <a:schemeClr val="accent2"/>
-          </a:lnRef>
-          <a:fillRef idx="1">
-            <a:schemeClr val="lt1"/>
-          </a:fillRef>
-          <a:effectRef idx="0">
-            <a:schemeClr val="accent2"/>
-          </a:effectRef>
-          <a:fontRef idx="minor">
-            <a:schemeClr val="dk1"/>
-          </a:fontRef>
-        </p:style>
-        <p:txBody>
-          <a:bodyPr rtlCol="0" anchor="ctr"/>
-          <a:lstStyle/>
-          <a:p>
-            <a:pPr algn="ctr"/>
-            <a:r>
-              <a:rPr lang="en-US" altLang="ko-KR" sz="1600" dirty="0" smtClean="0"/>
-              <a:t>+ </a:t>
-            </a:r>
-            <a:r>
-              <a:rPr lang="ko-KR" altLang="en-US" sz="1600" dirty="0" smtClean="0"/>
-              <a:t>문자로 변환</a:t>
-            </a:r>
-            <a:endParaRPr lang="en-US" altLang="ko-KR" sz="1600" dirty="0" smtClean="0"/>
-          </a:p>
-          <a:p>
-            <a:pPr algn="ctr"/>
-            <a:r>
-              <a:rPr lang="ko-KR" altLang="en-US" sz="1600" dirty="0" smtClean="0"/>
-              <a:t>기능 추가</a:t>
-            </a:r>
-            <a:endParaRPr lang="ko-KR" altLang="en-US" sz="1600" dirty="0"/>
-          </a:p>
-        </p:txBody>
-      </p:sp>
-      <p:sp>
-        <p:nvSpPr>
-          <p:cNvPr id="2" name="타원 1"/>
-          <p:cNvSpPr/>
-          <p:nvPr/>
-        </p:nvSpPr>
-        <p:spPr>
-          <a:xfrm>
-            <a:off x="1280591" y="3246430"/>
-            <a:ext cx="2520281" cy="1368152"/>
-          </a:xfrm>
-          <a:prstGeom prst="ellipse">
-            <a:avLst/>
-          </a:prstGeom>
-          <a:ln/>
-        </p:spPr>
-        <p:style>
-          <a:lnRef idx="2">
-            <a:schemeClr val="accent2"/>
-          </a:lnRef>
-          <a:fillRef idx="1">
-            <a:schemeClr val="lt1"/>
-          </a:fillRef>
-          <a:effectRef idx="0">
-            <a:schemeClr val="accent2"/>
-          </a:effectRef>
-          <a:fontRef idx="minor">
-            <a:schemeClr val="dk1"/>
-          </a:fontRef>
-        </p:style>
-        <p:txBody>
-          <a:bodyPr rtlCol="0" anchor="ctr"/>
-          <a:lstStyle/>
-          <a:p>
-            <a:pPr algn="ctr"/>
-            <a:r>
-              <a:rPr lang="ko-KR" altLang="en-US" sz="1600" dirty="0" smtClean="0"/>
-              <a:t>바이트 단위</a:t>
-            </a:r>
-            <a:endParaRPr lang="en-US" altLang="ko-KR" sz="1600" dirty="0" smtClean="0"/>
-          </a:p>
-          <a:p>
-            <a:pPr algn="ctr"/>
-            <a:r>
-              <a:rPr lang="ko-KR" altLang="en-US" sz="1600" dirty="0" smtClean="0"/>
-              <a:t>파일 입력 </a:t>
-            </a:r>
-            <a:r>
-              <a:rPr lang="ko-KR" altLang="en-US" sz="1600" dirty="0" err="1" smtClean="0"/>
-              <a:t>스트림</a:t>
-            </a:r>
-            <a:endParaRPr lang="ko-KR" altLang="en-US" sz="1600" dirty="0"/>
-          </a:p>
-        </p:txBody>
-      </p:sp>
-      <p:sp>
-        <p:nvSpPr>
-          <p:cNvPr id="3" name="TextBox 2"/>
-          <p:cNvSpPr txBox="1"/>
-          <p:nvPr/>
-        </p:nvSpPr>
-        <p:spPr>
-          <a:xfrm>
-            <a:off x="1928664" y="4746630"/>
-            <a:ext cx="1296144" cy="338554"/>
-          </a:xfrm>
-          <a:prstGeom prst="rect">
-            <a:avLst/>
-          </a:prstGeom>
-          <a:noFill/>
-        </p:spPr>
-        <p:txBody>
-          <a:bodyPr wrap="square" rtlCol="0">
-            <a:spAutoFit/>
-          </a:bodyPr>
-          <a:lstStyle/>
-          <a:p>
-            <a:r>
-              <a:rPr lang="ko-KR" altLang="en-US" sz="1600" dirty="0" smtClean="0"/>
-              <a:t>기반 </a:t>
-            </a:r>
-            <a:r>
-              <a:rPr lang="ko-KR" altLang="en-US" sz="1600" dirty="0" err="1" smtClean="0"/>
-              <a:t>스트림</a:t>
-            </a:r>
-            <a:endParaRPr lang="ko-KR" altLang="en-US" sz="1600" dirty="0"/>
-          </a:p>
-        </p:txBody>
-      </p:sp>
-      <p:sp>
-        <p:nvSpPr>
-          <p:cNvPr id="8" name="TextBox 7"/>
-          <p:cNvSpPr txBox="1"/>
-          <p:nvPr/>
-        </p:nvSpPr>
-        <p:spPr>
-          <a:xfrm>
-            <a:off x="4265311" y="4746630"/>
-            <a:ext cx="1296144" cy="338554"/>
-          </a:xfrm>
-          <a:prstGeom prst="rect">
-            <a:avLst/>
-          </a:prstGeom>
-          <a:noFill/>
-        </p:spPr>
-        <p:txBody>
-          <a:bodyPr wrap="square" rtlCol="0">
-            <a:spAutoFit/>
-          </a:bodyPr>
-          <a:lstStyle/>
-          <a:p>
-            <a:r>
-              <a:rPr lang="ko-KR" altLang="en-US" sz="1600" dirty="0" smtClean="0"/>
-              <a:t>보조 </a:t>
-            </a:r>
-            <a:r>
-              <a:rPr lang="ko-KR" altLang="en-US" sz="1600" dirty="0" err="1" smtClean="0"/>
-              <a:t>스트림</a:t>
-            </a:r>
-            <a:endParaRPr lang="ko-KR" altLang="en-US" sz="1600" dirty="0"/>
-          </a:p>
-        </p:txBody>
-      </p:sp>
-      <p:sp>
-        <p:nvSpPr>
-          <p:cNvPr id="10" name="TextBox 9"/>
-          <p:cNvSpPr txBox="1"/>
-          <p:nvPr/>
-        </p:nvSpPr>
-        <p:spPr>
-          <a:xfrm>
-            <a:off x="6249144" y="4746630"/>
-            <a:ext cx="1296144" cy="338554"/>
-          </a:xfrm>
-          <a:prstGeom prst="rect">
-            <a:avLst/>
-          </a:prstGeom>
-          <a:noFill/>
-        </p:spPr>
-        <p:txBody>
-          <a:bodyPr wrap="square" rtlCol="0">
-            <a:spAutoFit/>
-          </a:bodyPr>
-          <a:lstStyle/>
-          <a:p>
-            <a:r>
-              <a:rPr lang="ko-KR" altLang="en-US" sz="1600" dirty="0" smtClean="0"/>
-              <a:t>보조 </a:t>
-            </a:r>
-            <a:r>
-              <a:rPr lang="ko-KR" altLang="en-US" sz="1600" dirty="0" err="1" smtClean="0"/>
-              <a:t>스트림</a:t>
-            </a:r>
-            <a:endParaRPr lang="ko-KR" altLang="en-US" sz="1600" dirty="0"/>
-          </a:p>
-        </p:txBody>
-      </p:sp>
-    </p:spTree>
-    <p:extLst>
-      <p:ext uri="{BB962C8B-B14F-4D97-AF65-F5344CB8AC3E}">
-        <p14:creationId xmlns:p14="http://schemas.microsoft.com/office/powerpoint/2010/main" val="1019592511"/>
-      </p:ext>
-    </p:extLst>
-  </p:cSld>
-  <p:clrMapOvr>
-    <a:masterClrMapping/>
-  </p:clrMapOvr>
-  <p:timing>
-    <p:tnLst>
-      <p:par>
-        <p:cTn id="1" dur="indefinite" restart="never" nodeType="tmRoot"/>
-      </p:par>
-    </p:tnLst>
-  </p:timing>
-</p:sld>
-</file>
-
 <file path=ppt/slides/slide29.xml><?xml version="1.0" encoding="utf-8"?>
 <p:sld xmlns:a="http://schemas.openxmlformats.org/drawingml/2006/main" xmlns:r="http://schemas.openxmlformats.org/officeDocument/2006/relationships" xmlns:p="http://schemas.openxmlformats.org/presentationml/2006/main">
   <p:cSld>
@@ -16440,7 +15859,78 @@
       </p:grpSpPr>
       <p:sp>
         <p:nvSpPr>
-          <p:cNvPr id="22" name="제목 5"/>
+          <p:cNvPr id="24" name="모서리가 둥근 직사각형 23">
+            <a:extLst>
+              <a:ext uri="{FF2B5EF4-FFF2-40B4-BE49-F238E27FC236}">
+                <a16:creationId xmlns:a16="http://schemas.microsoft.com/office/drawing/2014/main" id="{10E5071F-8B27-48B4-967F-B36E96A59271}"/>
+              </a:ext>
+            </a:extLst>
+          </p:cNvPr>
+          <p:cNvSpPr/>
+          <p:nvPr/>
+        </p:nvSpPr>
+        <p:spPr>
+          <a:xfrm>
+            <a:off x="704528" y="1015866"/>
+            <a:ext cx="4104456" cy="612934"/>
+          </a:xfrm>
+          <a:prstGeom prst="roundRect">
+            <a:avLst/>
+          </a:prstGeom>
+          <a:ln>
+            <a:noFill/>
+          </a:ln>
+        </p:spPr>
+        <p:style>
+          <a:lnRef idx="2">
+            <a:schemeClr val="accent3"/>
+          </a:lnRef>
+          <a:fillRef idx="1">
+            <a:schemeClr val="lt1"/>
+          </a:fillRef>
+          <a:effectRef idx="0">
+            <a:schemeClr val="accent3"/>
+          </a:effectRef>
+          <a:fontRef idx="minor">
+            <a:schemeClr val="dk1"/>
+          </a:fontRef>
+        </p:style>
+        <p:txBody>
+          <a:bodyPr wrap="square">
+            <a:spAutoFit/>
+          </a:bodyPr>
+          <a:lstStyle/>
+          <a:p>
+            <a:pPr marL="342900" indent="-342900">
+              <a:lnSpc>
+                <a:spcPct val="150000"/>
+              </a:lnSpc>
+              <a:buFont typeface="Wingdings" panose="05000000000000000000" pitchFamily="2" charset="2"/>
+              <a:buChar char="v"/>
+            </a:pPr>
+            <a:r>
+              <a:rPr lang="en-US" altLang="ko-KR" sz="2000" b="1" dirty="0" err="1" smtClean="0"/>
+              <a:t>FileReader</a:t>
+            </a:r>
+            <a:r>
+              <a:rPr lang="en-US" altLang="ko-KR" sz="2000" b="1" dirty="0" smtClean="0"/>
+              <a:t> </a:t>
+            </a:r>
+            <a:r>
+              <a:rPr lang="ko-KR" altLang="en-US" sz="2000" b="1" dirty="0" smtClean="0"/>
+              <a:t>클래스로 읽기 </a:t>
+            </a:r>
+            <a:r>
+              <a:rPr lang="en-US" altLang="ko-KR" sz="2000" b="1" dirty="0" smtClean="0"/>
+              <a:t> </a:t>
+            </a:r>
+            <a:endParaRPr lang="en-US" altLang="ko-KR" sz="2000" b="1" dirty="0"/>
+          </a:p>
+        </p:txBody>
+      </p:sp>
+      <p:sp>
+        <p:nvSpPr>
+          <p:cNvPr id="28" name="제목 5"/>
           <p:cNvSpPr txBox="1">
             <a:spLocks/>
           </p:cNvSpPr>
@@ -16448,8 +15938,8 @@
         </p:nvSpPr>
         <p:spPr>
           <a:xfrm>
-            <a:off x="0" y="-27384"/>
-            <a:ext cx="7257255" cy="854968"/>
+            <a:off x="1" y="-27384"/>
+            <a:ext cx="6572356" cy="854968"/>
           </a:xfrm>
           <a:prstGeom prst="rect">
             <a:avLst/>
@@ -16480,7 +15970,7 @@
             </a:r>
             <a:r>
               <a:rPr lang="ko-KR" altLang="en-US" dirty="0" smtClean="0"/>
-              <a:t>보조 </a:t>
+              <a:t>문자 단위 </a:t>
             </a:r>
             <a:r>
               <a:rPr lang="ko-KR" altLang="en-US" dirty="0" err="1" smtClean="0"/>
@@ -16492,805 +15982,53 @@
             </a:r>
             <a:r>
               <a:rPr lang="en-US" altLang="ko-KR" dirty="0" smtClean="0"/>
-              <a:t>- </a:t>
-            </a:r>
-            <a:r>
-              <a:rPr lang="en-US" altLang="ko-KR" dirty="0" err="1" smtClean="0"/>
-              <a:t>InputStreamReader</a:t>
+              <a:t>– Reader</a:t>
             </a:r>
             <a:endParaRPr lang="ko-KR" altLang="en-US" dirty="0"/>
           </a:p>
         </p:txBody>
       </p:sp>
-      <p:sp>
-        <p:nvSpPr>
-          <p:cNvPr id="23" name="내용 개체 틀 2">
+      <p:pic>
+        <p:nvPicPr>
+          <p:cNvPr id="3" name="그림 2"/>
+          <p:cNvPicPr>
+            <a:picLocks noChangeAspect="1"/>
+          </p:cNvPicPr>
+          <p:nvPr/>
+        </p:nvPicPr>
+        <p:blipFill>
+          <a:blip r:embed="rId2">
             <a:extLst>
-              <a:ext uri="{FF2B5EF4-FFF2-40B4-BE49-F238E27FC236}">
-                <a16:creationId xmlns:a16="http://schemas.microsoft.com/office/drawing/2014/main" id="{98AF3A4E-7D90-4241-89FE-799D6F9D5A94}"/>
+              <a:ext uri="{28A0092B-C50C-407E-A947-70E740481C1C}">
+                <a14:useLocalDpi xmlns:a14="http://schemas.microsoft.com/office/drawing/2010/main" val="0"/>
               </a:ext>
             </a:extLst>
-          </p:cNvPr>
-          <p:cNvSpPr txBox="1">
-            <a:spLocks/>
-          </p:cNvSpPr>
-          <p:nvPr/>
-        </p:nvSpPr>
+          </a:blip>
+          <a:stretch>
+            <a:fillRect/>
+          </a:stretch>
+        </p:blipFill>
         <p:spPr>
           <a:xfrm>
-            <a:off x="553287" y="1042358"/>
-            <a:ext cx="8720193" cy="1766746"/>
+            <a:off x="1568624" y="1628800"/>
+            <a:ext cx="6336704" cy="4535444"/>
           </a:xfrm>
           <a:prstGeom prst="rect">
             <a:avLst/>
           </a:prstGeom>
+          <a:ln>
+            <a:solidFill>
+              <a:schemeClr val="bg1">
+                <a:lumMod val="85000"/>
+              </a:schemeClr>
+            </a:solidFill>
+          </a:ln>
         </p:spPr>
-        <p:txBody>
-          <a:bodyPr/>
-          <a:lstStyle>
-            <a:lvl1pPr marL="228600" indent="-228600" algn="l" defTabSz="914400" rtl="0" eaLnBrk="1" latinLnBrk="1" hangingPunct="1">
-              <a:lnSpc>
-                <a:spcPct val="90000"/>
-              </a:lnSpc>
-              <a:spcBef>
-                <a:spcPts val="1000"/>
-              </a:spcBef>
-              <a:buFont typeface="Arial" panose="020B0604020202020204" pitchFamily="34" charset="0"/>
-              <a:buChar char="•"/>
-              <a:defRPr sz="2800" kern="1200">
-                <a:solidFill>
-                  <a:schemeClr val="tx1"/>
-                </a:solidFill>
-                <a:latin typeface="+mn-lt"/>
-                <a:ea typeface="+mn-ea"/>
-                <a:cs typeface="+mn-cs"/>
-              </a:defRPr>
-            </a:lvl1pPr>
-            <a:lvl2pPr marL="685800" indent="-228600" algn="l" defTabSz="914400" rtl="0" eaLnBrk="1" latinLnBrk="1" hangingPunct="1">
-              <a:lnSpc>
-                <a:spcPct val="90000"/>
-              </a:lnSpc>
-              <a:spcBef>
-                <a:spcPts val="500"/>
-              </a:spcBef>
-              <a:buFont typeface="Arial" panose="020B0604020202020204" pitchFamily="34" charset="0"/>
-              <a:buChar char="•"/>
-              <a:defRPr sz="2400" kern="1200">
-                <a:solidFill>
-                  <a:schemeClr val="tx1"/>
-                </a:solidFill>
-                <a:latin typeface="+mn-lt"/>
-                <a:ea typeface="+mn-ea"/>
-                <a:cs typeface="+mn-cs"/>
-              </a:defRPr>
-            </a:lvl2pPr>
-            <a:lvl3pPr marL="1143000" indent="-228600" algn="l" defTabSz="914400" rtl="0" eaLnBrk="1" latinLnBrk="1" hangingPunct="1">
-              <a:lnSpc>
-                <a:spcPct val="90000"/>
-              </a:lnSpc>
-              <a:spcBef>
-                <a:spcPts val="500"/>
-              </a:spcBef>
-              <a:buFont typeface="Arial" panose="020B0604020202020204" pitchFamily="34" charset="0"/>
-              <a:buChar char="•"/>
-              <a:defRPr sz="2000" kern="1200">
-                <a:solidFill>
-                  <a:schemeClr val="tx1"/>
-                </a:solidFill>
-                <a:latin typeface="+mn-lt"/>
-                <a:ea typeface="+mn-ea"/>
-                <a:cs typeface="+mn-cs"/>
-              </a:defRPr>
-            </a:lvl3pPr>
-            <a:lvl4pPr marL="1600200" indent="-228600" algn="l" defTabSz="914400" rtl="0" eaLnBrk="1" latinLnBrk="1" hangingPunct="1">
-              <a:lnSpc>
-                <a:spcPct val="90000"/>
-              </a:lnSpc>
-              <a:spcBef>
-                <a:spcPts val="500"/>
-              </a:spcBef>
-              <a:buFont typeface="Arial" panose="020B0604020202020204" pitchFamily="34" charset="0"/>
-              <a:buChar char="•"/>
-              <a:defRPr sz="1800" kern="1200">
-                <a:solidFill>
-                  <a:schemeClr val="tx1"/>
-                </a:solidFill>
-                <a:latin typeface="+mn-lt"/>
-                <a:ea typeface="+mn-ea"/>
-                <a:cs typeface="+mn-cs"/>
-              </a:defRPr>
-            </a:lvl4pPr>
-            <a:lvl5pPr marL="2057400" indent="-228600" algn="l" defTabSz="914400" rtl="0" eaLnBrk="1" latinLnBrk="1" hangingPunct="1">
-              <a:lnSpc>
-                <a:spcPct val="90000"/>
-              </a:lnSpc>
-              <a:spcBef>
-                <a:spcPts val="500"/>
-              </a:spcBef>
-              <a:buFont typeface="Arial" panose="020B0604020202020204" pitchFamily="34" charset="0"/>
-              <a:buChar char="•"/>
-              <a:defRPr sz="1800" kern="1200">
-                <a:solidFill>
-                  <a:schemeClr val="tx1"/>
-                </a:solidFill>
-                <a:latin typeface="+mn-lt"/>
-                <a:ea typeface="+mn-ea"/>
-                <a:cs typeface="+mn-cs"/>
-              </a:defRPr>
-            </a:lvl5pPr>
-            <a:lvl6pPr marL="2514600" indent="-228600" algn="l" defTabSz="914400" rtl="0" eaLnBrk="1" latinLnBrk="1" hangingPunct="1">
-              <a:lnSpc>
-                <a:spcPct val="90000"/>
-              </a:lnSpc>
-              <a:spcBef>
-                <a:spcPts val="500"/>
-              </a:spcBef>
-              <a:buFont typeface="Arial" panose="020B0604020202020204" pitchFamily="34" charset="0"/>
-              <a:buChar char="•"/>
-              <a:defRPr sz="1800" kern="1200">
-                <a:solidFill>
-                  <a:schemeClr val="tx1"/>
-                </a:solidFill>
-                <a:latin typeface="+mn-lt"/>
-                <a:ea typeface="+mn-ea"/>
-                <a:cs typeface="+mn-cs"/>
-              </a:defRPr>
-            </a:lvl6pPr>
-            <a:lvl7pPr marL="2971800" indent="-228600" algn="l" defTabSz="914400" rtl="0" eaLnBrk="1" latinLnBrk="1" hangingPunct="1">
-              <a:lnSpc>
-                <a:spcPct val="90000"/>
-              </a:lnSpc>
-              <a:spcBef>
-                <a:spcPts val="500"/>
-              </a:spcBef>
-              <a:buFont typeface="Arial" panose="020B0604020202020204" pitchFamily="34" charset="0"/>
-              <a:buChar char="•"/>
-              <a:defRPr sz="1800" kern="1200">
-                <a:solidFill>
-                  <a:schemeClr val="tx1"/>
-                </a:solidFill>
-                <a:latin typeface="+mn-lt"/>
-                <a:ea typeface="+mn-ea"/>
-                <a:cs typeface="+mn-cs"/>
-              </a:defRPr>
-            </a:lvl7pPr>
-            <a:lvl8pPr marL="3429000" indent="-228600" algn="l" defTabSz="914400" rtl="0" eaLnBrk="1" latinLnBrk="1" hangingPunct="1">
-              <a:lnSpc>
-                <a:spcPct val="90000"/>
-              </a:lnSpc>
-              <a:spcBef>
-                <a:spcPts val="500"/>
-              </a:spcBef>
-              <a:buFont typeface="Arial" panose="020B0604020202020204" pitchFamily="34" charset="0"/>
-              <a:buChar char="•"/>
-              <a:defRPr sz="1800" kern="1200">
-                <a:solidFill>
-                  <a:schemeClr val="tx1"/>
-                </a:solidFill>
-                <a:latin typeface="+mn-lt"/>
-                <a:ea typeface="+mn-ea"/>
-                <a:cs typeface="+mn-cs"/>
-              </a:defRPr>
-            </a:lvl8pPr>
-            <a:lvl9pPr marL="3886200" indent="-228600" algn="l" defTabSz="914400" rtl="0" eaLnBrk="1" latinLnBrk="1" hangingPunct="1">
-              <a:lnSpc>
-                <a:spcPct val="90000"/>
-              </a:lnSpc>
-              <a:spcBef>
-                <a:spcPts val="500"/>
-              </a:spcBef>
-              <a:buFont typeface="Arial" panose="020B0604020202020204" pitchFamily="34" charset="0"/>
-              <a:buChar char="•"/>
-              <a:defRPr sz="1800" kern="1200">
-                <a:solidFill>
-                  <a:schemeClr val="tx1"/>
-                </a:solidFill>
-                <a:latin typeface="+mn-lt"/>
-                <a:ea typeface="+mn-ea"/>
-                <a:cs typeface="+mn-cs"/>
-              </a:defRPr>
-            </a:lvl9pPr>
-          </a:lstStyle>
-          <a:p>
-            <a:pPr marL="0" indent="0">
-              <a:lnSpc>
-                <a:spcPct val="150000"/>
-              </a:lnSpc>
-              <a:buNone/>
-            </a:pPr>
-            <a:r>
-              <a:rPr lang="ko-KR" altLang="en-US" sz="1800" dirty="0">
-                <a:latin typeface="+mn-ea"/>
-              </a:rPr>
-              <a:t> </a:t>
-            </a:r>
-            <a:r>
-              <a:rPr lang="ko-KR" altLang="en-US" sz="1800" dirty="0" smtClean="0">
-                <a:latin typeface="+mn-ea"/>
-              </a:rPr>
-              <a:t> </a:t>
-            </a:r>
-            <a:r>
-              <a:rPr lang="en-US" altLang="ko-KR" sz="1800" b="1" dirty="0" err="1" smtClean="0">
-                <a:solidFill>
-                  <a:srgbClr val="C00000"/>
-                </a:solidFill>
-                <a:latin typeface="+mn-ea"/>
-              </a:rPr>
-              <a:t>InputStreamReader</a:t>
-            </a:r>
-            <a:r>
-              <a:rPr lang="ko-KR" altLang="en-US" sz="1800" b="1" dirty="0" smtClean="0">
-                <a:solidFill>
-                  <a:srgbClr val="C00000"/>
-                </a:solidFill>
-                <a:latin typeface="+mn-ea"/>
-              </a:rPr>
-              <a:t>와 </a:t>
-            </a:r>
-            <a:r>
-              <a:rPr lang="en-US" altLang="ko-KR" sz="1800" b="1" dirty="0" err="1" smtClean="0">
-                <a:solidFill>
-                  <a:srgbClr val="C00000"/>
-                </a:solidFill>
-                <a:latin typeface="+mn-ea"/>
-              </a:rPr>
-              <a:t>OutputStreamWriter</a:t>
-            </a:r>
-            <a:endParaRPr lang="en-US" altLang="ko-KR" sz="1800" b="1" dirty="0" smtClean="0">
-              <a:solidFill>
-                <a:srgbClr val="C00000"/>
-              </a:solidFill>
-              <a:latin typeface="+mn-ea"/>
-            </a:endParaRPr>
-          </a:p>
-          <a:p>
-            <a:pPr lvl="1">
-              <a:lnSpc>
-                <a:spcPct val="150000"/>
-              </a:lnSpc>
-              <a:buFont typeface="Wingdings" panose="05000000000000000000" pitchFamily="2" charset="2"/>
-              <a:buChar char="§"/>
-            </a:pPr>
-            <a:r>
-              <a:rPr lang="ko-KR" altLang="en-US" sz="1600" dirty="0" smtClean="0">
-                <a:latin typeface="+mn-ea"/>
-              </a:rPr>
-              <a:t>바이트 자료만 입력되는 </a:t>
-            </a:r>
-            <a:r>
-              <a:rPr lang="ko-KR" altLang="en-US" sz="1600" dirty="0" err="1" smtClean="0">
-                <a:latin typeface="+mn-ea"/>
-              </a:rPr>
-              <a:t>스트림에서</a:t>
-            </a:r>
-            <a:r>
-              <a:rPr lang="ko-KR" altLang="en-US" sz="1600" dirty="0" smtClean="0">
-                <a:latin typeface="+mn-ea"/>
-              </a:rPr>
-              <a:t> 문자로 변환해 준다</a:t>
-            </a:r>
-            <a:r>
-              <a:rPr lang="en-US" altLang="ko-KR" sz="1600" dirty="0" smtClean="0">
-                <a:latin typeface="+mn-ea"/>
-              </a:rPr>
-              <a:t>. </a:t>
-            </a:r>
-          </a:p>
-          <a:p>
-            <a:pPr lvl="1">
-              <a:lnSpc>
-                <a:spcPct val="150000"/>
-              </a:lnSpc>
-              <a:buFont typeface="Wingdings" panose="05000000000000000000" pitchFamily="2" charset="2"/>
-              <a:buChar char="§"/>
-            </a:pPr>
-            <a:r>
-              <a:rPr lang="en-US" altLang="ko-KR" sz="1600" b="1" dirty="0" smtClean="0">
-                <a:solidFill>
-                  <a:srgbClr val="C00000"/>
-                </a:solidFill>
-                <a:latin typeface="+mn-ea"/>
-              </a:rPr>
-              <a:t>System.in</a:t>
-            </a:r>
-            <a:r>
-              <a:rPr lang="en-US" altLang="ko-KR" sz="1600" dirty="0" smtClean="0">
-                <a:latin typeface="+mn-ea"/>
-              </a:rPr>
-              <a:t> </a:t>
-            </a:r>
-            <a:r>
-              <a:rPr lang="ko-KR" altLang="en-US" sz="1600" dirty="0" smtClean="0">
-                <a:latin typeface="+mn-ea"/>
-              </a:rPr>
-              <a:t>이나 네트워크 </a:t>
-            </a:r>
-            <a:r>
-              <a:rPr lang="en-US" altLang="ko-KR" sz="1600" b="1" dirty="0" smtClean="0">
-                <a:solidFill>
-                  <a:srgbClr val="C00000"/>
-                </a:solidFill>
-                <a:latin typeface="+mn-ea"/>
-              </a:rPr>
-              <a:t>socket</a:t>
-            </a:r>
-            <a:r>
-              <a:rPr lang="en-US" altLang="ko-KR" sz="1600" dirty="0" smtClean="0">
-                <a:latin typeface="+mn-ea"/>
-              </a:rPr>
-              <a:t> </a:t>
-            </a:r>
-            <a:r>
-              <a:rPr lang="ko-KR" altLang="en-US" sz="1600" dirty="0" smtClean="0">
-                <a:latin typeface="+mn-ea"/>
-              </a:rPr>
-              <a:t>통신을 </a:t>
-            </a:r>
-            <a:r>
-              <a:rPr lang="ko-KR" altLang="en-US" sz="1600" dirty="0" err="1" smtClean="0">
-                <a:latin typeface="+mn-ea"/>
-              </a:rPr>
-              <a:t>할때</a:t>
-            </a:r>
-            <a:r>
-              <a:rPr lang="ko-KR" altLang="en-US" sz="1600" dirty="0" smtClean="0">
-                <a:latin typeface="+mn-ea"/>
-              </a:rPr>
-              <a:t> 쓰인다</a:t>
-            </a:r>
-            <a:r>
-              <a:rPr lang="en-US" altLang="ko-KR" sz="1600" dirty="0" smtClean="0">
-                <a:latin typeface="+mn-ea"/>
-              </a:rPr>
-              <a:t>.</a:t>
-            </a:r>
-          </a:p>
-          <a:p>
-            <a:pPr lvl="1">
-              <a:lnSpc>
-                <a:spcPct val="150000"/>
-              </a:lnSpc>
-              <a:buFont typeface="Wingdings" panose="05000000000000000000" pitchFamily="2" charset="2"/>
-              <a:buChar char="§"/>
-            </a:pPr>
-            <a:r>
-              <a:rPr lang="ko-KR" altLang="en-US" sz="1600" dirty="0" smtClean="0">
-                <a:latin typeface="+mn-ea"/>
-              </a:rPr>
-              <a:t>입출력 기능이 없으므로 다른 입출력 </a:t>
-            </a:r>
-            <a:r>
-              <a:rPr lang="ko-KR" altLang="en-US" sz="1600" dirty="0" err="1" smtClean="0">
-                <a:latin typeface="+mn-ea"/>
-              </a:rPr>
-              <a:t>스트림을</a:t>
-            </a:r>
-            <a:r>
-              <a:rPr lang="ko-KR" altLang="en-US" sz="1600" dirty="0" smtClean="0">
-                <a:latin typeface="+mn-ea"/>
-              </a:rPr>
-              <a:t> 포함한다</a:t>
-            </a:r>
-            <a:r>
-              <a:rPr lang="en-US" altLang="ko-KR" sz="1600" dirty="0">
-                <a:latin typeface="+mn-ea"/>
-              </a:rPr>
-              <a:t>.</a:t>
-            </a:r>
-            <a:endParaRPr lang="en-US" altLang="ko-KR" sz="1600" dirty="0" smtClean="0"/>
-          </a:p>
-        </p:txBody>
-      </p:sp>
-      <p:graphicFrame>
-        <p:nvGraphicFramePr>
-          <p:cNvPr id="8" name="표 7">
-            <a:extLst>
-              <a:ext uri="{FF2B5EF4-FFF2-40B4-BE49-F238E27FC236}">
-                <a16:creationId xmlns:a16="http://schemas.microsoft.com/office/drawing/2014/main" id="{A3B353D8-504D-48FB-8D5B-CCF4D1513811}"/>
-              </a:ext>
-            </a:extLst>
-          </p:cNvPr>
-          <p:cNvGraphicFramePr>
-            <a:graphicFrameLocks noGrp="1"/>
-          </p:cNvGraphicFramePr>
-          <p:nvPr>
-            <p:extLst>
-              <p:ext uri="{D42A27DB-BD31-4B8C-83A1-F6EECF244321}">
-                <p14:modId xmlns:p14="http://schemas.microsoft.com/office/powerpoint/2010/main" val="3823617097"/>
-              </p:ext>
-            </p:extLst>
-          </p:nvPr>
-        </p:nvGraphicFramePr>
-        <p:xfrm>
-          <a:off x="1064568" y="3097136"/>
-          <a:ext cx="7704856" cy="1483992"/>
-        </p:xfrm>
-        <a:graphic>
-          <a:graphicData uri="http://schemas.openxmlformats.org/drawingml/2006/table">
-            <a:tbl>
-              <a:tblPr firstRow="1">
-                <a:tableStyleId>{5940675A-B579-460E-94D1-54222C63F5DA}</a:tableStyleId>
-              </a:tblPr>
-              <a:tblGrid>
-                <a:gridCol w="2736304">
-                  <a:extLst>
-                    <a:ext uri="{9D8B030D-6E8A-4147-A177-3AD203B41FA5}">
-                      <a16:colId xmlns:a16="http://schemas.microsoft.com/office/drawing/2014/main" val="1302133471"/>
-                    </a:ext>
-                  </a:extLst>
-                </a:gridCol>
-                <a:gridCol w="4968552">
-                  <a:extLst>
-                    <a:ext uri="{9D8B030D-6E8A-4147-A177-3AD203B41FA5}">
-                      <a16:colId xmlns:a16="http://schemas.microsoft.com/office/drawing/2014/main" val="20001"/>
-                    </a:ext>
-                  </a:extLst>
-                </a:gridCol>
-              </a:tblGrid>
-              <a:tr h="360040">
-                <a:tc>
-                  <a:txBody>
-                    <a:bodyPr/>
-                    <a:lstStyle/>
-                    <a:p>
-                      <a:pPr algn="ctr" latinLnBrk="1"/>
-                      <a:r>
-                        <a:rPr lang="ko-KR" altLang="en-US" sz="1600" b="0" dirty="0" err="1" smtClean="0">
-                          <a:solidFill>
-                            <a:schemeClr val="tx1"/>
-                          </a:solidFill>
-                        </a:rPr>
-                        <a:t>생성자</a:t>
-                      </a:r>
-                      <a:endParaRPr lang="ko-KR" altLang="en-US" sz="1600" b="0" dirty="0">
-                        <a:solidFill>
-                          <a:schemeClr val="tx1"/>
-                        </a:solidFill>
-                      </a:endParaRPr>
-                    </a:p>
-                  </a:txBody>
-                  <a:tcPr marL="74295" marR="74295" marT="37148" marB="37148" anchor="ctr">
-                    <a:lnL w="12700" cmpd="sng">
-                      <a:noFill/>
-                    </a:lnL>
-                    <a:solidFill>
-                      <a:schemeClr val="accent3">
-                        <a:lumMod val="20000"/>
-                        <a:lumOff val="80000"/>
-                      </a:schemeClr>
-                    </a:solidFill>
-                  </a:tcPr>
-                </a:tc>
-                <a:tc>
-                  <a:txBody>
-                    <a:bodyPr/>
-                    <a:lstStyle/>
-                    <a:p>
-                      <a:pPr algn="ctr" latinLnBrk="1"/>
-                      <a:r>
-                        <a:rPr lang="ko-KR" altLang="en-US" sz="1600" b="0" dirty="0" smtClean="0">
-                          <a:solidFill>
-                            <a:schemeClr val="tx1"/>
-                          </a:solidFill>
-                        </a:rPr>
-                        <a:t>설명</a:t>
-                      </a:r>
-                      <a:endParaRPr lang="ko-KR" altLang="en-US" sz="1600" b="0" dirty="0">
-                        <a:solidFill>
-                          <a:schemeClr val="tx1"/>
-                        </a:solidFill>
-                      </a:endParaRPr>
-                    </a:p>
-                  </a:txBody>
-                  <a:tcPr marL="74295" marR="74295" marT="37148" marB="37148" anchor="ctr">
-                    <a:lnR w="12700" cmpd="sng">
-                      <a:noFill/>
-                    </a:lnR>
-                    <a:solidFill>
-                      <a:schemeClr val="accent3">
-                        <a:lumMod val="20000"/>
-                        <a:lumOff val="80000"/>
-                      </a:schemeClr>
-                    </a:solidFill>
-                  </a:tcPr>
-                </a:tc>
-                <a:extLst>
-                  <a:ext uri="{0D108BD9-81ED-4DB2-BD59-A6C34878D82A}">
-                    <a16:rowId xmlns:a16="http://schemas.microsoft.com/office/drawing/2014/main" val="4215197872"/>
-                  </a:ext>
-                </a:extLst>
-              </a:tr>
-              <a:tr h="360040">
-                <a:tc>
-                  <a:txBody>
-                    <a:bodyPr/>
-                    <a:lstStyle/>
-                    <a:p>
-                      <a:pPr latinLnBrk="1"/>
-                      <a:r>
-                        <a:rPr lang="en-US" altLang="ko-KR" sz="1600" b="0" baseline="0" dirty="0" smtClean="0">
-                          <a:solidFill>
-                            <a:schemeClr val="tx1"/>
-                          </a:solidFill>
-                        </a:rPr>
-                        <a:t>  </a:t>
-                      </a:r>
-                      <a:r>
-                        <a:rPr lang="en-US" altLang="ko-KR" sz="1600" b="0" baseline="0" dirty="0" err="1" smtClean="0">
-                          <a:solidFill>
-                            <a:schemeClr val="tx1"/>
-                          </a:solidFill>
-                        </a:rPr>
-                        <a:t>InputStreamReader</a:t>
-                      </a:r>
-                      <a:endParaRPr lang="en-US" altLang="ko-KR" sz="1600" b="0" baseline="0" dirty="0" smtClean="0">
-                        <a:solidFill>
-                          <a:schemeClr val="tx1"/>
-                        </a:solidFill>
-                      </a:endParaRPr>
-                    </a:p>
-                    <a:p>
-                      <a:pPr latinLnBrk="1"/>
-                      <a:r>
-                        <a:rPr lang="en-US" altLang="ko-KR" sz="1600" b="0" baseline="0" dirty="0" smtClean="0">
-                          <a:solidFill>
-                            <a:schemeClr val="tx1"/>
-                          </a:solidFill>
-                        </a:rPr>
-                        <a:t>  (</a:t>
-                      </a:r>
-                      <a:r>
-                        <a:rPr lang="en-US" altLang="ko-KR" sz="1600" b="0" baseline="0" dirty="0" err="1" smtClean="0">
-                          <a:solidFill>
-                            <a:schemeClr val="tx1"/>
-                          </a:solidFill>
-                        </a:rPr>
-                        <a:t>FileInputStream</a:t>
-                      </a:r>
-                      <a:r>
-                        <a:rPr lang="en-US" altLang="ko-KR" sz="1600" b="0" baseline="0" dirty="0" smtClean="0">
-                          <a:solidFill>
-                            <a:schemeClr val="tx1"/>
-                          </a:solidFill>
-                        </a:rPr>
-                        <a:t> in)</a:t>
-                      </a:r>
-                      <a:endParaRPr lang="ko-KR" altLang="en-US" sz="1600" b="0" dirty="0">
-                        <a:solidFill>
-                          <a:schemeClr val="tx1"/>
-                        </a:solidFill>
-                      </a:endParaRPr>
-                    </a:p>
-                  </a:txBody>
-                  <a:tcPr marL="74295" marR="74295" marT="37148" marB="37148" anchor="ctr">
-                    <a:lnL w="12700" cmpd="sng">
-                      <a:noFill/>
-                    </a:lnL>
-                  </a:tcPr>
-                </a:tc>
-                <a:tc>
-                  <a:txBody>
-                    <a:bodyPr/>
-                    <a:lstStyle/>
-                    <a:p>
-                      <a:pPr marL="0" marR="0" lvl="0" indent="0" algn="l" defTabSz="914400" rtl="0" eaLnBrk="1" fontAlgn="auto" latinLnBrk="1" hangingPunct="1">
-                        <a:lnSpc>
-                          <a:spcPct val="100000"/>
-                        </a:lnSpc>
-                        <a:spcBef>
-                          <a:spcPts val="0"/>
-                        </a:spcBef>
-                        <a:spcAft>
-                          <a:spcPts val="0"/>
-                        </a:spcAft>
-                        <a:buClrTx/>
-                        <a:buSzTx/>
-                        <a:buFontTx/>
-                        <a:buNone/>
-                        <a:tabLst/>
-                        <a:defRPr/>
-                      </a:pPr>
-                      <a:r>
-                        <a:rPr lang="ko-KR" altLang="en-US" sz="1600" b="0" dirty="0" smtClean="0">
-                          <a:solidFill>
-                            <a:schemeClr val="tx1"/>
-                          </a:solidFill>
-                        </a:rPr>
-                        <a:t>생성자의 매개변수로 </a:t>
-                      </a:r>
-                      <a:r>
-                        <a:rPr lang="en-US" altLang="ko-KR" sz="1600" b="0" dirty="0" err="1" smtClean="0">
-                          <a:solidFill>
-                            <a:schemeClr val="tx1"/>
-                          </a:solidFill>
-                        </a:rPr>
-                        <a:t>FileInputStream</a:t>
-                      </a:r>
-                      <a:r>
-                        <a:rPr lang="ko-KR" altLang="en-US" sz="1600" b="0" dirty="0" smtClean="0">
-                          <a:solidFill>
-                            <a:schemeClr val="tx1"/>
-                          </a:solidFill>
-                        </a:rPr>
-                        <a:t>을 받는다</a:t>
-                      </a:r>
-                      <a:r>
-                        <a:rPr lang="en-US" altLang="ko-KR" sz="1600" b="0" dirty="0" smtClean="0">
-                          <a:solidFill>
-                            <a:schemeClr val="tx1"/>
-                          </a:solidFill>
-                        </a:rPr>
-                        <a:t>.</a:t>
-                      </a:r>
-                      <a:endParaRPr lang="ko-KR" altLang="en-US" sz="1600" b="0" dirty="0">
-                        <a:solidFill>
-                          <a:schemeClr val="tx1"/>
-                        </a:solidFill>
-                      </a:endParaRPr>
-                    </a:p>
-                  </a:txBody>
-                  <a:tcPr marL="74295" marR="74295" marT="37148" marB="37148" anchor="ctr">
-                    <a:lnR w="12700" cmpd="sng">
-                      <a:noFill/>
-                    </a:lnR>
-                  </a:tcPr>
-                </a:tc>
-                <a:extLst>
-                  <a:ext uri="{0D108BD9-81ED-4DB2-BD59-A6C34878D82A}">
-                    <a16:rowId xmlns:a16="http://schemas.microsoft.com/office/drawing/2014/main" val="1701167864"/>
-                  </a:ext>
-                </a:extLst>
-              </a:tr>
-              <a:tr h="360040">
-                <a:tc>
-                  <a:txBody>
-                    <a:bodyPr/>
-                    <a:lstStyle/>
-                    <a:p>
-                      <a:pPr latinLnBrk="1"/>
-                      <a:r>
-                        <a:rPr lang="en-US" altLang="ko-KR" sz="1600" b="0" baseline="0" dirty="0" smtClean="0">
-                          <a:solidFill>
-                            <a:schemeClr val="tx1"/>
-                          </a:solidFill>
-                        </a:rPr>
-                        <a:t>  </a:t>
-                      </a:r>
-                      <a:r>
-                        <a:rPr lang="en-US" altLang="ko-KR" sz="1600" b="0" baseline="0" dirty="0" err="1" smtClean="0">
-                          <a:solidFill>
-                            <a:schemeClr val="tx1"/>
-                          </a:solidFill>
-                        </a:rPr>
-                        <a:t>OutputStreamReader</a:t>
-                      </a:r>
-                      <a:endParaRPr lang="en-US" altLang="ko-KR" sz="1600" b="0" baseline="0" dirty="0" smtClean="0">
-                        <a:solidFill>
-                          <a:schemeClr val="tx1"/>
-                        </a:solidFill>
-                      </a:endParaRPr>
-                    </a:p>
-                    <a:p>
-                      <a:pPr latinLnBrk="1"/>
-                      <a:r>
-                        <a:rPr lang="en-US" altLang="ko-KR" sz="1600" b="0" baseline="0" dirty="0" smtClean="0">
-                          <a:solidFill>
-                            <a:schemeClr val="tx1"/>
-                          </a:solidFill>
-                        </a:rPr>
-                        <a:t>  (</a:t>
-                      </a:r>
-                      <a:r>
-                        <a:rPr lang="en-US" altLang="ko-KR" sz="1600" b="0" baseline="0" dirty="0" err="1" smtClean="0">
-                          <a:solidFill>
-                            <a:schemeClr val="tx1"/>
-                          </a:solidFill>
-                        </a:rPr>
-                        <a:t>FileOutputStream</a:t>
-                      </a:r>
-                      <a:r>
-                        <a:rPr lang="en-US" altLang="ko-KR" sz="1600" b="0" baseline="0" dirty="0" smtClean="0">
-                          <a:solidFill>
-                            <a:schemeClr val="tx1"/>
-                          </a:solidFill>
-                        </a:rPr>
-                        <a:t> out)</a:t>
-                      </a:r>
-                      <a:endParaRPr lang="en-US" altLang="ko-KR" sz="1600" b="0" dirty="0" smtClean="0">
-                        <a:solidFill>
-                          <a:schemeClr val="tx1"/>
-                        </a:solidFill>
-                      </a:endParaRPr>
-                    </a:p>
-                  </a:txBody>
-                  <a:tcPr marL="74295" marR="74295" marT="37148" marB="37148" anchor="ctr">
-                    <a:lnL w="12700" cmpd="sng">
-                      <a:noFill/>
-                    </a:lnL>
-                  </a:tcPr>
-                </a:tc>
-                <a:tc>
-                  <a:txBody>
-                    <a:bodyPr/>
-                    <a:lstStyle/>
-                    <a:p>
-                      <a:pPr marL="0" marR="0" lvl="0" indent="0" algn="l" defTabSz="914400" rtl="0" eaLnBrk="1" fontAlgn="auto" latinLnBrk="1" hangingPunct="1">
-                        <a:lnSpc>
-                          <a:spcPct val="100000"/>
-                        </a:lnSpc>
-                        <a:spcBef>
-                          <a:spcPts val="0"/>
-                        </a:spcBef>
-                        <a:spcAft>
-                          <a:spcPts val="0"/>
-                        </a:spcAft>
-                        <a:buClrTx/>
-                        <a:buSzTx/>
-                        <a:buFontTx/>
-                        <a:buNone/>
-                        <a:tabLst/>
-                        <a:defRPr/>
-                      </a:pPr>
-                      <a:r>
-                        <a:rPr lang="ko-KR" altLang="en-US" sz="1600" b="0" dirty="0" smtClean="0">
-                          <a:solidFill>
-                            <a:schemeClr val="tx1"/>
-                          </a:solidFill>
-                        </a:rPr>
-                        <a:t>생성자의 매개변수로 </a:t>
-                      </a:r>
-                      <a:r>
-                        <a:rPr lang="en-US" altLang="ko-KR" sz="1600" b="0" dirty="0" err="1" smtClean="0">
-                          <a:solidFill>
-                            <a:schemeClr val="tx1"/>
-                          </a:solidFill>
-                        </a:rPr>
-                        <a:t>FileOutputStream</a:t>
-                      </a:r>
-                      <a:r>
-                        <a:rPr lang="ko-KR" altLang="en-US" sz="1600" b="0" dirty="0" smtClean="0">
-                          <a:solidFill>
-                            <a:schemeClr val="tx1"/>
-                          </a:solidFill>
-                        </a:rPr>
-                        <a:t>을 받는다</a:t>
-                      </a:r>
-                      <a:r>
-                        <a:rPr lang="en-US" altLang="ko-KR" sz="1600" b="0" dirty="0" smtClean="0">
-                          <a:solidFill>
-                            <a:schemeClr val="tx1"/>
-                          </a:solidFill>
-                        </a:rPr>
-                        <a:t>.</a:t>
-                      </a:r>
-                      <a:endParaRPr lang="ko-KR" altLang="en-US" sz="1600" b="0" dirty="0" smtClean="0">
-                        <a:solidFill>
-                          <a:schemeClr val="tx1"/>
-                        </a:solidFill>
-                      </a:endParaRPr>
-                    </a:p>
-                  </a:txBody>
-                  <a:tcPr marL="74295" marR="74295" marT="37148" marB="37148" anchor="ctr">
-                    <a:lnR w="12700" cmpd="sng">
-                      <a:noFill/>
-                    </a:lnR>
-                  </a:tcPr>
-                </a:tc>
-                <a:extLst>
-                  <a:ext uri="{0D108BD9-81ED-4DB2-BD59-A6C34878D82A}">
-                    <a16:rowId xmlns:a16="http://schemas.microsoft.com/office/drawing/2014/main" val="1161435050"/>
-                  </a:ext>
-                </a:extLst>
-              </a:tr>
-            </a:tbl>
-          </a:graphicData>
-        </a:graphic>
-      </p:graphicFrame>
+      </p:pic>
     </p:spTree>
     <p:extLst>
       <p:ext uri="{BB962C8B-B14F-4D97-AF65-F5344CB8AC3E}">
-        <p14:creationId xmlns:p14="http://schemas.microsoft.com/office/powerpoint/2010/main" val="1597655587"/>
+        <p14:creationId xmlns:p14="http://schemas.microsoft.com/office/powerpoint/2010/main" val="308542694"/>
       </p:ext>
     </p:extLst>
   </p:cSld>
@@ -19749,6 +18487,1614 @@
 </file>
 
 <file path=ppt/slides/slide30.xml><?xml version="1.0" encoding="utf-8"?>
+<p:sld xmlns:a="http://schemas.openxmlformats.org/drawingml/2006/main" xmlns:r="http://schemas.openxmlformats.org/officeDocument/2006/relationships" xmlns:p="http://schemas.openxmlformats.org/presentationml/2006/main">
+  <p:cSld>
+    <p:spTree>
+      <p:nvGrpSpPr>
+        <p:cNvPr id="1" name=""/>
+        <p:cNvGrpSpPr/>
+        <p:nvPr/>
+      </p:nvGrpSpPr>
+      <p:grpSpPr>
+        <a:xfrm>
+          <a:off x="0" y="0"/>
+          <a:ext cx="0" cy="0"/>
+          <a:chOff x="0" y="0"/>
+          <a:chExt cx="0" cy="0"/>
+        </a:xfrm>
+      </p:grpSpPr>
+      <p:sp>
+        <p:nvSpPr>
+          <p:cNvPr id="22" name="제목 5"/>
+          <p:cNvSpPr txBox="1">
+            <a:spLocks/>
+          </p:cNvSpPr>
+          <p:nvPr/>
+        </p:nvSpPr>
+        <p:spPr>
+          <a:xfrm>
+            <a:off x="1" y="-27384"/>
+            <a:ext cx="3800872" cy="854968"/>
+          </a:xfrm>
+          <a:prstGeom prst="rect">
+            <a:avLst/>
+          </a:prstGeom>
+        </p:spPr>
+        <p:txBody>
+          <a:bodyPr anchor="ctr" anchorCtr="0"/>
+          <a:lstStyle>
+            <a:lvl1pPr algn="l" defTabSz="914400" rtl="0" eaLnBrk="1" latinLnBrk="1" hangingPunct="1">
+              <a:spcBef>
+                <a:spcPct val="0"/>
+              </a:spcBef>
+              <a:buNone/>
+              <a:defRPr sz="3200" kern="1200">
+                <a:solidFill>
+                  <a:schemeClr val="bg1"/>
+                </a:solidFill>
+                <a:latin typeface="HY헤드라인M" panose="02030600000101010101" pitchFamily="18" charset="-127"/>
+                <a:ea typeface="HY헤드라인M" panose="02030600000101010101" pitchFamily="18" charset="-127"/>
+                <a:cs typeface="+mj-cs"/>
+              </a:defRPr>
+            </a:lvl1pPr>
+          </a:lstStyle>
+          <a:p>
+            <a:r>
+              <a:rPr lang="en-US" altLang="ko-KR" dirty="0" smtClean="0"/>
+              <a:t> </a:t>
+            </a:r>
+            <a:r>
+              <a:rPr lang="ko-KR" altLang="en-US" dirty="0" smtClean="0"/>
+              <a:t>보조 </a:t>
+            </a:r>
+            <a:r>
+              <a:rPr lang="ko-KR" altLang="en-US" dirty="0" err="1" smtClean="0"/>
+              <a:t>스트림</a:t>
+            </a:r>
+            <a:endParaRPr lang="ko-KR" altLang="en-US" dirty="0"/>
+          </a:p>
+        </p:txBody>
+      </p:sp>
+      <p:sp>
+        <p:nvSpPr>
+          <p:cNvPr id="23" name="내용 개체 틀 2">
+            <a:extLst>
+              <a:ext uri="{FF2B5EF4-FFF2-40B4-BE49-F238E27FC236}">
+                <a16:creationId xmlns:a16="http://schemas.microsoft.com/office/drawing/2014/main" id="{98AF3A4E-7D90-4241-89FE-799D6F9D5A94}"/>
+              </a:ext>
+            </a:extLst>
+          </p:cNvPr>
+          <p:cNvSpPr txBox="1">
+            <a:spLocks/>
+          </p:cNvSpPr>
+          <p:nvPr/>
+        </p:nvSpPr>
+        <p:spPr>
+          <a:xfrm>
+            <a:off x="553287" y="942174"/>
+            <a:ext cx="8720193" cy="1694738"/>
+          </a:xfrm>
+          <a:prstGeom prst="rect">
+            <a:avLst/>
+          </a:prstGeom>
+        </p:spPr>
+        <p:txBody>
+          <a:bodyPr/>
+          <a:lstStyle>
+            <a:lvl1pPr marL="228600" indent="-228600" algn="l" defTabSz="914400" rtl="0" eaLnBrk="1" latinLnBrk="1" hangingPunct="1">
+              <a:lnSpc>
+                <a:spcPct val="90000"/>
+              </a:lnSpc>
+              <a:spcBef>
+                <a:spcPts val="1000"/>
+              </a:spcBef>
+              <a:buFont typeface="Arial" panose="020B0604020202020204" pitchFamily="34" charset="0"/>
+              <a:buChar char="•"/>
+              <a:defRPr sz="2800" kern="1200">
+                <a:solidFill>
+                  <a:schemeClr val="tx1"/>
+                </a:solidFill>
+                <a:latin typeface="+mn-lt"/>
+                <a:ea typeface="+mn-ea"/>
+                <a:cs typeface="+mn-cs"/>
+              </a:defRPr>
+            </a:lvl1pPr>
+            <a:lvl2pPr marL="685800" indent="-228600" algn="l" defTabSz="914400" rtl="0" eaLnBrk="1" latinLnBrk="1" hangingPunct="1">
+              <a:lnSpc>
+                <a:spcPct val="90000"/>
+              </a:lnSpc>
+              <a:spcBef>
+                <a:spcPts val="500"/>
+              </a:spcBef>
+              <a:buFont typeface="Arial" panose="020B0604020202020204" pitchFamily="34" charset="0"/>
+              <a:buChar char="•"/>
+              <a:defRPr sz="2400" kern="1200">
+                <a:solidFill>
+                  <a:schemeClr val="tx1"/>
+                </a:solidFill>
+                <a:latin typeface="+mn-lt"/>
+                <a:ea typeface="+mn-ea"/>
+                <a:cs typeface="+mn-cs"/>
+              </a:defRPr>
+            </a:lvl2pPr>
+            <a:lvl3pPr marL="1143000" indent="-228600" algn="l" defTabSz="914400" rtl="0" eaLnBrk="1" latinLnBrk="1" hangingPunct="1">
+              <a:lnSpc>
+                <a:spcPct val="90000"/>
+              </a:lnSpc>
+              <a:spcBef>
+                <a:spcPts val="500"/>
+              </a:spcBef>
+              <a:buFont typeface="Arial" panose="020B0604020202020204" pitchFamily="34" charset="0"/>
+              <a:buChar char="•"/>
+              <a:defRPr sz="2000" kern="1200">
+                <a:solidFill>
+                  <a:schemeClr val="tx1"/>
+                </a:solidFill>
+                <a:latin typeface="+mn-lt"/>
+                <a:ea typeface="+mn-ea"/>
+                <a:cs typeface="+mn-cs"/>
+              </a:defRPr>
+            </a:lvl3pPr>
+            <a:lvl4pPr marL="1600200" indent="-228600" algn="l" defTabSz="914400" rtl="0" eaLnBrk="1" latinLnBrk="1" hangingPunct="1">
+              <a:lnSpc>
+                <a:spcPct val="90000"/>
+              </a:lnSpc>
+              <a:spcBef>
+                <a:spcPts val="500"/>
+              </a:spcBef>
+              <a:buFont typeface="Arial" panose="020B0604020202020204" pitchFamily="34" charset="0"/>
+              <a:buChar char="•"/>
+              <a:defRPr sz="1800" kern="1200">
+                <a:solidFill>
+                  <a:schemeClr val="tx1"/>
+                </a:solidFill>
+                <a:latin typeface="+mn-lt"/>
+                <a:ea typeface="+mn-ea"/>
+                <a:cs typeface="+mn-cs"/>
+              </a:defRPr>
+            </a:lvl4pPr>
+            <a:lvl5pPr marL="2057400" indent="-228600" algn="l" defTabSz="914400" rtl="0" eaLnBrk="1" latinLnBrk="1" hangingPunct="1">
+              <a:lnSpc>
+                <a:spcPct val="90000"/>
+              </a:lnSpc>
+              <a:spcBef>
+                <a:spcPts val="500"/>
+              </a:spcBef>
+              <a:buFont typeface="Arial" panose="020B0604020202020204" pitchFamily="34" charset="0"/>
+              <a:buChar char="•"/>
+              <a:defRPr sz="1800" kern="1200">
+                <a:solidFill>
+                  <a:schemeClr val="tx1"/>
+                </a:solidFill>
+                <a:latin typeface="+mn-lt"/>
+                <a:ea typeface="+mn-ea"/>
+                <a:cs typeface="+mn-cs"/>
+              </a:defRPr>
+            </a:lvl5pPr>
+            <a:lvl6pPr marL="2514600" indent="-228600" algn="l" defTabSz="914400" rtl="0" eaLnBrk="1" latinLnBrk="1" hangingPunct="1">
+              <a:lnSpc>
+                <a:spcPct val="90000"/>
+              </a:lnSpc>
+              <a:spcBef>
+                <a:spcPts val="500"/>
+              </a:spcBef>
+              <a:buFont typeface="Arial" panose="020B0604020202020204" pitchFamily="34" charset="0"/>
+              <a:buChar char="•"/>
+              <a:defRPr sz="1800" kern="1200">
+                <a:solidFill>
+                  <a:schemeClr val="tx1"/>
+                </a:solidFill>
+                <a:latin typeface="+mn-lt"/>
+                <a:ea typeface="+mn-ea"/>
+                <a:cs typeface="+mn-cs"/>
+              </a:defRPr>
+            </a:lvl6pPr>
+            <a:lvl7pPr marL="2971800" indent="-228600" algn="l" defTabSz="914400" rtl="0" eaLnBrk="1" latinLnBrk="1" hangingPunct="1">
+              <a:lnSpc>
+                <a:spcPct val="90000"/>
+              </a:lnSpc>
+              <a:spcBef>
+                <a:spcPts val="500"/>
+              </a:spcBef>
+              <a:buFont typeface="Arial" panose="020B0604020202020204" pitchFamily="34" charset="0"/>
+              <a:buChar char="•"/>
+              <a:defRPr sz="1800" kern="1200">
+                <a:solidFill>
+                  <a:schemeClr val="tx1"/>
+                </a:solidFill>
+                <a:latin typeface="+mn-lt"/>
+                <a:ea typeface="+mn-ea"/>
+                <a:cs typeface="+mn-cs"/>
+              </a:defRPr>
+            </a:lvl7pPr>
+            <a:lvl8pPr marL="3429000" indent="-228600" algn="l" defTabSz="914400" rtl="0" eaLnBrk="1" latinLnBrk="1" hangingPunct="1">
+              <a:lnSpc>
+                <a:spcPct val="90000"/>
+              </a:lnSpc>
+              <a:spcBef>
+                <a:spcPts val="500"/>
+              </a:spcBef>
+              <a:buFont typeface="Arial" panose="020B0604020202020204" pitchFamily="34" charset="0"/>
+              <a:buChar char="•"/>
+              <a:defRPr sz="1800" kern="1200">
+                <a:solidFill>
+                  <a:schemeClr val="tx1"/>
+                </a:solidFill>
+                <a:latin typeface="+mn-lt"/>
+                <a:ea typeface="+mn-ea"/>
+                <a:cs typeface="+mn-cs"/>
+              </a:defRPr>
+            </a:lvl8pPr>
+            <a:lvl9pPr marL="3886200" indent="-228600" algn="l" defTabSz="914400" rtl="0" eaLnBrk="1" latinLnBrk="1" hangingPunct="1">
+              <a:lnSpc>
+                <a:spcPct val="90000"/>
+              </a:lnSpc>
+              <a:spcBef>
+                <a:spcPts val="500"/>
+              </a:spcBef>
+              <a:buFont typeface="Arial" panose="020B0604020202020204" pitchFamily="34" charset="0"/>
+              <a:buChar char="•"/>
+              <a:defRPr sz="1800" kern="1200">
+                <a:solidFill>
+                  <a:schemeClr val="tx1"/>
+                </a:solidFill>
+                <a:latin typeface="+mn-lt"/>
+                <a:ea typeface="+mn-ea"/>
+                <a:cs typeface="+mn-cs"/>
+              </a:defRPr>
+            </a:lvl9pPr>
+          </a:lstStyle>
+          <a:p>
+            <a:pPr marL="0" indent="0">
+              <a:lnSpc>
+                <a:spcPct val="150000"/>
+              </a:lnSpc>
+              <a:buNone/>
+            </a:pPr>
+            <a:r>
+              <a:rPr lang="ko-KR" altLang="en-US" sz="1800" dirty="0">
+                <a:latin typeface="+mn-ea"/>
+              </a:rPr>
+              <a:t> </a:t>
+            </a:r>
+            <a:r>
+              <a:rPr lang="ko-KR" altLang="en-US" sz="1800" dirty="0" smtClean="0">
+                <a:latin typeface="+mn-ea"/>
+              </a:rPr>
+              <a:t> </a:t>
+            </a:r>
+            <a:r>
+              <a:rPr lang="ko-KR" altLang="en-US" sz="2000" b="1" dirty="0" smtClean="0">
+                <a:solidFill>
+                  <a:srgbClr val="C00000"/>
+                </a:solidFill>
+                <a:latin typeface="+mn-ea"/>
+              </a:rPr>
+              <a:t>보조 </a:t>
+            </a:r>
+            <a:r>
+              <a:rPr lang="ko-KR" altLang="en-US" sz="2000" b="1" dirty="0" err="1" smtClean="0">
+                <a:solidFill>
+                  <a:srgbClr val="C00000"/>
+                </a:solidFill>
+                <a:latin typeface="+mn-ea"/>
+              </a:rPr>
+              <a:t>스트림</a:t>
+            </a:r>
+            <a:endParaRPr lang="en-US" altLang="ko-KR" sz="2000" b="1" dirty="0" smtClean="0">
+              <a:solidFill>
+                <a:srgbClr val="C00000"/>
+              </a:solidFill>
+              <a:latin typeface="+mn-ea"/>
+            </a:endParaRPr>
+          </a:p>
+          <a:p>
+            <a:pPr lvl="1">
+              <a:lnSpc>
+                <a:spcPct val="150000"/>
+              </a:lnSpc>
+              <a:buFont typeface="Wingdings" panose="05000000000000000000" pitchFamily="2" charset="2"/>
+              <a:buChar char="§"/>
+            </a:pPr>
+            <a:r>
+              <a:rPr lang="ko-KR" altLang="en-US" sz="1600" dirty="0" smtClean="0">
+                <a:latin typeface="+mn-ea"/>
+              </a:rPr>
+              <a:t>실제 읽고 쓰는 </a:t>
+            </a:r>
+            <a:r>
+              <a:rPr lang="ko-KR" altLang="en-US" sz="1600" dirty="0" err="1" smtClean="0">
+                <a:latin typeface="+mn-ea"/>
+              </a:rPr>
+              <a:t>스트림이</a:t>
+            </a:r>
+            <a:r>
+              <a:rPr lang="ko-KR" altLang="en-US" sz="1600" dirty="0" smtClean="0">
+                <a:latin typeface="+mn-ea"/>
+              </a:rPr>
+              <a:t> 아닌 보조적인 기능을 추가하는 </a:t>
+            </a:r>
+            <a:r>
+              <a:rPr lang="ko-KR" altLang="en-US" sz="1600" dirty="0" err="1" smtClean="0">
+                <a:latin typeface="+mn-ea"/>
+              </a:rPr>
+              <a:t>스트림</a:t>
+            </a:r>
+            <a:r>
+              <a:rPr lang="en-US" altLang="ko-KR" sz="1600" dirty="0" smtClean="0">
+                <a:latin typeface="+mn-ea"/>
+              </a:rPr>
+              <a:t>. </a:t>
+            </a:r>
+          </a:p>
+          <a:p>
+            <a:pPr lvl="1">
+              <a:lnSpc>
+                <a:spcPct val="150000"/>
+              </a:lnSpc>
+              <a:buFont typeface="Wingdings" panose="05000000000000000000" pitchFamily="2" charset="2"/>
+              <a:buChar char="§"/>
+            </a:pPr>
+            <a:r>
+              <a:rPr lang="ko-KR" altLang="en-US" sz="1600" dirty="0" smtClean="0">
+                <a:latin typeface="+mn-ea"/>
+              </a:rPr>
+              <a:t>생성자의 매개변수로 또 </a:t>
+            </a:r>
+            <a:r>
+              <a:rPr lang="ko-KR" altLang="en-US" sz="1600" b="1" dirty="0" err="1" smtClean="0">
+                <a:solidFill>
+                  <a:srgbClr val="C00000"/>
+                </a:solidFill>
+                <a:latin typeface="+mn-ea"/>
+              </a:rPr>
+              <a:t>기반스트림</a:t>
+            </a:r>
+            <a:r>
+              <a:rPr lang="ko-KR" altLang="en-US" sz="1600" dirty="0" err="1" smtClean="0">
+                <a:latin typeface="+mn-ea"/>
+              </a:rPr>
+              <a:t>을</a:t>
+            </a:r>
+            <a:r>
+              <a:rPr lang="ko-KR" altLang="en-US" sz="1600" dirty="0" smtClean="0">
+                <a:latin typeface="+mn-ea"/>
+              </a:rPr>
+              <a:t> 가짐</a:t>
+            </a:r>
+            <a:endParaRPr lang="en-US" altLang="ko-KR" sz="1600" dirty="0" smtClean="0">
+              <a:latin typeface="+mn-ea"/>
+            </a:endParaRPr>
+          </a:p>
+          <a:p>
+            <a:pPr lvl="1">
+              <a:lnSpc>
+                <a:spcPct val="150000"/>
+              </a:lnSpc>
+              <a:buFont typeface="Wingdings" panose="05000000000000000000" pitchFamily="2" charset="2"/>
+              <a:buChar char="§"/>
+            </a:pPr>
+            <a:r>
+              <a:rPr lang="ko-KR" altLang="en-US" sz="1600" dirty="0" err="1" smtClean="0">
+                <a:latin typeface="+mn-ea"/>
+              </a:rPr>
+              <a:t>데코레이터</a:t>
+            </a:r>
+            <a:r>
+              <a:rPr lang="en-US" altLang="ko-KR" sz="1600" dirty="0" smtClean="0">
+                <a:latin typeface="+mn-ea"/>
+              </a:rPr>
+              <a:t>(decorator) </a:t>
+            </a:r>
+            <a:r>
+              <a:rPr lang="ko-KR" altLang="en-US" sz="1600" dirty="0" smtClean="0">
+                <a:latin typeface="+mn-ea"/>
+              </a:rPr>
+              <a:t>패턴이라고 함</a:t>
+            </a:r>
+            <a:endParaRPr lang="en-US" altLang="ko-KR" sz="1800" dirty="0" smtClean="0"/>
+          </a:p>
+          <a:p>
+            <a:pPr lvl="1">
+              <a:lnSpc>
+                <a:spcPct val="100000"/>
+              </a:lnSpc>
+            </a:pPr>
+            <a:endParaRPr lang="en-US" altLang="ko-KR" sz="1800" dirty="0" smtClean="0"/>
+          </a:p>
+          <a:p>
+            <a:pPr marL="457200" lvl="1" indent="0">
+              <a:lnSpc>
+                <a:spcPct val="150000"/>
+              </a:lnSpc>
+              <a:buNone/>
+            </a:pPr>
+            <a:endParaRPr lang="en-US" altLang="ko-KR" sz="1400" b="1" dirty="0" smtClean="0">
+              <a:solidFill>
+                <a:srgbClr val="002060"/>
+              </a:solidFill>
+            </a:endParaRPr>
+          </a:p>
+        </p:txBody>
+      </p:sp>
+      <p:sp>
+        <p:nvSpPr>
+          <p:cNvPr id="9" name="타원 8"/>
+          <p:cNvSpPr/>
+          <p:nvPr/>
+        </p:nvSpPr>
+        <p:spPr>
+          <a:xfrm>
+            <a:off x="5561455" y="3246430"/>
+            <a:ext cx="2520280" cy="1368152"/>
+          </a:xfrm>
+          <a:prstGeom prst="ellipse">
+            <a:avLst/>
+          </a:prstGeom>
+          <a:ln/>
+        </p:spPr>
+        <p:style>
+          <a:lnRef idx="2">
+            <a:schemeClr val="accent2"/>
+          </a:lnRef>
+          <a:fillRef idx="1">
+            <a:schemeClr val="lt1"/>
+          </a:fillRef>
+          <a:effectRef idx="0">
+            <a:schemeClr val="accent2"/>
+          </a:effectRef>
+          <a:fontRef idx="minor">
+            <a:schemeClr val="dk1"/>
+          </a:fontRef>
+        </p:style>
+        <p:txBody>
+          <a:bodyPr rtlCol="0" anchor="ctr"/>
+          <a:lstStyle/>
+          <a:p>
+            <a:pPr algn="ctr"/>
+            <a:r>
+              <a:rPr lang="en-US" altLang="ko-KR" sz="1600" dirty="0" smtClean="0"/>
+              <a:t>+ </a:t>
+            </a:r>
+            <a:r>
+              <a:rPr lang="ko-KR" altLang="en-US" sz="1600" dirty="0" err="1" smtClean="0"/>
+              <a:t>버퍼링</a:t>
+            </a:r>
+            <a:r>
+              <a:rPr lang="ko-KR" altLang="en-US" sz="1600" dirty="0" smtClean="0"/>
+              <a:t> 기능</a:t>
+            </a:r>
+            <a:endParaRPr lang="en-US" altLang="ko-KR" sz="1600" dirty="0" smtClean="0"/>
+          </a:p>
+          <a:p>
+            <a:pPr algn="ctr"/>
+            <a:r>
+              <a:rPr lang="ko-KR" altLang="en-US" sz="1600" dirty="0" smtClean="0"/>
+              <a:t>추가</a:t>
+            </a:r>
+            <a:endParaRPr lang="ko-KR" altLang="en-US" sz="1600" dirty="0"/>
+          </a:p>
+        </p:txBody>
+      </p:sp>
+      <p:sp>
+        <p:nvSpPr>
+          <p:cNvPr id="7" name="타원 6"/>
+          <p:cNvSpPr/>
+          <p:nvPr/>
+        </p:nvSpPr>
+        <p:spPr>
+          <a:xfrm>
+            <a:off x="3512840" y="3246430"/>
+            <a:ext cx="2520280" cy="1368152"/>
+          </a:xfrm>
+          <a:prstGeom prst="ellipse">
+            <a:avLst/>
+          </a:prstGeom>
+          <a:ln/>
+        </p:spPr>
+        <p:style>
+          <a:lnRef idx="2">
+            <a:schemeClr val="accent2"/>
+          </a:lnRef>
+          <a:fillRef idx="1">
+            <a:schemeClr val="lt1"/>
+          </a:fillRef>
+          <a:effectRef idx="0">
+            <a:schemeClr val="accent2"/>
+          </a:effectRef>
+          <a:fontRef idx="minor">
+            <a:schemeClr val="dk1"/>
+          </a:fontRef>
+        </p:style>
+        <p:txBody>
+          <a:bodyPr rtlCol="0" anchor="ctr"/>
+          <a:lstStyle/>
+          <a:p>
+            <a:pPr algn="ctr"/>
+            <a:r>
+              <a:rPr lang="en-US" altLang="ko-KR" sz="1600" dirty="0" smtClean="0"/>
+              <a:t>+ </a:t>
+            </a:r>
+            <a:r>
+              <a:rPr lang="ko-KR" altLang="en-US" sz="1600" dirty="0" smtClean="0"/>
+              <a:t>문자로 변환</a:t>
+            </a:r>
+            <a:endParaRPr lang="en-US" altLang="ko-KR" sz="1600" dirty="0" smtClean="0"/>
+          </a:p>
+          <a:p>
+            <a:pPr algn="ctr"/>
+            <a:r>
+              <a:rPr lang="ko-KR" altLang="en-US" sz="1600" dirty="0" smtClean="0"/>
+              <a:t>기능 추가</a:t>
+            </a:r>
+            <a:endParaRPr lang="ko-KR" altLang="en-US" sz="1600" dirty="0"/>
+          </a:p>
+        </p:txBody>
+      </p:sp>
+      <p:sp>
+        <p:nvSpPr>
+          <p:cNvPr id="2" name="타원 1"/>
+          <p:cNvSpPr/>
+          <p:nvPr/>
+        </p:nvSpPr>
+        <p:spPr>
+          <a:xfrm>
+            <a:off x="1280591" y="3246430"/>
+            <a:ext cx="2520281" cy="1368152"/>
+          </a:xfrm>
+          <a:prstGeom prst="ellipse">
+            <a:avLst/>
+          </a:prstGeom>
+          <a:ln/>
+        </p:spPr>
+        <p:style>
+          <a:lnRef idx="2">
+            <a:schemeClr val="accent2"/>
+          </a:lnRef>
+          <a:fillRef idx="1">
+            <a:schemeClr val="lt1"/>
+          </a:fillRef>
+          <a:effectRef idx="0">
+            <a:schemeClr val="accent2"/>
+          </a:effectRef>
+          <a:fontRef idx="minor">
+            <a:schemeClr val="dk1"/>
+          </a:fontRef>
+        </p:style>
+        <p:txBody>
+          <a:bodyPr rtlCol="0" anchor="ctr"/>
+          <a:lstStyle/>
+          <a:p>
+            <a:pPr algn="ctr"/>
+            <a:r>
+              <a:rPr lang="ko-KR" altLang="en-US" sz="1600" dirty="0" smtClean="0"/>
+              <a:t>바이트 단위</a:t>
+            </a:r>
+            <a:endParaRPr lang="en-US" altLang="ko-KR" sz="1600" dirty="0" smtClean="0"/>
+          </a:p>
+          <a:p>
+            <a:pPr algn="ctr"/>
+            <a:r>
+              <a:rPr lang="ko-KR" altLang="en-US" sz="1600" dirty="0" smtClean="0"/>
+              <a:t>파일 입력 </a:t>
+            </a:r>
+            <a:r>
+              <a:rPr lang="ko-KR" altLang="en-US" sz="1600" dirty="0" err="1" smtClean="0"/>
+              <a:t>스트림</a:t>
+            </a:r>
+            <a:endParaRPr lang="ko-KR" altLang="en-US" sz="1600" dirty="0"/>
+          </a:p>
+        </p:txBody>
+      </p:sp>
+      <p:sp>
+        <p:nvSpPr>
+          <p:cNvPr id="3" name="TextBox 2"/>
+          <p:cNvSpPr txBox="1"/>
+          <p:nvPr/>
+        </p:nvSpPr>
+        <p:spPr>
+          <a:xfrm>
+            <a:off x="1928664" y="4746630"/>
+            <a:ext cx="1296144" cy="338554"/>
+          </a:xfrm>
+          <a:prstGeom prst="rect">
+            <a:avLst/>
+          </a:prstGeom>
+          <a:noFill/>
+        </p:spPr>
+        <p:txBody>
+          <a:bodyPr wrap="square" rtlCol="0">
+            <a:spAutoFit/>
+          </a:bodyPr>
+          <a:lstStyle/>
+          <a:p>
+            <a:r>
+              <a:rPr lang="ko-KR" altLang="en-US" sz="1600" dirty="0" smtClean="0"/>
+              <a:t>기반 </a:t>
+            </a:r>
+            <a:r>
+              <a:rPr lang="ko-KR" altLang="en-US" sz="1600" dirty="0" err="1" smtClean="0"/>
+              <a:t>스트림</a:t>
+            </a:r>
+            <a:endParaRPr lang="ko-KR" altLang="en-US" sz="1600" dirty="0"/>
+          </a:p>
+        </p:txBody>
+      </p:sp>
+      <p:sp>
+        <p:nvSpPr>
+          <p:cNvPr id="8" name="TextBox 7"/>
+          <p:cNvSpPr txBox="1"/>
+          <p:nvPr/>
+        </p:nvSpPr>
+        <p:spPr>
+          <a:xfrm>
+            <a:off x="4265311" y="4746630"/>
+            <a:ext cx="1296144" cy="338554"/>
+          </a:xfrm>
+          <a:prstGeom prst="rect">
+            <a:avLst/>
+          </a:prstGeom>
+          <a:noFill/>
+        </p:spPr>
+        <p:txBody>
+          <a:bodyPr wrap="square" rtlCol="0">
+            <a:spAutoFit/>
+          </a:bodyPr>
+          <a:lstStyle/>
+          <a:p>
+            <a:r>
+              <a:rPr lang="ko-KR" altLang="en-US" sz="1600" dirty="0" smtClean="0"/>
+              <a:t>보조 </a:t>
+            </a:r>
+            <a:r>
+              <a:rPr lang="ko-KR" altLang="en-US" sz="1600" dirty="0" err="1" smtClean="0"/>
+              <a:t>스트림</a:t>
+            </a:r>
+            <a:endParaRPr lang="ko-KR" altLang="en-US" sz="1600" dirty="0"/>
+          </a:p>
+        </p:txBody>
+      </p:sp>
+      <p:sp>
+        <p:nvSpPr>
+          <p:cNvPr id="10" name="TextBox 9"/>
+          <p:cNvSpPr txBox="1"/>
+          <p:nvPr/>
+        </p:nvSpPr>
+        <p:spPr>
+          <a:xfrm>
+            <a:off x="6249144" y="4746630"/>
+            <a:ext cx="1296144" cy="338554"/>
+          </a:xfrm>
+          <a:prstGeom prst="rect">
+            <a:avLst/>
+          </a:prstGeom>
+          <a:noFill/>
+        </p:spPr>
+        <p:txBody>
+          <a:bodyPr wrap="square" rtlCol="0">
+            <a:spAutoFit/>
+          </a:bodyPr>
+          <a:lstStyle/>
+          <a:p>
+            <a:r>
+              <a:rPr lang="ko-KR" altLang="en-US" sz="1600" dirty="0" smtClean="0"/>
+              <a:t>보조 </a:t>
+            </a:r>
+            <a:r>
+              <a:rPr lang="ko-KR" altLang="en-US" sz="1600" dirty="0" err="1" smtClean="0"/>
+              <a:t>스트림</a:t>
+            </a:r>
+            <a:endParaRPr lang="ko-KR" altLang="en-US" sz="1600" dirty="0"/>
+          </a:p>
+        </p:txBody>
+      </p:sp>
+    </p:spTree>
+    <p:extLst>
+      <p:ext uri="{BB962C8B-B14F-4D97-AF65-F5344CB8AC3E}">
+        <p14:creationId xmlns:p14="http://schemas.microsoft.com/office/powerpoint/2010/main" val="1019592511"/>
+      </p:ext>
+    </p:extLst>
+  </p:cSld>
+  <p:clrMapOvr>
+    <a:masterClrMapping/>
+  </p:clrMapOvr>
+  <p:timing>
+    <p:tnLst>
+      <p:par>
+        <p:cTn id="1" dur="indefinite" restart="never" nodeType="tmRoot"/>
+      </p:par>
+    </p:tnLst>
+  </p:timing>
+</p:sld>
+</file>
+
+<file path=ppt/slides/slide31.xml><?xml version="1.0" encoding="utf-8"?>
+<p:sld xmlns:a="http://schemas.openxmlformats.org/drawingml/2006/main" xmlns:r="http://schemas.openxmlformats.org/officeDocument/2006/relationships" xmlns:p="http://schemas.openxmlformats.org/presentationml/2006/main">
+  <p:cSld>
+    <p:spTree>
+      <p:nvGrpSpPr>
+        <p:cNvPr id="1" name=""/>
+        <p:cNvGrpSpPr/>
+        <p:nvPr/>
+      </p:nvGrpSpPr>
+      <p:grpSpPr>
+        <a:xfrm>
+          <a:off x="0" y="0"/>
+          <a:ext cx="0" cy="0"/>
+          <a:chOff x="0" y="0"/>
+          <a:chExt cx="0" cy="0"/>
+        </a:xfrm>
+      </p:grpSpPr>
+      <p:sp>
+        <p:nvSpPr>
+          <p:cNvPr id="22" name="제목 5"/>
+          <p:cNvSpPr txBox="1">
+            <a:spLocks/>
+          </p:cNvSpPr>
+          <p:nvPr/>
+        </p:nvSpPr>
+        <p:spPr>
+          <a:xfrm>
+            <a:off x="0" y="-27384"/>
+            <a:ext cx="7257255" cy="854968"/>
+          </a:xfrm>
+          <a:prstGeom prst="rect">
+            <a:avLst/>
+          </a:prstGeom>
+        </p:spPr>
+        <p:txBody>
+          <a:bodyPr anchor="ctr" anchorCtr="0"/>
+          <a:lstStyle>
+            <a:lvl1pPr algn="l" defTabSz="914400" rtl="0" eaLnBrk="1" latinLnBrk="1" hangingPunct="1">
+              <a:spcBef>
+                <a:spcPct val="0"/>
+              </a:spcBef>
+              <a:buNone/>
+              <a:defRPr sz="3200" kern="1200">
+                <a:solidFill>
+                  <a:schemeClr val="bg1"/>
+                </a:solidFill>
+                <a:latin typeface="HY헤드라인M" panose="02030600000101010101" pitchFamily="18" charset="-127"/>
+                <a:ea typeface="HY헤드라인M" panose="02030600000101010101" pitchFamily="18" charset="-127"/>
+                <a:cs typeface="+mj-cs"/>
+              </a:defRPr>
+            </a:lvl1pPr>
+          </a:lstStyle>
+          <a:p>
+            <a:r>
+              <a:rPr lang="en-US" altLang="ko-KR" dirty="0" smtClean="0"/>
+              <a:t> </a:t>
+            </a:r>
+            <a:r>
+              <a:rPr lang="ko-KR" altLang="en-US" dirty="0" smtClean="0"/>
+              <a:t>보조 </a:t>
+            </a:r>
+            <a:r>
+              <a:rPr lang="ko-KR" altLang="en-US" dirty="0" err="1" smtClean="0"/>
+              <a:t>스트림</a:t>
+            </a:r>
+            <a:r>
+              <a:rPr lang="ko-KR" altLang="en-US" dirty="0" smtClean="0"/>
+              <a:t> </a:t>
+            </a:r>
+            <a:r>
+              <a:rPr lang="en-US" altLang="ko-KR" dirty="0" smtClean="0"/>
+              <a:t>- </a:t>
+            </a:r>
+            <a:r>
+              <a:rPr lang="en-US" altLang="ko-KR" dirty="0" err="1" smtClean="0"/>
+              <a:t>InputStreamReader</a:t>
+            </a:r>
+            <a:endParaRPr lang="ko-KR" altLang="en-US" dirty="0"/>
+          </a:p>
+        </p:txBody>
+      </p:sp>
+      <p:sp>
+        <p:nvSpPr>
+          <p:cNvPr id="23" name="내용 개체 틀 2">
+            <a:extLst>
+              <a:ext uri="{FF2B5EF4-FFF2-40B4-BE49-F238E27FC236}">
+                <a16:creationId xmlns:a16="http://schemas.microsoft.com/office/drawing/2014/main" id="{98AF3A4E-7D90-4241-89FE-799D6F9D5A94}"/>
+              </a:ext>
+            </a:extLst>
+          </p:cNvPr>
+          <p:cNvSpPr txBox="1">
+            <a:spLocks/>
+          </p:cNvSpPr>
+          <p:nvPr/>
+        </p:nvSpPr>
+        <p:spPr>
+          <a:xfrm>
+            <a:off x="553287" y="1042358"/>
+            <a:ext cx="8720193" cy="1766746"/>
+          </a:xfrm>
+          <a:prstGeom prst="rect">
+            <a:avLst/>
+          </a:prstGeom>
+        </p:spPr>
+        <p:txBody>
+          <a:bodyPr/>
+          <a:lstStyle>
+            <a:lvl1pPr marL="228600" indent="-228600" algn="l" defTabSz="914400" rtl="0" eaLnBrk="1" latinLnBrk="1" hangingPunct="1">
+              <a:lnSpc>
+                <a:spcPct val="90000"/>
+              </a:lnSpc>
+              <a:spcBef>
+                <a:spcPts val="1000"/>
+              </a:spcBef>
+              <a:buFont typeface="Arial" panose="020B0604020202020204" pitchFamily="34" charset="0"/>
+              <a:buChar char="•"/>
+              <a:defRPr sz="2800" kern="1200">
+                <a:solidFill>
+                  <a:schemeClr val="tx1"/>
+                </a:solidFill>
+                <a:latin typeface="+mn-lt"/>
+                <a:ea typeface="+mn-ea"/>
+                <a:cs typeface="+mn-cs"/>
+              </a:defRPr>
+            </a:lvl1pPr>
+            <a:lvl2pPr marL="685800" indent="-228600" algn="l" defTabSz="914400" rtl="0" eaLnBrk="1" latinLnBrk="1" hangingPunct="1">
+              <a:lnSpc>
+                <a:spcPct val="90000"/>
+              </a:lnSpc>
+              <a:spcBef>
+                <a:spcPts val="500"/>
+              </a:spcBef>
+              <a:buFont typeface="Arial" panose="020B0604020202020204" pitchFamily="34" charset="0"/>
+              <a:buChar char="•"/>
+              <a:defRPr sz="2400" kern="1200">
+                <a:solidFill>
+                  <a:schemeClr val="tx1"/>
+                </a:solidFill>
+                <a:latin typeface="+mn-lt"/>
+                <a:ea typeface="+mn-ea"/>
+                <a:cs typeface="+mn-cs"/>
+              </a:defRPr>
+            </a:lvl2pPr>
+            <a:lvl3pPr marL="1143000" indent="-228600" algn="l" defTabSz="914400" rtl="0" eaLnBrk="1" latinLnBrk="1" hangingPunct="1">
+              <a:lnSpc>
+                <a:spcPct val="90000"/>
+              </a:lnSpc>
+              <a:spcBef>
+                <a:spcPts val="500"/>
+              </a:spcBef>
+              <a:buFont typeface="Arial" panose="020B0604020202020204" pitchFamily="34" charset="0"/>
+              <a:buChar char="•"/>
+              <a:defRPr sz="2000" kern="1200">
+                <a:solidFill>
+                  <a:schemeClr val="tx1"/>
+                </a:solidFill>
+                <a:latin typeface="+mn-lt"/>
+                <a:ea typeface="+mn-ea"/>
+                <a:cs typeface="+mn-cs"/>
+              </a:defRPr>
+            </a:lvl3pPr>
+            <a:lvl4pPr marL="1600200" indent="-228600" algn="l" defTabSz="914400" rtl="0" eaLnBrk="1" latinLnBrk="1" hangingPunct="1">
+              <a:lnSpc>
+                <a:spcPct val="90000"/>
+              </a:lnSpc>
+              <a:spcBef>
+                <a:spcPts val="500"/>
+              </a:spcBef>
+              <a:buFont typeface="Arial" panose="020B0604020202020204" pitchFamily="34" charset="0"/>
+              <a:buChar char="•"/>
+              <a:defRPr sz="1800" kern="1200">
+                <a:solidFill>
+                  <a:schemeClr val="tx1"/>
+                </a:solidFill>
+                <a:latin typeface="+mn-lt"/>
+                <a:ea typeface="+mn-ea"/>
+                <a:cs typeface="+mn-cs"/>
+              </a:defRPr>
+            </a:lvl4pPr>
+            <a:lvl5pPr marL="2057400" indent="-228600" algn="l" defTabSz="914400" rtl="0" eaLnBrk="1" latinLnBrk="1" hangingPunct="1">
+              <a:lnSpc>
+                <a:spcPct val="90000"/>
+              </a:lnSpc>
+              <a:spcBef>
+                <a:spcPts val="500"/>
+              </a:spcBef>
+              <a:buFont typeface="Arial" panose="020B0604020202020204" pitchFamily="34" charset="0"/>
+              <a:buChar char="•"/>
+              <a:defRPr sz="1800" kern="1200">
+                <a:solidFill>
+                  <a:schemeClr val="tx1"/>
+                </a:solidFill>
+                <a:latin typeface="+mn-lt"/>
+                <a:ea typeface="+mn-ea"/>
+                <a:cs typeface="+mn-cs"/>
+              </a:defRPr>
+            </a:lvl5pPr>
+            <a:lvl6pPr marL="2514600" indent="-228600" algn="l" defTabSz="914400" rtl="0" eaLnBrk="1" latinLnBrk="1" hangingPunct="1">
+              <a:lnSpc>
+                <a:spcPct val="90000"/>
+              </a:lnSpc>
+              <a:spcBef>
+                <a:spcPts val="500"/>
+              </a:spcBef>
+              <a:buFont typeface="Arial" panose="020B0604020202020204" pitchFamily="34" charset="0"/>
+              <a:buChar char="•"/>
+              <a:defRPr sz="1800" kern="1200">
+                <a:solidFill>
+                  <a:schemeClr val="tx1"/>
+                </a:solidFill>
+                <a:latin typeface="+mn-lt"/>
+                <a:ea typeface="+mn-ea"/>
+                <a:cs typeface="+mn-cs"/>
+              </a:defRPr>
+            </a:lvl6pPr>
+            <a:lvl7pPr marL="2971800" indent="-228600" algn="l" defTabSz="914400" rtl="0" eaLnBrk="1" latinLnBrk="1" hangingPunct="1">
+              <a:lnSpc>
+                <a:spcPct val="90000"/>
+              </a:lnSpc>
+              <a:spcBef>
+                <a:spcPts val="500"/>
+              </a:spcBef>
+              <a:buFont typeface="Arial" panose="020B0604020202020204" pitchFamily="34" charset="0"/>
+              <a:buChar char="•"/>
+              <a:defRPr sz="1800" kern="1200">
+                <a:solidFill>
+                  <a:schemeClr val="tx1"/>
+                </a:solidFill>
+                <a:latin typeface="+mn-lt"/>
+                <a:ea typeface="+mn-ea"/>
+                <a:cs typeface="+mn-cs"/>
+              </a:defRPr>
+            </a:lvl7pPr>
+            <a:lvl8pPr marL="3429000" indent="-228600" algn="l" defTabSz="914400" rtl="0" eaLnBrk="1" latinLnBrk="1" hangingPunct="1">
+              <a:lnSpc>
+                <a:spcPct val="90000"/>
+              </a:lnSpc>
+              <a:spcBef>
+                <a:spcPts val="500"/>
+              </a:spcBef>
+              <a:buFont typeface="Arial" panose="020B0604020202020204" pitchFamily="34" charset="0"/>
+              <a:buChar char="•"/>
+              <a:defRPr sz="1800" kern="1200">
+                <a:solidFill>
+                  <a:schemeClr val="tx1"/>
+                </a:solidFill>
+                <a:latin typeface="+mn-lt"/>
+                <a:ea typeface="+mn-ea"/>
+                <a:cs typeface="+mn-cs"/>
+              </a:defRPr>
+            </a:lvl8pPr>
+            <a:lvl9pPr marL="3886200" indent="-228600" algn="l" defTabSz="914400" rtl="0" eaLnBrk="1" latinLnBrk="1" hangingPunct="1">
+              <a:lnSpc>
+                <a:spcPct val="90000"/>
+              </a:lnSpc>
+              <a:spcBef>
+                <a:spcPts val="500"/>
+              </a:spcBef>
+              <a:buFont typeface="Arial" panose="020B0604020202020204" pitchFamily="34" charset="0"/>
+              <a:buChar char="•"/>
+              <a:defRPr sz="1800" kern="1200">
+                <a:solidFill>
+                  <a:schemeClr val="tx1"/>
+                </a:solidFill>
+                <a:latin typeface="+mn-lt"/>
+                <a:ea typeface="+mn-ea"/>
+                <a:cs typeface="+mn-cs"/>
+              </a:defRPr>
+            </a:lvl9pPr>
+          </a:lstStyle>
+          <a:p>
+            <a:pPr marL="0" indent="0">
+              <a:lnSpc>
+                <a:spcPct val="150000"/>
+              </a:lnSpc>
+              <a:buNone/>
+            </a:pPr>
+            <a:r>
+              <a:rPr lang="ko-KR" altLang="en-US" sz="1800" dirty="0">
+                <a:latin typeface="+mn-ea"/>
+              </a:rPr>
+              <a:t> </a:t>
+            </a:r>
+            <a:r>
+              <a:rPr lang="ko-KR" altLang="en-US" sz="1800" dirty="0" smtClean="0">
+                <a:latin typeface="+mn-ea"/>
+              </a:rPr>
+              <a:t> </a:t>
+            </a:r>
+            <a:r>
+              <a:rPr lang="en-US" altLang="ko-KR" sz="1800" b="1" dirty="0" err="1" smtClean="0">
+                <a:solidFill>
+                  <a:srgbClr val="C00000"/>
+                </a:solidFill>
+                <a:latin typeface="+mn-ea"/>
+              </a:rPr>
+              <a:t>InputStreamReader</a:t>
+            </a:r>
+            <a:r>
+              <a:rPr lang="ko-KR" altLang="en-US" sz="1800" b="1" dirty="0" smtClean="0">
+                <a:solidFill>
+                  <a:srgbClr val="C00000"/>
+                </a:solidFill>
+                <a:latin typeface="+mn-ea"/>
+              </a:rPr>
+              <a:t>와 </a:t>
+            </a:r>
+            <a:r>
+              <a:rPr lang="en-US" altLang="ko-KR" sz="1800" b="1" dirty="0" err="1" smtClean="0">
+                <a:solidFill>
+                  <a:srgbClr val="C00000"/>
+                </a:solidFill>
+                <a:latin typeface="+mn-ea"/>
+              </a:rPr>
+              <a:t>OutputStreamWriter</a:t>
+            </a:r>
+            <a:endParaRPr lang="en-US" altLang="ko-KR" sz="1800" b="1" dirty="0" smtClean="0">
+              <a:solidFill>
+                <a:srgbClr val="C00000"/>
+              </a:solidFill>
+              <a:latin typeface="+mn-ea"/>
+            </a:endParaRPr>
+          </a:p>
+          <a:p>
+            <a:pPr lvl="1">
+              <a:lnSpc>
+                <a:spcPct val="150000"/>
+              </a:lnSpc>
+              <a:buFont typeface="Wingdings" panose="05000000000000000000" pitchFamily="2" charset="2"/>
+              <a:buChar char="§"/>
+            </a:pPr>
+            <a:r>
+              <a:rPr lang="ko-KR" altLang="en-US" sz="1600" dirty="0" smtClean="0">
+                <a:latin typeface="+mn-ea"/>
+              </a:rPr>
+              <a:t>바이트 자료만 입력되는 </a:t>
+            </a:r>
+            <a:r>
+              <a:rPr lang="ko-KR" altLang="en-US" sz="1600" dirty="0" err="1" smtClean="0">
+                <a:latin typeface="+mn-ea"/>
+              </a:rPr>
+              <a:t>스트림에서</a:t>
+            </a:r>
+            <a:r>
+              <a:rPr lang="ko-KR" altLang="en-US" sz="1600" dirty="0" smtClean="0">
+                <a:latin typeface="+mn-ea"/>
+              </a:rPr>
+              <a:t> 문자로 변환해 준다</a:t>
+            </a:r>
+            <a:r>
+              <a:rPr lang="en-US" altLang="ko-KR" sz="1600" dirty="0" smtClean="0">
+                <a:latin typeface="+mn-ea"/>
+              </a:rPr>
+              <a:t>. </a:t>
+            </a:r>
+          </a:p>
+          <a:p>
+            <a:pPr lvl="1">
+              <a:lnSpc>
+                <a:spcPct val="150000"/>
+              </a:lnSpc>
+              <a:buFont typeface="Wingdings" panose="05000000000000000000" pitchFamily="2" charset="2"/>
+              <a:buChar char="§"/>
+            </a:pPr>
+            <a:r>
+              <a:rPr lang="en-US" altLang="ko-KR" sz="1600" b="1" dirty="0" smtClean="0">
+                <a:solidFill>
+                  <a:srgbClr val="C00000"/>
+                </a:solidFill>
+                <a:latin typeface="+mn-ea"/>
+              </a:rPr>
+              <a:t>System.in</a:t>
+            </a:r>
+            <a:r>
+              <a:rPr lang="en-US" altLang="ko-KR" sz="1600" dirty="0" smtClean="0">
+                <a:latin typeface="+mn-ea"/>
+              </a:rPr>
+              <a:t> </a:t>
+            </a:r>
+            <a:r>
+              <a:rPr lang="ko-KR" altLang="en-US" sz="1600" dirty="0" smtClean="0">
+                <a:latin typeface="+mn-ea"/>
+              </a:rPr>
+              <a:t>이나 네트워크 </a:t>
+            </a:r>
+            <a:r>
+              <a:rPr lang="en-US" altLang="ko-KR" sz="1600" b="1" dirty="0" smtClean="0">
+                <a:solidFill>
+                  <a:srgbClr val="C00000"/>
+                </a:solidFill>
+                <a:latin typeface="+mn-ea"/>
+              </a:rPr>
+              <a:t>socket</a:t>
+            </a:r>
+            <a:r>
+              <a:rPr lang="en-US" altLang="ko-KR" sz="1600" dirty="0" smtClean="0">
+                <a:latin typeface="+mn-ea"/>
+              </a:rPr>
+              <a:t> </a:t>
+            </a:r>
+            <a:r>
+              <a:rPr lang="ko-KR" altLang="en-US" sz="1600" dirty="0" smtClean="0">
+                <a:latin typeface="+mn-ea"/>
+              </a:rPr>
+              <a:t>통신을 </a:t>
+            </a:r>
+            <a:r>
+              <a:rPr lang="ko-KR" altLang="en-US" sz="1600" dirty="0" err="1" smtClean="0">
+                <a:latin typeface="+mn-ea"/>
+              </a:rPr>
+              <a:t>할때</a:t>
+            </a:r>
+            <a:r>
+              <a:rPr lang="ko-KR" altLang="en-US" sz="1600" dirty="0" smtClean="0">
+                <a:latin typeface="+mn-ea"/>
+              </a:rPr>
+              <a:t> 쓰인다</a:t>
+            </a:r>
+            <a:r>
+              <a:rPr lang="en-US" altLang="ko-KR" sz="1600" dirty="0" smtClean="0">
+                <a:latin typeface="+mn-ea"/>
+              </a:rPr>
+              <a:t>.</a:t>
+            </a:r>
+          </a:p>
+          <a:p>
+            <a:pPr lvl="1">
+              <a:lnSpc>
+                <a:spcPct val="150000"/>
+              </a:lnSpc>
+              <a:buFont typeface="Wingdings" panose="05000000000000000000" pitchFamily="2" charset="2"/>
+              <a:buChar char="§"/>
+            </a:pPr>
+            <a:r>
+              <a:rPr lang="ko-KR" altLang="en-US" sz="1600" dirty="0" smtClean="0">
+                <a:latin typeface="+mn-ea"/>
+              </a:rPr>
+              <a:t>입출력 기능이 없으므로 다른 입출력 </a:t>
+            </a:r>
+            <a:r>
+              <a:rPr lang="ko-KR" altLang="en-US" sz="1600" dirty="0" err="1" smtClean="0">
+                <a:latin typeface="+mn-ea"/>
+              </a:rPr>
+              <a:t>스트림을</a:t>
+            </a:r>
+            <a:r>
+              <a:rPr lang="ko-KR" altLang="en-US" sz="1600" dirty="0" smtClean="0">
+                <a:latin typeface="+mn-ea"/>
+              </a:rPr>
+              <a:t> 포함한다</a:t>
+            </a:r>
+            <a:r>
+              <a:rPr lang="en-US" altLang="ko-KR" sz="1600" dirty="0">
+                <a:latin typeface="+mn-ea"/>
+              </a:rPr>
+              <a:t>.</a:t>
+            </a:r>
+            <a:endParaRPr lang="en-US" altLang="ko-KR" sz="1600" dirty="0" smtClean="0"/>
+          </a:p>
+        </p:txBody>
+      </p:sp>
+      <p:graphicFrame>
+        <p:nvGraphicFramePr>
+          <p:cNvPr id="8" name="표 7">
+            <a:extLst>
+              <a:ext uri="{FF2B5EF4-FFF2-40B4-BE49-F238E27FC236}">
+                <a16:creationId xmlns:a16="http://schemas.microsoft.com/office/drawing/2014/main" id="{A3B353D8-504D-48FB-8D5B-CCF4D1513811}"/>
+              </a:ext>
+            </a:extLst>
+          </p:cNvPr>
+          <p:cNvGraphicFramePr>
+            <a:graphicFrameLocks noGrp="1"/>
+          </p:cNvGraphicFramePr>
+          <p:nvPr>
+            <p:extLst>
+              <p:ext uri="{D42A27DB-BD31-4B8C-83A1-F6EECF244321}">
+                <p14:modId xmlns:p14="http://schemas.microsoft.com/office/powerpoint/2010/main" val="3823617097"/>
+              </p:ext>
+            </p:extLst>
+          </p:nvPr>
+        </p:nvGraphicFramePr>
+        <p:xfrm>
+          <a:off x="1064568" y="3097136"/>
+          <a:ext cx="7704856" cy="1483992"/>
+        </p:xfrm>
+        <a:graphic>
+          <a:graphicData uri="http://schemas.openxmlformats.org/drawingml/2006/table">
+            <a:tbl>
+              <a:tblPr firstRow="1">
+                <a:tableStyleId>{5940675A-B579-460E-94D1-54222C63F5DA}</a:tableStyleId>
+              </a:tblPr>
+              <a:tblGrid>
+                <a:gridCol w="2736304">
+                  <a:extLst>
+                    <a:ext uri="{9D8B030D-6E8A-4147-A177-3AD203B41FA5}">
+                      <a16:colId xmlns:a16="http://schemas.microsoft.com/office/drawing/2014/main" val="1302133471"/>
+                    </a:ext>
+                  </a:extLst>
+                </a:gridCol>
+                <a:gridCol w="4968552">
+                  <a:extLst>
+                    <a:ext uri="{9D8B030D-6E8A-4147-A177-3AD203B41FA5}">
+                      <a16:colId xmlns:a16="http://schemas.microsoft.com/office/drawing/2014/main" val="20001"/>
+                    </a:ext>
+                  </a:extLst>
+                </a:gridCol>
+              </a:tblGrid>
+              <a:tr h="360040">
+                <a:tc>
+                  <a:txBody>
+                    <a:bodyPr/>
+                    <a:lstStyle/>
+                    <a:p>
+                      <a:pPr algn="ctr" latinLnBrk="1"/>
+                      <a:r>
+                        <a:rPr lang="ko-KR" altLang="en-US" sz="1600" b="0" dirty="0" err="1" smtClean="0">
+                          <a:solidFill>
+                            <a:schemeClr val="tx1"/>
+                          </a:solidFill>
+                        </a:rPr>
+                        <a:t>생성자</a:t>
+                      </a:r>
+                      <a:endParaRPr lang="ko-KR" altLang="en-US" sz="1600" b="0" dirty="0">
+                        <a:solidFill>
+                          <a:schemeClr val="tx1"/>
+                        </a:solidFill>
+                      </a:endParaRPr>
+                    </a:p>
+                  </a:txBody>
+                  <a:tcPr marL="74295" marR="74295" marT="37148" marB="37148" anchor="ctr">
+                    <a:lnL w="12700" cmpd="sng">
+                      <a:noFill/>
+                    </a:lnL>
+                    <a:solidFill>
+                      <a:schemeClr val="accent3">
+                        <a:lumMod val="20000"/>
+                        <a:lumOff val="80000"/>
+                      </a:schemeClr>
+                    </a:solidFill>
+                  </a:tcPr>
+                </a:tc>
+                <a:tc>
+                  <a:txBody>
+                    <a:bodyPr/>
+                    <a:lstStyle/>
+                    <a:p>
+                      <a:pPr algn="ctr" latinLnBrk="1"/>
+                      <a:r>
+                        <a:rPr lang="ko-KR" altLang="en-US" sz="1600" b="0" dirty="0" smtClean="0">
+                          <a:solidFill>
+                            <a:schemeClr val="tx1"/>
+                          </a:solidFill>
+                        </a:rPr>
+                        <a:t>설명</a:t>
+                      </a:r>
+                      <a:endParaRPr lang="ko-KR" altLang="en-US" sz="1600" b="0" dirty="0">
+                        <a:solidFill>
+                          <a:schemeClr val="tx1"/>
+                        </a:solidFill>
+                      </a:endParaRPr>
+                    </a:p>
+                  </a:txBody>
+                  <a:tcPr marL="74295" marR="74295" marT="37148" marB="37148" anchor="ctr">
+                    <a:lnR w="12700" cmpd="sng">
+                      <a:noFill/>
+                    </a:lnR>
+                    <a:solidFill>
+                      <a:schemeClr val="accent3">
+                        <a:lumMod val="20000"/>
+                        <a:lumOff val="80000"/>
+                      </a:schemeClr>
+                    </a:solidFill>
+                  </a:tcPr>
+                </a:tc>
+                <a:extLst>
+                  <a:ext uri="{0D108BD9-81ED-4DB2-BD59-A6C34878D82A}">
+                    <a16:rowId xmlns:a16="http://schemas.microsoft.com/office/drawing/2014/main" val="4215197872"/>
+                  </a:ext>
+                </a:extLst>
+              </a:tr>
+              <a:tr h="360040">
+                <a:tc>
+                  <a:txBody>
+                    <a:bodyPr/>
+                    <a:lstStyle/>
+                    <a:p>
+                      <a:pPr latinLnBrk="1"/>
+                      <a:r>
+                        <a:rPr lang="en-US" altLang="ko-KR" sz="1600" b="0" baseline="0" dirty="0" smtClean="0">
+                          <a:solidFill>
+                            <a:schemeClr val="tx1"/>
+                          </a:solidFill>
+                        </a:rPr>
+                        <a:t>  </a:t>
+                      </a:r>
+                      <a:r>
+                        <a:rPr lang="en-US" altLang="ko-KR" sz="1600" b="0" baseline="0" dirty="0" err="1" smtClean="0">
+                          <a:solidFill>
+                            <a:schemeClr val="tx1"/>
+                          </a:solidFill>
+                        </a:rPr>
+                        <a:t>InputStreamReader</a:t>
+                      </a:r>
+                      <a:endParaRPr lang="en-US" altLang="ko-KR" sz="1600" b="0" baseline="0" dirty="0" smtClean="0">
+                        <a:solidFill>
+                          <a:schemeClr val="tx1"/>
+                        </a:solidFill>
+                      </a:endParaRPr>
+                    </a:p>
+                    <a:p>
+                      <a:pPr latinLnBrk="1"/>
+                      <a:r>
+                        <a:rPr lang="en-US" altLang="ko-KR" sz="1600" b="0" baseline="0" dirty="0" smtClean="0">
+                          <a:solidFill>
+                            <a:schemeClr val="tx1"/>
+                          </a:solidFill>
+                        </a:rPr>
+                        <a:t>  (</a:t>
+                      </a:r>
+                      <a:r>
+                        <a:rPr lang="en-US" altLang="ko-KR" sz="1600" b="0" baseline="0" dirty="0" err="1" smtClean="0">
+                          <a:solidFill>
+                            <a:schemeClr val="tx1"/>
+                          </a:solidFill>
+                        </a:rPr>
+                        <a:t>FileInputStream</a:t>
+                      </a:r>
+                      <a:r>
+                        <a:rPr lang="en-US" altLang="ko-KR" sz="1600" b="0" baseline="0" dirty="0" smtClean="0">
+                          <a:solidFill>
+                            <a:schemeClr val="tx1"/>
+                          </a:solidFill>
+                        </a:rPr>
+                        <a:t> in)</a:t>
+                      </a:r>
+                      <a:endParaRPr lang="ko-KR" altLang="en-US" sz="1600" b="0" dirty="0">
+                        <a:solidFill>
+                          <a:schemeClr val="tx1"/>
+                        </a:solidFill>
+                      </a:endParaRPr>
+                    </a:p>
+                  </a:txBody>
+                  <a:tcPr marL="74295" marR="74295" marT="37148" marB="37148" anchor="ctr">
+                    <a:lnL w="12700" cmpd="sng">
+                      <a:noFill/>
+                    </a:lnL>
+                  </a:tcPr>
+                </a:tc>
+                <a:tc>
+                  <a:txBody>
+                    <a:bodyPr/>
+                    <a:lstStyle/>
+                    <a:p>
+                      <a:pPr marL="0" marR="0" lvl="0" indent="0" algn="l" defTabSz="914400" rtl="0" eaLnBrk="1" fontAlgn="auto" latinLnBrk="1" hangingPunct="1">
+                        <a:lnSpc>
+                          <a:spcPct val="100000"/>
+                        </a:lnSpc>
+                        <a:spcBef>
+                          <a:spcPts val="0"/>
+                        </a:spcBef>
+                        <a:spcAft>
+                          <a:spcPts val="0"/>
+                        </a:spcAft>
+                        <a:buClrTx/>
+                        <a:buSzTx/>
+                        <a:buFontTx/>
+                        <a:buNone/>
+                        <a:tabLst/>
+                        <a:defRPr/>
+                      </a:pPr>
+                      <a:r>
+                        <a:rPr lang="ko-KR" altLang="en-US" sz="1600" b="0" dirty="0" smtClean="0">
+                          <a:solidFill>
+                            <a:schemeClr val="tx1"/>
+                          </a:solidFill>
+                        </a:rPr>
+                        <a:t>생성자의 매개변수로 </a:t>
+                      </a:r>
+                      <a:r>
+                        <a:rPr lang="en-US" altLang="ko-KR" sz="1600" b="0" dirty="0" err="1" smtClean="0">
+                          <a:solidFill>
+                            <a:schemeClr val="tx1"/>
+                          </a:solidFill>
+                        </a:rPr>
+                        <a:t>FileInputStream</a:t>
+                      </a:r>
+                      <a:r>
+                        <a:rPr lang="ko-KR" altLang="en-US" sz="1600" b="0" dirty="0" smtClean="0">
+                          <a:solidFill>
+                            <a:schemeClr val="tx1"/>
+                          </a:solidFill>
+                        </a:rPr>
+                        <a:t>을 받는다</a:t>
+                      </a:r>
+                      <a:r>
+                        <a:rPr lang="en-US" altLang="ko-KR" sz="1600" b="0" dirty="0" smtClean="0">
+                          <a:solidFill>
+                            <a:schemeClr val="tx1"/>
+                          </a:solidFill>
+                        </a:rPr>
+                        <a:t>.</a:t>
+                      </a:r>
+                      <a:endParaRPr lang="ko-KR" altLang="en-US" sz="1600" b="0" dirty="0">
+                        <a:solidFill>
+                          <a:schemeClr val="tx1"/>
+                        </a:solidFill>
+                      </a:endParaRPr>
+                    </a:p>
+                  </a:txBody>
+                  <a:tcPr marL="74295" marR="74295" marT="37148" marB="37148" anchor="ctr">
+                    <a:lnR w="12700" cmpd="sng">
+                      <a:noFill/>
+                    </a:lnR>
+                  </a:tcPr>
+                </a:tc>
+                <a:extLst>
+                  <a:ext uri="{0D108BD9-81ED-4DB2-BD59-A6C34878D82A}">
+                    <a16:rowId xmlns:a16="http://schemas.microsoft.com/office/drawing/2014/main" val="1701167864"/>
+                  </a:ext>
+                </a:extLst>
+              </a:tr>
+              <a:tr h="360040">
+                <a:tc>
+                  <a:txBody>
+                    <a:bodyPr/>
+                    <a:lstStyle/>
+                    <a:p>
+                      <a:pPr latinLnBrk="1"/>
+                      <a:r>
+                        <a:rPr lang="en-US" altLang="ko-KR" sz="1600" b="0" baseline="0" dirty="0" smtClean="0">
+                          <a:solidFill>
+                            <a:schemeClr val="tx1"/>
+                          </a:solidFill>
+                        </a:rPr>
+                        <a:t>  </a:t>
+                      </a:r>
+                      <a:r>
+                        <a:rPr lang="en-US" altLang="ko-KR" sz="1600" b="0" baseline="0" dirty="0" err="1" smtClean="0">
+                          <a:solidFill>
+                            <a:schemeClr val="tx1"/>
+                          </a:solidFill>
+                        </a:rPr>
+                        <a:t>OutputStreamReader</a:t>
+                      </a:r>
+                      <a:endParaRPr lang="en-US" altLang="ko-KR" sz="1600" b="0" baseline="0" dirty="0" smtClean="0">
+                        <a:solidFill>
+                          <a:schemeClr val="tx1"/>
+                        </a:solidFill>
+                      </a:endParaRPr>
+                    </a:p>
+                    <a:p>
+                      <a:pPr latinLnBrk="1"/>
+                      <a:r>
+                        <a:rPr lang="en-US" altLang="ko-KR" sz="1600" b="0" baseline="0" dirty="0" smtClean="0">
+                          <a:solidFill>
+                            <a:schemeClr val="tx1"/>
+                          </a:solidFill>
+                        </a:rPr>
+                        <a:t>  (</a:t>
+                      </a:r>
+                      <a:r>
+                        <a:rPr lang="en-US" altLang="ko-KR" sz="1600" b="0" baseline="0" dirty="0" err="1" smtClean="0">
+                          <a:solidFill>
+                            <a:schemeClr val="tx1"/>
+                          </a:solidFill>
+                        </a:rPr>
+                        <a:t>FileOutputStream</a:t>
+                      </a:r>
+                      <a:r>
+                        <a:rPr lang="en-US" altLang="ko-KR" sz="1600" b="0" baseline="0" dirty="0" smtClean="0">
+                          <a:solidFill>
+                            <a:schemeClr val="tx1"/>
+                          </a:solidFill>
+                        </a:rPr>
+                        <a:t> out)</a:t>
+                      </a:r>
+                      <a:endParaRPr lang="en-US" altLang="ko-KR" sz="1600" b="0" dirty="0" smtClean="0">
+                        <a:solidFill>
+                          <a:schemeClr val="tx1"/>
+                        </a:solidFill>
+                      </a:endParaRPr>
+                    </a:p>
+                  </a:txBody>
+                  <a:tcPr marL="74295" marR="74295" marT="37148" marB="37148" anchor="ctr">
+                    <a:lnL w="12700" cmpd="sng">
+                      <a:noFill/>
+                    </a:lnL>
+                  </a:tcPr>
+                </a:tc>
+                <a:tc>
+                  <a:txBody>
+                    <a:bodyPr/>
+                    <a:lstStyle/>
+                    <a:p>
+                      <a:pPr marL="0" marR="0" lvl="0" indent="0" algn="l" defTabSz="914400" rtl="0" eaLnBrk="1" fontAlgn="auto" latinLnBrk="1" hangingPunct="1">
+                        <a:lnSpc>
+                          <a:spcPct val="100000"/>
+                        </a:lnSpc>
+                        <a:spcBef>
+                          <a:spcPts val="0"/>
+                        </a:spcBef>
+                        <a:spcAft>
+                          <a:spcPts val="0"/>
+                        </a:spcAft>
+                        <a:buClrTx/>
+                        <a:buSzTx/>
+                        <a:buFontTx/>
+                        <a:buNone/>
+                        <a:tabLst/>
+                        <a:defRPr/>
+                      </a:pPr>
+                      <a:r>
+                        <a:rPr lang="ko-KR" altLang="en-US" sz="1600" b="0" dirty="0" smtClean="0">
+                          <a:solidFill>
+                            <a:schemeClr val="tx1"/>
+                          </a:solidFill>
+                        </a:rPr>
+                        <a:t>생성자의 매개변수로 </a:t>
+                      </a:r>
+                      <a:r>
+                        <a:rPr lang="en-US" altLang="ko-KR" sz="1600" b="0" dirty="0" err="1" smtClean="0">
+                          <a:solidFill>
+                            <a:schemeClr val="tx1"/>
+                          </a:solidFill>
+                        </a:rPr>
+                        <a:t>FileOutputStream</a:t>
+                      </a:r>
+                      <a:r>
+                        <a:rPr lang="ko-KR" altLang="en-US" sz="1600" b="0" dirty="0" smtClean="0">
+                          <a:solidFill>
+                            <a:schemeClr val="tx1"/>
+                          </a:solidFill>
+                        </a:rPr>
+                        <a:t>을 받는다</a:t>
+                      </a:r>
+                      <a:r>
+                        <a:rPr lang="en-US" altLang="ko-KR" sz="1600" b="0" dirty="0" smtClean="0">
+                          <a:solidFill>
+                            <a:schemeClr val="tx1"/>
+                          </a:solidFill>
+                        </a:rPr>
+                        <a:t>.</a:t>
+                      </a:r>
+                      <a:endParaRPr lang="ko-KR" altLang="en-US" sz="1600" b="0" dirty="0" smtClean="0">
+                        <a:solidFill>
+                          <a:schemeClr val="tx1"/>
+                        </a:solidFill>
+                      </a:endParaRPr>
+                    </a:p>
+                  </a:txBody>
+                  <a:tcPr marL="74295" marR="74295" marT="37148" marB="37148" anchor="ctr">
+                    <a:lnR w="12700" cmpd="sng">
+                      <a:noFill/>
+                    </a:lnR>
+                  </a:tcPr>
+                </a:tc>
+                <a:extLst>
+                  <a:ext uri="{0D108BD9-81ED-4DB2-BD59-A6C34878D82A}">
+                    <a16:rowId xmlns:a16="http://schemas.microsoft.com/office/drawing/2014/main" val="1161435050"/>
+                  </a:ext>
+                </a:extLst>
+              </a:tr>
+            </a:tbl>
+          </a:graphicData>
+        </a:graphic>
+      </p:graphicFrame>
+    </p:spTree>
+    <p:extLst>
+      <p:ext uri="{BB962C8B-B14F-4D97-AF65-F5344CB8AC3E}">
+        <p14:creationId xmlns:p14="http://schemas.microsoft.com/office/powerpoint/2010/main" val="1597655587"/>
+      </p:ext>
+    </p:extLst>
+  </p:cSld>
+  <p:clrMapOvr>
+    <a:masterClrMapping/>
+  </p:clrMapOvr>
+  <p:timing>
+    <p:tnLst>
+      <p:par>
+        <p:cTn id="1" dur="indefinite" restart="never" nodeType="tmRoot"/>
+      </p:par>
+    </p:tnLst>
+  </p:timing>
+</p:sld>
+</file>
+
+<file path=ppt/slides/slide32.xml><?xml version="1.0" encoding="utf-8"?>
 <p:sld xmlns:a="http://schemas.openxmlformats.org/drawingml/2006/main" xmlns:r="http://schemas.openxmlformats.org/officeDocument/2006/relationships" xmlns:p="http://schemas.openxmlformats.org/presentationml/2006/main">
   <p:cSld>
     <p:spTree>
@@ -20328,7 +20674,7 @@
 </p:sld>
 </file>
 
-<file path=ppt/slides/slide31.xml><?xml version="1.0" encoding="utf-8"?>
+<file path=ppt/slides/slide33.xml><?xml version="1.0" encoding="utf-8"?>
 <p:sld xmlns:a="http://schemas.openxmlformats.org/drawingml/2006/main" xmlns:r="http://schemas.openxmlformats.org/officeDocument/2006/relationships" xmlns:p="http://schemas.openxmlformats.org/presentationml/2006/main">
   <p:cSld>
     <p:spTree>
@@ -21048,7 +21394,7 @@
 </p:sld>
 </file>
 
-<file path=ppt/slides/slide32.xml><?xml version="1.0" encoding="utf-8"?>
+<file path=ppt/slides/slide34.xml><?xml version="1.0" encoding="utf-8"?>
 <p:sld xmlns:a="http://schemas.openxmlformats.org/drawingml/2006/main" xmlns:r="http://schemas.openxmlformats.org/officeDocument/2006/relationships" xmlns:p="http://schemas.openxmlformats.org/presentationml/2006/main">
   <p:cSld>
     <p:spTree>
@@ -22175,7 +22521,7 @@
 </p:sld>
 </file>
 
-<file path=ppt/slides/slide33.xml><?xml version="1.0" encoding="utf-8"?>
+<file path=ppt/slides/slide35.xml><?xml version="1.0" encoding="utf-8"?>
 <p:sld xmlns:a="http://schemas.openxmlformats.org/drawingml/2006/main" xmlns:r="http://schemas.openxmlformats.org/officeDocument/2006/relationships" xmlns:p="http://schemas.openxmlformats.org/presentationml/2006/main">
   <p:cSld>
     <p:spTree>
@@ -22539,7 +22885,7 @@
 </p:sld>
 </file>
 
-<file path=ppt/slides/slide34.xml><?xml version="1.0" encoding="utf-8"?>
+<file path=ppt/slides/slide36.xml><?xml version="1.0" encoding="utf-8"?>
 <p:sld xmlns:a="http://schemas.openxmlformats.org/drawingml/2006/main" xmlns:r="http://schemas.openxmlformats.org/officeDocument/2006/relationships" xmlns:p="http://schemas.openxmlformats.org/presentationml/2006/main">
   <p:cSld>
     <p:spTree>
@@ -23134,7 +23480,7 @@
 </p:sld>
 </file>
 
-<file path=ppt/slides/slide35.xml><?xml version="1.0" encoding="utf-8"?>
+<file path=ppt/slides/slide37.xml><?xml version="1.0" encoding="utf-8"?>
 <p:sld xmlns:a="http://schemas.openxmlformats.org/drawingml/2006/main" xmlns:r="http://schemas.openxmlformats.org/officeDocument/2006/relationships" xmlns:p="http://schemas.openxmlformats.org/presentationml/2006/main">
   <p:cSld>
     <p:spTree>
@@ -23272,7 +23618,7 @@
 </p:sld>
 </file>
 
-<file path=ppt/slides/slide36.xml><?xml version="1.0" encoding="utf-8"?>
+<file path=ppt/slides/slide38.xml><?xml version="1.0" encoding="utf-8"?>
 <p:sld xmlns:a="http://schemas.openxmlformats.org/drawingml/2006/main" xmlns:r="http://schemas.openxmlformats.org/officeDocument/2006/relationships" xmlns:p="http://schemas.openxmlformats.org/presentationml/2006/main">
   <p:cSld>
     <p:spTree>
@@ -23684,908 +24030,6 @@
 </p:sld>
 </file>
 
-<file path=ppt/slides/slide37.xml><?xml version="1.0" encoding="utf-8"?>
-<p:sld xmlns:a="http://schemas.openxmlformats.org/drawingml/2006/main" xmlns:r="http://schemas.openxmlformats.org/officeDocument/2006/relationships" xmlns:p="http://schemas.openxmlformats.org/presentationml/2006/main">
-  <p:cSld>
-    <p:spTree>
-      <p:nvGrpSpPr>
-        <p:cNvPr id="1" name=""/>
-        <p:cNvGrpSpPr/>
-        <p:nvPr/>
-      </p:nvGrpSpPr>
-      <p:grpSpPr>
-        <a:xfrm>
-          <a:off x="0" y="0"/>
-          <a:ext cx="0" cy="0"/>
-          <a:chOff x="0" y="0"/>
-          <a:chExt cx="0" cy="0"/>
-        </a:xfrm>
-      </p:grpSpPr>
-      <p:sp>
-        <p:nvSpPr>
-          <p:cNvPr id="22" name="제목 5"/>
-          <p:cNvSpPr txBox="1">
-            <a:spLocks/>
-          </p:cNvSpPr>
-          <p:nvPr/>
-        </p:nvSpPr>
-        <p:spPr>
-          <a:xfrm>
-            <a:off x="0" y="-27384"/>
-            <a:ext cx="7257255" cy="854968"/>
-          </a:xfrm>
-          <a:prstGeom prst="rect">
-            <a:avLst/>
-          </a:prstGeom>
-        </p:spPr>
-        <p:txBody>
-          <a:bodyPr anchor="ctr" anchorCtr="0"/>
-          <a:lstStyle>
-            <a:lvl1pPr algn="l" defTabSz="914400" rtl="0" eaLnBrk="1" latinLnBrk="1" hangingPunct="1">
-              <a:spcBef>
-                <a:spcPct val="0"/>
-              </a:spcBef>
-              <a:buNone/>
-              <a:defRPr sz="3200" kern="1200">
-                <a:solidFill>
-                  <a:schemeClr val="bg1"/>
-                </a:solidFill>
-                <a:latin typeface="HY헤드라인M" panose="02030600000101010101" pitchFamily="18" charset="-127"/>
-                <a:ea typeface="HY헤드라인M" panose="02030600000101010101" pitchFamily="18" charset="-127"/>
-                <a:cs typeface="+mj-cs"/>
-              </a:defRPr>
-            </a:lvl1pPr>
-          </a:lstStyle>
-          <a:p>
-            <a:r>
-              <a:rPr lang="en-US" altLang="ko-KR" dirty="0" smtClean="0"/>
-              <a:t> </a:t>
-            </a:r>
-            <a:r>
-              <a:rPr lang="ko-KR" altLang="en-US" dirty="0" smtClean="0"/>
-              <a:t>보조 </a:t>
-            </a:r>
-            <a:r>
-              <a:rPr lang="ko-KR" altLang="en-US" dirty="0" err="1" smtClean="0"/>
-              <a:t>스트림</a:t>
-            </a:r>
-            <a:r>
-              <a:rPr lang="ko-KR" altLang="en-US" dirty="0" smtClean="0"/>
-              <a:t> </a:t>
-            </a:r>
-            <a:r>
-              <a:rPr lang="en-US" altLang="ko-KR" dirty="0" smtClean="0"/>
-              <a:t>– </a:t>
-            </a:r>
-            <a:r>
-              <a:rPr lang="en-US" altLang="ko-KR" dirty="0" err="1" smtClean="0"/>
-              <a:t>BufferedReader</a:t>
-            </a:r>
-            <a:endParaRPr lang="ko-KR" altLang="en-US" dirty="0"/>
-          </a:p>
-        </p:txBody>
-      </p:sp>
-      <p:sp>
-        <p:nvSpPr>
-          <p:cNvPr id="23" name="내용 개체 틀 2">
-            <a:extLst>
-              <a:ext uri="{FF2B5EF4-FFF2-40B4-BE49-F238E27FC236}">
-                <a16:creationId xmlns:a16="http://schemas.microsoft.com/office/drawing/2014/main" id="{98AF3A4E-7D90-4241-89FE-799D6F9D5A94}"/>
-              </a:ext>
-            </a:extLst>
-          </p:cNvPr>
-          <p:cNvSpPr txBox="1">
-            <a:spLocks/>
-          </p:cNvSpPr>
-          <p:nvPr/>
-        </p:nvSpPr>
-        <p:spPr>
-          <a:xfrm>
-            <a:off x="416496" y="1988840"/>
-            <a:ext cx="3175577" cy="847369"/>
-          </a:xfrm>
-          <a:prstGeom prst="rect">
-            <a:avLst/>
-          </a:prstGeom>
-        </p:spPr>
-        <p:txBody>
-          <a:bodyPr/>
-          <a:lstStyle>
-            <a:lvl1pPr marL="228600" indent="-228600" algn="l" defTabSz="914400" rtl="0" eaLnBrk="1" latinLnBrk="1" hangingPunct="1">
-              <a:lnSpc>
-                <a:spcPct val="90000"/>
-              </a:lnSpc>
-              <a:spcBef>
-                <a:spcPts val="1000"/>
-              </a:spcBef>
-              <a:buFont typeface="Arial" panose="020B0604020202020204" pitchFamily="34" charset="0"/>
-              <a:buChar char="•"/>
-              <a:defRPr sz="2800" kern="1200">
-                <a:solidFill>
-                  <a:schemeClr val="tx1"/>
-                </a:solidFill>
-                <a:latin typeface="+mn-lt"/>
-                <a:ea typeface="+mn-ea"/>
-                <a:cs typeface="+mn-cs"/>
-              </a:defRPr>
-            </a:lvl1pPr>
-            <a:lvl2pPr marL="685800" indent="-228600" algn="l" defTabSz="914400" rtl="0" eaLnBrk="1" latinLnBrk="1" hangingPunct="1">
-              <a:lnSpc>
-                <a:spcPct val="90000"/>
-              </a:lnSpc>
-              <a:spcBef>
-                <a:spcPts val="500"/>
-              </a:spcBef>
-              <a:buFont typeface="Arial" panose="020B0604020202020204" pitchFamily="34" charset="0"/>
-              <a:buChar char="•"/>
-              <a:defRPr sz="2400" kern="1200">
-                <a:solidFill>
-                  <a:schemeClr val="tx1"/>
-                </a:solidFill>
-                <a:latin typeface="+mn-lt"/>
-                <a:ea typeface="+mn-ea"/>
-                <a:cs typeface="+mn-cs"/>
-              </a:defRPr>
-            </a:lvl2pPr>
-            <a:lvl3pPr marL="1143000" indent="-228600" algn="l" defTabSz="914400" rtl="0" eaLnBrk="1" latinLnBrk="1" hangingPunct="1">
-              <a:lnSpc>
-                <a:spcPct val="90000"/>
-              </a:lnSpc>
-              <a:spcBef>
-                <a:spcPts val="500"/>
-              </a:spcBef>
-              <a:buFont typeface="Arial" panose="020B0604020202020204" pitchFamily="34" charset="0"/>
-              <a:buChar char="•"/>
-              <a:defRPr sz="2000" kern="1200">
-                <a:solidFill>
-                  <a:schemeClr val="tx1"/>
-                </a:solidFill>
-                <a:latin typeface="+mn-lt"/>
-                <a:ea typeface="+mn-ea"/>
-                <a:cs typeface="+mn-cs"/>
-              </a:defRPr>
-            </a:lvl3pPr>
-            <a:lvl4pPr marL="1600200" indent="-228600" algn="l" defTabSz="914400" rtl="0" eaLnBrk="1" latinLnBrk="1" hangingPunct="1">
-              <a:lnSpc>
-                <a:spcPct val="90000"/>
-              </a:lnSpc>
-              <a:spcBef>
-                <a:spcPts val="500"/>
-              </a:spcBef>
-              <a:buFont typeface="Arial" panose="020B0604020202020204" pitchFamily="34" charset="0"/>
-              <a:buChar char="•"/>
-              <a:defRPr sz="1800" kern="1200">
-                <a:solidFill>
-                  <a:schemeClr val="tx1"/>
-                </a:solidFill>
-                <a:latin typeface="+mn-lt"/>
-                <a:ea typeface="+mn-ea"/>
-                <a:cs typeface="+mn-cs"/>
-              </a:defRPr>
-            </a:lvl4pPr>
-            <a:lvl5pPr marL="2057400" indent="-228600" algn="l" defTabSz="914400" rtl="0" eaLnBrk="1" latinLnBrk="1" hangingPunct="1">
-              <a:lnSpc>
-                <a:spcPct val="90000"/>
-              </a:lnSpc>
-              <a:spcBef>
-                <a:spcPts val="500"/>
-              </a:spcBef>
-              <a:buFont typeface="Arial" panose="020B0604020202020204" pitchFamily="34" charset="0"/>
-              <a:buChar char="•"/>
-              <a:defRPr sz="1800" kern="1200">
-                <a:solidFill>
-                  <a:schemeClr val="tx1"/>
-                </a:solidFill>
-                <a:latin typeface="+mn-lt"/>
-                <a:ea typeface="+mn-ea"/>
-                <a:cs typeface="+mn-cs"/>
-              </a:defRPr>
-            </a:lvl5pPr>
-            <a:lvl6pPr marL="2514600" indent="-228600" algn="l" defTabSz="914400" rtl="0" eaLnBrk="1" latinLnBrk="1" hangingPunct="1">
-              <a:lnSpc>
-                <a:spcPct val="90000"/>
-              </a:lnSpc>
-              <a:spcBef>
-                <a:spcPts val="500"/>
-              </a:spcBef>
-              <a:buFont typeface="Arial" panose="020B0604020202020204" pitchFamily="34" charset="0"/>
-              <a:buChar char="•"/>
-              <a:defRPr sz="1800" kern="1200">
-                <a:solidFill>
-                  <a:schemeClr val="tx1"/>
-                </a:solidFill>
-                <a:latin typeface="+mn-lt"/>
-                <a:ea typeface="+mn-ea"/>
-                <a:cs typeface="+mn-cs"/>
-              </a:defRPr>
-            </a:lvl6pPr>
-            <a:lvl7pPr marL="2971800" indent="-228600" algn="l" defTabSz="914400" rtl="0" eaLnBrk="1" latinLnBrk="1" hangingPunct="1">
-              <a:lnSpc>
-                <a:spcPct val="90000"/>
-              </a:lnSpc>
-              <a:spcBef>
-                <a:spcPts val="500"/>
-              </a:spcBef>
-              <a:buFont typeface="Arial" panose="020B0604020202020204" pitchFamily="34" charset="0"/>
-              <a:buChar char="•"/>
-              <a:defRPr sz="1800" kern="1200">
-                <a:solidFill>
-                  <a:schemeClr val="tx1"/>
-                </a:solidFill>
-                <a:latin typeface="+mn-lt"/>
-                <a:ea typeface="+mn-ea"/>
-                <a:cs typeface="+mn-cs"/>
-              </a:defRPr>
-            </a:lvl7pPr>
-            <a:lvl8pPr marL="3429000" indent="-228600" algn="l" defTabSz="914400" rtl="0" eaLnBrk="1" latinLnBrk="1" hangingPunct="1">
-              <a:lnSpc>
-                <a:spcPct val="90000"/>
-              </a:lnSpc>
-              <a:spcBef>
-                <a:spcPts val="500"/>
-              </a:spcBef>
-              <a:buFont typeface="Arial" panose="020B0604020202020204" pitchFamily="34" charset="0"/>
-              <a:buChar char="•"/>
-              <a:defRPr sz="1800" kern="1200">
-                <a:solidFill>
-                  <a:schemeClr val="tx1"/>
-                </a:solidFill>
-                <a:latin typeface="+mn-lt"/>
-                <a:ea typeface="+mn-ea"/>
-                <a:cs typeface="+mn-cs"/>
-              </a:defRPr>
-            </a:lvl8pPr>
-            <a:lvl9pPr marL="3886200" indent="-228600" algn="l" defTabSz="914400" rtl="0" eaLnBrk="1" latinLnBrk="1" hangingPunct="1">
-              <a:lnSpc>
-                <a:spcPct val="90000"/>
-              </a:lnSpc>
-              <a:spcBef>
-                <a:spcPts val="500"/>
-              </a:spcBef>
-              <a:buFont typeface="Arial" panose="020B0604020202020204" pitchFamily="34" charset="0"/>
-              <a:buChar char="•"/>
-              <a:defRPr sz="1800" kern="1200">
-                <a:solidFill>
-                  <a:schemeClr val="tx1"/>
-                </a:solidFill>
-                <a:latin typeface="+mn-lt"/>
-                <a:ea typeface="+mn-ea"/>
-                <a:cs typeface="+mn-cs"/>
-              </a:defRPr>
-            </a:lvl9pPr>
-          </a:lstStyle>
-          <a:p>
-            <a:pPr marL="0" indent="0">
-              <a:lnSpc>
-                <a:spcPct val="100000"/>
-              </a:lnSpc>
-              <a:buNone/>
-            </a:pPr>
-            <a:r>
-              <a:rPr lang="ko-KR" altLang="en-US" sz="1800" b="1" dirty="0">
-                <a:solidFill>
-                  <a:srgbClr val="C00000"/>
-                </a:solidFill>
-                <a:latin typeface="+mn-ea"/>
-              </a:rPr>
-              <a:t> </a:t>
-            </a:r>
-            <a:r>
-              <a:rPr lang="ko-KR" altLang="en-US" sz="1800" b="1" dirty="0" smtClean="0">
-                <a:solidFill>
-                  <a:srgbClr val="C00000"/>
-                </a:solidFill>
-                <a:latin typeface="+mn-ea"/>
-              </a:rPr>
-              <a:t> </a:t>
-            </a:r>
-            <a:r>
-              <a:rPr lang="en-US" altLang="ko-KR" sz="1800" b="1" dirty="0" err="1" smtClean="0">
-                <a:solidFill>
-                  <a:srgbClr val="C00000"/>
-                </a:solidFill>
-                <a:latin typeface="+mn-ea"/>
-              </a:rPr>
-              <a:t>BufferedReader</a:t>
-            </a:r>
-            <a:r>
-              <a:rPr lang="en-US" altLang="ko-KR" sz="1800" b="1" dirty="0" smtClean="0">
-                <a:solidFill>
-                  <a:srgbClr val="C00000"/>
-                </a:solidFill>
-                <a:latin typeface="+mn-ea"/>
-              </a:rPr>
-              <a:t> </a:t>
-            </a:r>
-            <a:r>
-              <a:rPr lang="ko-KR" altLang="en-US" sz="1800" b="1" dirty="0" smtClean="0">
-                <a:solidFill>
-                  <a:srgbClr val="C00000"/>
-                </a:solidFill>
-                <a:latin typeface="+mn-ea"/>
-              </a:rPr>
-              <a:t>로 </a:t>
-            </a:r>
-            <a:endParaRPr lang="en-US" altLang="ko-KR" sz="1800" b="1" dirty="0" smtClean="0">
-              <a:solidFill>
-                <a:srgbClr val="C00000"/>
-              </a:solidFill>
-              <a:latin typeface="+mn-ea"/>
-            </a:endParaRPr>
-          </a:p>
-          <a:p>
-            <a:pPr marL="0" indent="0">
-              <a:lnSpc>
-                <a:spcPct val="100000"/>
-              </a:lnSpc>
-              <a:buNone/>
-            </a:pPr>
-            <a:r>
-              <a:rPr lang="ko-KR" altLang="en-US" sz="1800" b="1" dirty="0" smtClean="0">
-                <a:solidFill>
-                  <a:srgbClr val="C00000"/>
-                </a:solidFill>
-                <a:latin typeface="+mn-ea"/>
-              </a:rPr>
-              <a:t>  배열을 이용하여 읽어오기</a:t>
-            </a:r>
-            <a:endParaRPr lang="en-US" altLang="ko-KR" sz="1800" b="1" dirty="0" smtClean="0">
-              <a:solidFill>
-                <a:srgbClr val="C00000"/>
-              </a:solidFill>
-            </a:endParaRPr>
-          </a:p>
-        </p:txBody>
-      </p:sp>
-      <p:pic>
-        <p:nvPicPr>
-          <p:cNvPr id="5" name="그림 4"/>
-          <p:cNvPicPr>
-            <a:picLocks noChangeAspect="1"/>
-          </p:cNvPicPr>
-          <p:nvPr/>
-        </p:nvPicPr>
-        <p:blipFill>
-          <a:blip r:embed="rId2">
-            <a:extLst>
-              <a:ext uri="{28A0092B-C50C-407E-A947-70E740481C1C}">
-                <a14:useLocalDpi xmlns:a14="http://schemas.microsoft.com/office/drawing/2010/main" val="0"/>
-              </a:ext>
-            </a:extLst>
-          </a:blip>
-          <a:stretch>
-            <a:fillRect/>
-          </a:stretch>
-        </p:blipFill>
-        <p:spPr>
-          <a:xfrm>
-            <a:off x="891667" y="4005064"/>
-            <a:ext cx="2225233" cy="632515"/>
-          </a:xfrm>
-          <a:prstGeom prst="rect">
-            <a:avLst/>
-          </a:prstGeom>
-          <a:ln>
-            <a:solidFill>
-              <a:schemeClr val="accent3">
-                <a:lumMod val="40000"/>
-                <a:lumOff val="60000"/>
-              </a:schemeClr>
-            </a:solidFill>
-          </a:ln>
-        </p:spPr>
-      </p:pic>
-      <p:pic>
-        <p:nvPicPr>
-          <p:cNvPr id="2" name="그림 1"/>
-          <p:cNvPicPr>
-            <a:picLocks noChangeAspect="1"/>
-          </p:cNvPicPr>
-          <p:nvPr/>
-        </p:nvPicPr>
-        <p:blipFill>
-          <a:blip r:embed="rId3">
-            <a:extLst>
-              <a:ext uri="{28A0092B-C50C-407E-A947-70E740481C1C}">
-                <a14:useLocalDpi xmlns:a14="http://schemas.microsoft.com/office/drawing/2010/main" val="0"/>
-              </a:ext>
-            </a:extLst>
-          </a:blip>
-          <a:stretch>
-            <a:fillRect/>
-          </a:stretch>
-        </p:blipFill>
-        <p:spPr>
-          <a:xfrm>
-            <a:off x="3440832" y="908720"/>
-            <a:ext cx="5706180" cy="5544616"/>
-          </a:xfrm>
-          <a:prstGeom prst="rect">
-            <a:avLst/>
-          </a:prstGeom>
-          <a:ln>
-            <a:solidFill>
-              <a:schemeClr val="bg1">
-                <a:lumMod val="85000"/>
-              </a:schemeClr>
-            </a:solidFill>
-          </a:ln>
-        </p:spPr>
-      </p:pic>
-    </p:spTree>
-    <p:extLst>
-      <p:ext uri="{BB962C8B-B14F-4D97-AF65-F5344CB8AC3E}">
-        <p14:creationId xmlns:p14="http://schemas.microsoft.com/office/powerpoint/2010/main" val="1383485163"/>
-      </p:ext>
-    </p:extLst>
-  </p:cSld>
-  <p:clrMapOvr>
-    <a:masterClrMapping/>
-  </p:clrMapOvr>
-  <p:timing>
-    <p:tnLst>
-      <p:par>
-        <p:cTn id="1" dur="indefinite" restart="never" nodeType="tmRoot"/>
-      </p:par>
-    </p:tnLst>
-  </p:timing>
-</p:sld>
-</file>
-
-<file path=ppt/slides/slide38.xml><?xml version="1.0" encoding="utf-8"?>
-<p:sld xmlns:a="http://schemas.openxmlformats.org/drawingml/2006/main" xmlns:r="http://schemas.openxmlformats.org/officeDocument/2006/relationships" xmlns:p="http://schemas.openxmlformats.org/presentationml/2006/main">
-  <p:cSld>
-    <p:spTree>
-      <p:nvGrpSpPr>
-        <p:cNvPr id="1" name=""/>
-        <p:cNvGrpSpPr/>
-        <p:nvPr/>
-      </p:nvGrpSpPr>
-      <p:grpSpPr>
-        <a:xfrm>
-          <a:off x="0" y="0"/>
-          <a:ext cx="0" cy="0"/>
-          <a:chOff x="0" y="0"/>
-          <a:chExt cx="0" cy="0"/>
-        </a:xfrm>
-      </p:grpSpPr>
-      <p:sp>
-        <p:nvSpPr>
-          <p:cNvPr id="22" name="제목 5"/>
-          <p:cNvSpPr txBox="1">
-            <a:spLocks/>
-          </p:cNvSpPr>
-          <p:nvPr/>
-        </p:nvSpPr>
-        <p:spPr>
-          <a:xfrm>
-            <a:off x="0" y="-27384"/>
-            <a:ext cx="7257255" cy="854968"/>
-          </a:xfrm>
-          <a:prstGeom prst="rect">
-            <a:avLst/>
-          </a:prstGeom>
-        </p:spPr>
-        <p:txBody>
-          <a:bodyPr anchor="ctr" anchorCtr="0"/>
-          <a:lstStyle>
-            <a:lvl1pPr algn="l" defTabSz="914400" rtl="0" eaLnBrk="1" latinLnBrk="1" hangingPunct="1">
-              <a:spcBef>
-                <a:spcPct val="0"/>
-              </a:spcBef>
-              <a:buNone/>
-              <a:defRPr sz="3200" kern="1200">
-                <a:solidFill>
-                  <a:schemeClr val="bg1"/>
-                </a:solidFill>
-                <a:latin typeface="HY헤드라인M" panose="02030600000101010101" pitchFamily="18" charset="-127"/>
-                <a:ea typeface="HY헤드라인M" panose="02030600000101010101" pitchFamily="18" charset="-127"/>
-                <a:cs typeface="+mj-cs"/>
-              </a:defRPr>
-            </a:lvl1pPr>
-          </a:lstStyle>
-          <a:p>
-            <a:r>
-              <a:rPr lang="en-US" altLang="ko-KR" dirty="0" smtClean="0"/>
-              <a:t> </a:t>
-            </a:r>
-            <a:r>
-              <a:rPr lang="ko-KR" altLang="en-US" dirty="0" smtClean="0"/>
-              <a:t>보조 </a:t>
-            </a:r>
-            <a:r>
-              <a:rPr lang="ko-KR" altLang="en-US" dirty="0" err="1" smtClean="0"/>
-              <a:t>스트림</a:t>
-            </a:r>
-            <a:r>
-              <a:rPr lang="ko-KR" altLang="en-US" dirty="0" smtClean="0"/>
-              <a:t> </a:t>
-            </a:r>
-            <a:r>
-              <a:rPr lang="en-US" altLang="ko-KR" dirty="0" smtClean="0"/>
-              <a:t>– </a:t>
-            </a:r>
-            <a:r>
-              <a:rPr lang="en-US" altLang="ko-KR" dirty="0" err="1" smtClean="0"/>
-              <a:t>BufferedReader</a:t>
-            </a:r>
-            <a:endParaRPr lang="ko-KR" altLang="en-US" dirty="0"/>
-          </a:p>
-        </p:txBody>
-      </p:sp>
-      <p:sp>
-        <p:nvSpPr>
-          <p:cNvPr id="23" name="내용 개체 틀 2">
-            <a:extLst>
-              <a:ext uri="{FF2B5EF4-FFF2-40B4-BE49-F238E27FC236}">
-                <a16:creationId xmlns:a16="http://schemas.microsoft.com/office/drawing/2014/main" id="{98AF3A4E-7D90-4241-89FE-799D6F9D5A94}"/>
-              </a:ext>
-            </a:extLst>
-          </p:cNvPr>
-          <p:cNvSpPr txBox="1">
-            <a:spLocks/>
-          </p:cNvSpPr>
-          <p:nvPr/>
-        </p:nvSpPr>
-        <p:spPr>
-          <a:xfrm>
-            <a:off x="553287" y="997455"/>
-            <a:ext cx="4111681" cy="559337"/>
-          </a:xfrm>
-          <a:prstGeom prst="rect">
-            <a:avLst/>
-          </a:prstGeom>
-        </p:spPr>
-        <p:txBody>
-          <a:bodyPr/>
-          <a:lstStyle>
-            <a:lvl1pPr marL="228600" indent="-228600" algn="l" defTabSz="914400" rtl="0" eaLnBrk="1" latinLnBrk="1" hangingPunct="1">
-              <a:lnSpc>
-                <a:spcPct val="90000"/>
-              </a:lnSpc>
-              <a:spcBef>
-                <a:spcPts val="1000"/>
-              </a:spcBef>
-              <a:buFont typeface="Arial" panose="020B0604020202020204" pitchFamily="34" charset="0"/>
-              <a:buChar char="•"/>
-              <a:defRPr sz="2800" kern="1200">
-                <a:solidFill>
-                  <a:schemeClr val="tx1"/>
-                </a:solidFill>
-                <a:latin typeface="+mn-lt"/>
-                <a:ea typeface="+mn-ea"/>
-                <a:cs typeface="+mn-cs"/>
-              </a:defRPr>
-            </a:lvl1pPr>
-            <a:lvl2pPr marL="685800" indent="-228600" algn="l" defTabSz="914400" rtl="0" eaLnBrk="1" latinLnBrk="1" hangingPunct="1">
-              <a:lnSpc>
-                <a:spcPct val="90000"/>
-              </a:lnSpc>
-              <a:spcBef>
-                <a:spcPts val="500"/>
-              </a:spcBef>
-              <a:buFont typeface="Arial" panose="020B0604020202020204" pitchFamily="34" charset="0"/>
-              <a:buChar char="•"/>
-              <a:defRPr sz="2400" kern="1200">
-                <a:solidFill>
-                  <a:schemeClr val="tx1"/>
-                </a:solidFill>
-                <a:latin typeface="+mn-lt"/>
-                <a:ea typeface="+mn-ea"/>
-                <a:cs typeface="+mn-cs"/>
-              </a:defRPr>
-            </a:lvl2pPr>
-            <a:lvl3pPr marL="1143000" indent="-228600" algn="l" defTabSz="914400" rtl="0" eaLnBrk="1" latinLnBrk="1" hangingPunct="1">
-              <a:lnSpc>
-                <a:spcPct val="90000"/>
-              </a:lnSpc>
-              <a:spcBef>
-                <a:spcPts val="500"/>
-              </a:spcBef>
-              <a:buFont typeface="Arial" panose="020B0604020202020204" pitchFamily="34" charset="0"/>
-              <a:buChar char="•"/>
-              <a:defRPr sz="2000" kern="1200">
-                <a:solidFill>
-                  <a:schemeClr val="tx1"/>
-                </a:solidFill>
-                <a:latin typeface="+mn-lt"/>
-                <a:ea typeface="+mn-ea"/>
-                <a:cs typeface="+mn-cs"/>
-              </a:defRPr>
-            </a:lvl3pPr>
-            <a:lvl4pPr marL="1600200" indent="-228600" algn="l" defTabSz="914400" rtl="0" eaLnBrk="1" latinLnBrk="1" hangingPunct="1">
-              <a:lnSpc>
-                <a:spcPct val="90000"/>
-              </a:lnSpc>
-              <a:spcBef>
-                <a:spcPts val="500"/>
-              </a:spcBef>
-              <a:buFont typeface="Arial" panose="020B0604020202020204" pitchFamily="34" charset="0"/>
-              <a:buChar char="•"/>
-              <a:defRPr sz="1800" kern="1200">
-                <a:solidFill>
-                  <a:schemeClr val="tx1"/>
-                </a:solidFill>
-                <a:latin typeface="+mn-lt"/>
-                <a:ea typeface="+mn-ea"/>
-                <a:cs typeface="+mn-cs"/>
-              </a:defRPr>
-            </a:lvl4pPr>
-            <a:lvl5pPr marL="2057400" indent="-228600" algn="l" defTabSz="914400" rtl="0" eaLnBrk="1" latinLnBrk="1" hangingPunct="1">
-              <a:lnSpc>
-                <a:spcPct val="90000"/>
-              </a:lnSpc>
-              <a:spcBef>
-                <a:spcPts val="500"/>
-              </a:spcBef>
-              <a:buFont typeface="Arial" panose="020B0604020202020204" pitchFamily="34" charset="0"/>
-              <a:buChar char="•"/>
-              <a:defRPr sz="1800" kern="1200">
-                <a:solidFill>
-                  <a:schemeClr val="tx1"/>
-                </a:solidFill>
-                <a:latin typeface="+mn-lt"/>
-                <a:ea typeface="+mn-ea"/>
-                <a:cs typeface="+mn-cs"/>
-              </a:defRPr>
-            </a:lvl5pPr>
-            <a:lvl6pPr marL="2514600" indent="-228600" algn="l" defTabSz="914400" rtl="0" eaLnBrk="1" latinLnBrk="1" hangingPunct="1">
-              <a:lnSpc>
-                <a:spcPct val="90000"/>
-              </a:lnSpc>
-              <a:spcBef>
-                <a:spcPts val="500"/>
-              </a:spcBef>
-              <a:buFont typeface="Arial" panose="020B0604020202020204" pitchFamily="34" charset="0"/>
-              <a:buChar char="•"/>
-              <a:defRPr sz="1800" kern="1200">
-                <a:solidFill>
-                  <a:schemeClr val="tx1"/>
-                </a:solidFill>
-                <a:latin typeface="+mn-lt"/>
-                <a:ea typeface="+mn-ea"/>
-                <a:cs typeface="+mn-cs"/>
-              </a:defRPr>
-            </a:lvl6pPr>
-            <a:lvl7pPr marL="2971800" indent="-228600" algn="l" defTabSz="914400" rtl="0" eaLnBrk="1" latinLnBrk="1" hangingPunct="1">
-              <a:lnSpc>
-                <a:spcPct val="90000"/>
-              </a:lnSpc>
-              <a:spcBef>
-                <a:spcPts val="500"/>
-              </a:spcBef>
-              <a:buFont typeface="Arial" panose="020B0604020202020204" pitchFamily="34" charset="0"/>
-              <a:buChar char="•"/>
-              <a:defRPr sz="1800" kern="1200">
-                <a:solidFill>
-                  <a:schemeClr val="tx1"/>
-                </a:solidFill>
-                <a:latin typeface="+mn-lt"/>
-                <a:ea typeface="+mn-ea"/>
-                <a:cs typeface="+mn-cs"/>
-              </a:defRPr>
-            </a:lvl7pPr>
-            <a:lvl8pPr marL="3429000" indent="-228600" algn="l" defTabSz="914400" rtl="0" eaLnBrk="1" latinLnBrk="1" hangingPunct="1">
-              <a:lnSpc>
-                <a:spcPct val="90000"/>
-              </a:lnSpc>
-              <a:spcBef>
-                <a:spcPts val="500"/>
-              </a:spcBef>
-              <a:buFont typeface="Arial" panose="020B0604020202020204" pitchFamily="34" charset="0"/>
-              <a:buChar char="•"/>
-              <a:defRPr sz="1800" kern="1200">
-                <a:solidFill>
-                  <a:schemeClr val="tx1"/>
-                </a:solidFill>
-                <a:latin typeface="+mn-lt"/>
-                <a:ea typeface="+mn-ea"/>
-                <a:cs typeface="+mn-cs"/>
-              </a:defRPr>
-            </a:lvl8pPr>
-            <a:lvl9pPr marL="3886200" indent="-228600" algn="l" defTabSz="914400" rtl="0" eaLnBrk="1" latinLnBrk="1" hangingPunct="1">
-              <a:lnSpc>
-                <a:spcPct val="90000"/>
-              </a:lnSpc>
-              <a:spcBef>
-                <a:spcPts val="500"/>
-              </a:spcBef>
-              <a:buFont typeface="Arial" panose="020B0604020202020204" pitchFamily="34" charset="0"/>
-              <a:buChar char="•"/>
-              <a:defRPr sz="1800" kern="1200">
-                <a:solidFill>
-                  <a:schemeClr val="tx1"/>
-                </a:solidFill>
-                <a:latin typeface="+mn-lt"/>
-                <a:ea typeface="+mn-ea"/>
-                <a:cs typeface="+mn-cs"/>
-              </a:defRPr>
-            </a:lvl9pPr>
-          </a:lstStyle>
-          <a:p>
-            <a:pPr marL="0" indent="0">
-              <a:lnSpc>
-                <a:spcPct val="150000"/>
-              </a:lnSpc>
-              <a:buNone/>
-            </a:pPr>
-            <a:r>
-              <a:rPr lang="ko-KR" altLang="en-US" sz="1800" b="1" dirty="0">
-                <a:solidFill>
-                  <a:srgbClr val="C00000"/>
-                </a:solidFill>
-                <a:latin typeface="+mn-ea"/>
-              </a:rPr>
-              <a:t> </a:t>
-            </a:r>
-            <a:r>
-              <a:rPr lang="ko-KR" altLang="en-US" sz="1800" b="1" dirty="0" smtClean="0">
-                <a:solidFill>
-                  <a:srgbClr val="C00000"/>
-                </a:solidFill>
-                <a:latin typeface="+mn-ea"/>
-              </a:rPr>
-              <a:t> 영어 </a:t>
-            </a:r>
-            <a:r>
-              <a:rPr lang="ko-KR" altLang="en-US" sz="1800" b="1" dirty="0">
-                <a:solidFill>
-                  <a:srgbClr val="C00000"/>
-                </a:solidFill>
-                <a:latin typeface="+mn-ea"/>
-              </a:rPr>
-              <a:t>타자 연습 게임</a:t>
-            </a:r>
-            <a:endParaRPr lang="en-US" altLang="ko-KR" sz="1800" b="1" dirty="0">
-              <a:solidFill>
-                <a:srgbClr val="C00000"/>
-              </a:solidFill>
-            </a:endParaRPr>
-          </a:p>
-          <a:p>
-            <a:pPr marL="457200" lvl="1" indent="0">
-              <a:lnSpc>
-                <a:spcPct val="150000"/>
-              </a:lnSpc>
-              <a:buNone/>
-            </a:pPr>
-            <a:endParaRPr lang="en-US" altLang="ko-KR" sz="1400" b="1" dirty="0" smtClean="0">
-              <a:solidFill>
-                <a:srgbClr val="C00000"/>
-              </a:solidFill>
-            </a:endParaRPr>
-          </a:p>
-        </p:txBody>
-      </p:sp>
-      <p:pic>
-        <p:nvPicPr>
-          <p:cNvPr id="6" name="그림 5"/>
-          <p:cNvPicPr>
-            <a:picLocks noChangeAspect="1"/>
-          </p:cNvPicPr>
-          <p:nvPr/>
-        </p:nvPicPr>
-        <p:blipFill>
-          <a:blip r:embed="rId2">
-            <a:extLst>
-              <a:ext uri="{28A0092B-C50C-407E-A947-70E740481C1C}">
-                <a14:useLocalDpi xmlns:a14="http://schemas.microsoft.com/office/drawing/2010/main" val="0"/>
-              </a:ext>
-            </a:extLst>
-          </a:blip>
-          <a:stretch>
-            <a:fillRect/>
-          </a:stretch>
-        </p:blipFill>
-        <p:spPr>
-          <a:xfrm>
-            <a:off x="6890560" y="3429000"/>
-            <a:ext cx="2421651" cy="2232248"/>
-          </a:xfrm>
-          <a:prstGeom prst="rect">
-            <a:avLst/>
-          </a:prstGeom>
-          <a:ln>
-            <a:solidFill>
-              <a:schemeClr val="bg1">
-                <a:lumMod val="85000"/>
-              </a:schemeClr>
-            </a:solidFill>
-          </a:ln>
-        </p:spPr>
-      </p:pic>
-      <p:pic>
-        <p:nvPicPr>
-          <p:cNvPr id="2" name="그림 1"/>
-          <p:cNvPicPr>
-            <a:picLocks noChangeAspect="1"/>
-          </p:cNvPicPr>
-          <p:nvPr/>
-        </p:nvPicPr>
-        <p:blipFill rotWithShape="1">
-          <a:blip r:embed="rId3">
-            <a:extLst>
-              <a:ext uri="{28A0092B-C50C-407E-A947-70E740481C1C}">
-                <a14:useLocalDpi xmlns:a14="http://schemas.microsoft.com/office/drawing/2010/main" val="0"/>
-              </a:ext>
-            </a:extLst>
-          </a:blip>
-          <a:srcRect t="24717"/>
-          <a:stretch/>
-        </p:blipFill>
-        <p:spPr>
-          <a:xfrm>
-            <a:off x="848544" y="1556792"/>
-            <a:ext cx="5745006" cy="4271882"/>
-          </a:xfrm>
-          <a:prstGeom prst="rect">
-            <a:avLst/>
-          </a:prstGeom>
-          <a:ln>
-            <a:solidFill>
-              <a:schemeClr val="bg1">
-                <a:lumMod val="85000"/>
-              </a:schemeClr>
-            </a:solidFill>
-          </a:ln>
-        </p:spPr>
-      </p:pic>
-      <p:pic>
-        <p:nvPicPr>
-          <p:cNvPr id="4" name="그림 3"/>
-          <p:cNvPicPr>
-            <a:picLocks noChangeAspect="1"/>
-          </p:cNvPicPr>
-          <p:nvPr/>
-        </p:nvPicPr>
-        <p:blipFill rotWithShape="1">
-          <a:blip r:embed="rId4">
-            <a:extLst>
-              <a:ext uri="{28A0092B-C50C-407E-A947-70E740481C1C}">
-                <a14:useLocalDpi xmlns:a14="http://schemas.microsoft.com/office/drawing/2010/main" val="0"/>
-              </a:ext>
-            </a:extLst>
-          </a:blip>
-          <a:srcRect r="16772"/>
-          <a:stretch/>
-        </p:blipFill>
-        <p:spPr>
-          <a:xfrm>
-            <a:off x="4160912" y="2708920"/>
-            <a:ext cx="5459297" cy="492116"/>
-          </a:xfrm>
-          <a:prstGeom prst="rect">
-            <a:avLst/>
-          </a:prstGeom>
-          <a:ln>
-            <a:solidFill>
-              <a:schemeClr val="bg1">
-                <a:lumMod val="85000"/>
-              </a:schemeClr>
-            </a:solidFill>
-          </a:ln>
-        </p:spPr>
-      </p:pic>
-    </p:spTree>
-    <p:extLst>
-      <p:ext uri="{BB962C8B-B14F-4D97-AF65-F5344CB8AC3E}">
-        <p14:creationId xmlns:p14="http://schemas.microsoft.com/office/powerpoint/2010/main" val="3058047726"/>
-      </p:ext>
-    </p:extLst>
-  </p:cSld>
-  <p:clrMapOvr>
-    <a:masterClrMapping/>
-  </p:clrMapOvr>
-  <p:timing>
-    <p:tnLst>
-      <p:par>
-        <p:cTn id="1" dur="indefinite" restart="never" nodeType="tmRoot"/>
-      </p:par>
-    </p:tnLst>
-  </p:timing>
-</p:sld>
-</file>
-
 <file path=ppt/slides/slide39.xml><?xml version="1.0" encoding="utf-8"?>
 <p:sld xmlns:a="http://schemas.openxmlformats.org/drawingml/2006/main" xmlns:r="http://schemas.openxmlformats.org/officeDocument/2006/relationships" xmlns:p="http://schemas.openxmlformats.org/presentationml/2006/main">
   <p:cSld>
@@ -24667,6 +24111,278 @@
           </a:p>
         </p:txBody>
       </p:sp>
+      <p:sp>
+        <p:nvSpPr>
+          <p:cNvPr id="23" name="내용 개체 틀 2">
+            <a:extLst>
+              <a:ext uri="{FF2B5EF4-FFF2-40B4-BE49-F238E27FC236}">
+                <a16:creationId xmlns:a16="http://schemas.microsoft.com/office/drawing/2014/main" id="{98AF3A4E-7D90-4241-89FE-799D6F9D5A94}"/>
+              </a:ext>
+            </a:extLst>
+          </p:cNvPr>
+          <p:cNvSpPr txBox="1">
+            <a:spLocks/>
+          </p:cNvSpPr>
+          <p:nvPr/>
+        </p:nvSpPr>
+        <p:spPr>
+          <a:xfrm>
+            <a:off x="416496" y="1988840"/>
+            <a:ext cx="3175577" cy="847369"/>
+          </a:xfrm>
+          <a:prstGeom prst="rect">
+            <a:avLst/>
+          </a:prstGeom>
+        </p:spPr>
+        <p:txBody>
+          <a:bodyPr/>
+          <a:lstStyle>
+            <a:lvl1pPr marL="228600" indent="-228600" algn="l" defTabSz="914400" rtl="0" eaLnBrk="1" latinLnBrk="1" hangingPunct="1">
+              <a:lnSpc>
+                <a:spcPct val="90000"/>
+              </a:lnSpc>
+              <a:spcBef>
+                <a:spcPts val="1000"/>
+              </a:spcBef>
+              <a:buFont typeface="Arial" panose="020B0604020202020204" pitchFamily="34" charset="0"/>
+              <a:buChar char="•"/>
+              <a:defRPr sz="2800" kern="1200">
+                <a:solidFill>
+                  <a:schemeClr val="tx1"/>
+                </a:solidFill>
+                <a:latin typeface="+mn-lt"/>
+                <a:ea typeface="+mn-ea"/>
+                <a:cs typeface="+mn-cs"/>
+              </a:defRPr>
+            </a:lvl1pPr>
+            <a:lvl2pPr marL="685800" indent="-228600" algn="l" defTabSz="914400" rtl="0" eaLnBrk="1" latinLnBrk="1" hangingPunct="1">
+              <a:lnSpc>
+                <a:spcPct val="90000"/>
+              </a:lnSpc>
+              <a:spcBef>
+                <a:spcPts val="500"/>
+              </a:spcBef>
+              <a:buFont typeface="Arial" panose="020B0604020202020204" pitchFamily="34" charset="0"/>
+              <a:buChar char="•"/>
+              <a:defRPr sz="2400" kern="1200">
+                <a:solidFill>
+                  <a:schemeClr val="tx1"/>
+                </a:solidFill>
+                <a:latin typeface="+mn-lt"/>
+                <a:ea typeface="+mn-ea"/>
+                <a:cs typeface="+mn-cs"/>
+              </a:defRPr>
+            </a:lvl2pPr>
+            <a:lvl3pPr marL="1143000" indent="-228600" algn="l" defTabSz="914400" rtl="0" eaLnBrk="1" latinLnBrk="1" hangingPunct="1">
+              <a:lnSpc>
+                <a:spcPct val="90000"/>
+              </a:lnSpc>
+              <a:spcBef>
+                <a:spcPts val="500"/>
+              </a:spcBef>
+              <a:buFont typeface="Arial" panose="020B0604020202020204" pitchFamily="34" charset="0"/>
+              <a:buChar char="•"/>
+              <a:defRPr sz="2000" kern="1200">
+                <a:solidFill>
+                  <a:schemeClr val="tx1"/>
+                </a:solidFill>
+                <a:latin typeface="+mn-lt"/>
+                <a:ea typeface="+mn-ea"/>
+                <a:cs typeface="+mn-cs"/>
+              </a:defRPr>
+            </a:lvl3pPr>
+            <a:lvl4pPr marL="1600200" indent="-228600" algn="l" defTabSz="914400" rtl="0" eaLnBrk="1" latinLnBrk="1" hangingPunct="1">
+              <a:lnSpc>
+                <a:spcPct val="90000"/>
+              </a:lnSpc>
+              <a:spcBef>
+                <a:spcPts val="500"/>
+              </a:spcBef>
+              <a:buFont typeface="Arial" panose="020B0604020202020204" pitchFamily="34" charset="0"/>
+              <a:buChar char="•"/>
+              <a:defRPr sz="1800" kern="1200">
+                <a:solidFill>
+                  <a:schemeClr val="tx1"/>
+                </a:solidFill>
+                <a:latin typeface="+mn-lt"/>
+                <a:ea typeface="+mn-ea"/>
+                <a:cs typeface="+mn-cs"/>
+              </a:defRPr>
+            </a:lvl4pPr>
+            <a:lvl5pPr marL="2057400" indent="-228600" algn="l" defTabSz="914400" rtl="0" eaLnBrk="1" latinLnBrk="1" hangingPunct="1">
+              <a:lnSpc>
+                <a:spcPct val="90000"/>
+              </a:lnSpc>
+              <a:spcBef>
+                <a:spcPts val="500"/>
+              </a:spcBef>
+              <a:buFont typeface="Arial" panose="020B0604020202020204" pitchFamily="34" charset="0"/>
+              <a:buChar char="•"/>
+              <a:defRPr sz="1800" kern="1200">
+                <a:solidFill>
+                  <a:schemeClr val="tx1"/>
+                </a:solidFill>
+                <a:latin typeface="+mn-lt"/>
+                <a:ea typeface="+mn-ea"/>
+                <a:cs typeface="+mn-cs"/>
+              </a:defRPr>
+            </a:lvl5pPr>
+            <a:lvl6pPr marL="2514600" indent="-228600" algn="l" defTabSz="914400" rtl="0" eaLnBrk="1" latinLnBrk="1" hangingPunct="1">
+              <a:lnSpc>
+                <a:spcPct val="90000"/>
+              </a:lnSpc>
+              <a:spcBef>
+                <a:spcPts val="500"/>
+              </a:spcBef>
+              <a:buFont typeface="Arial" panose="020B0604020202020204" pitchFamily="34" charset="0"/>
+              <a:buChar char="•"/>
+              <a:defRPr sz="1800" kern="1200">
+                <a:solidFill>
+                  <a:schemeClr val="tx1"/>
+                </a:solidFill>
+                <a:latin typeface="+mn-lt"/>
+                <a:ea typeface="+mn-ea"/>
+                <a:cs typeface="+mn-cs"/>
+              </a:defRPr>
+            </a:lvl6pPr>
+            <a:lvl7pPr marL="2971800" indent="-228600" algn="l" defTabSz="914400" rtl="0" eaLnBrk="1" latinLnBrk="1" hangingPunct="1">
+              <a:lnSpc>
+                <a:spcPct val="90000"/>
+              </a:lnSpc>
+              <a:spcBef>
+                <a:spcPts val="500"/>
+              </a:spcBef>
+              <a:buFont typeface="Arial" panose="020B0604020202020204" pitchFamily="34" charset="0"/>
+              <a:buChar char="•"/>
+              <a:defRPr sz="1800" kern="1200">
+                <a:solidFill>
+                  <a:schemeClr val="tx1"/>
+                </a:solidFill>
+                <a:latin typeface="+mn-lt"/>
+                <a:ea typeface="+mn-ea"/>
+                <a:cs typeface="+mn-cs"/>
+              </a:defRPr>
+            </a:lvl7pPr>
+            <a:lvl8pPr marL="3429000" indent="-228600" algn="l" defTabSz="914400" rtl="0" eaLnBrk="1" latinLnBrk="1" hangingPunct="1">
+              <a:lnSpc>
+                <a:spcPct val="90000"/>
+              </a:lnSpc>
+              <a:spcBef>
+                <a:spcPts val="500"/>
+              </a:spcBef>
+              <a:buFont typeface="Arial" panose="020B0604020202020204" pitchFamily="34" charset="0"/>
+              <a:buChar char="•"/>
+              <a:defRPr sz="1800" kern="1200">
+                <a:solidFill>
+                  <a:schemeClr val="tx1"/>
+                </a:solidFill>
+                <a:latin typeface="+mn-lt"/>
+                <a:ea typeface="+mn-ea"/>
+                <a:cs typeface="+mn-cs"/>
+              </a:defRPr>
+            </a:lvl8pPr>
+            <a:lvl9pPr marL="3886200" indent="-228600" algn="l" defTabSz="914400" rtl="0" eaLnBrk="1" latinLnBrk="1" hangingPunct="1">
+              <a:lnSpc>
+                <a:spcPct val="90000"/>
+              </a:lnSpc>
+              <a:spcBef>
+                <a:spcPts val="500"/>
+              </a:spcBef>
+              <a:buFont typeface="Arial" panose="020B0604020202020204" pitchFamily="34" charset="0"/>
+              <a:buChar char="•"/>
+              <a:defRPr sz="1800" kern="1200">
+                <a:solidFill>
+                  <a:schemeClr val="tx1"/>
+                </a:solidFill>
+                <a:latin typeface="+mn-lt"/>
+                <a:ea typeface="+mn-ea"/>
+                <a:cs typeface="+mn-cs"/>
+              </a:defRPr>
+            </a:lvl9pPr>
+          </a:lstStyle>
+          <a:p>
+            <a:pPr marL="0" indent="0">
+              <a:lnSpc>
+                <a:spcPct val="100000"/>
+              </a:lnSpc>
+              <a:buNone/>
+            </a:pPr>
+            <a:r>
+              <a:rPr lang="ko-KR" altLang="en-US" sz="1800" b="1" dirty="0">
+                <a:solidFill>
+                  <a:srgbClr val="C00000"/>
+                </a:solidFill>
+                <a:latin typeface="+mn-ea"/>
+              </a:rPr>
+              <a:t> </a:t>
+            </a:r>
+            <a:r>
+              <a:rPr lang="ko-KR" altLang="en-US" sz="1800" b="1" dirty="0" smtClean="0">
+                <a:solidFill>
+                  <a:srgbClr val="C00000"/>
+                </a:solidFill>
+                <a:latin typeface="+mn-ea"/>
+              </a:rPr>
+              <a:t> </a:t>
+            </a:r>
+            <a:r>
+              <a:rPr lang="en-US" altLang="ko-KR" sz="1800" b="1" dirty="0" err="1" smtClean="0">
+                <a:solidFill>
+                  <a:srgbClr val="C00000"/>
+                </a:solidFill>
+                <a:latin typeface="+mn-ea"/>
+              </a:rPr>
+              <a:t>BufferedReader</a:t>
+            </a:r>
+            <a:r>
+              <a:rPr lang="en-US" altLang="ko-KR" sz="1800" b="1" dirty="0" smtClean="0">
+                <a:solidFill>
+                  <a:srgbClr val="C00000"/>
+                </a:solidFill>
+                <a:latin typeface="+mn-ea"/>
+              </a:rPr>
+              <a:t> </a:t>
+            </a:r>
+            <a:r>
+              <a:rPr lang="ko-KR" altLang="en-US" sz="1800" b="1" dirty="0" smtClean="0">
+                <a:solidFill>
+                  <a:srgbClr val="C00000"/>
+                </a:solidFill>
+                <a:latin typeface="+mn-ea"/>
+              </a:rPr>
+              <a:t>로 </a:t>
+            </a:r>
+            <a:endParaRPr lang="en-US" altLang="ko-KR" sz="1800" b="1" dirty="0" smtClean="0">
+              <a:solidFill>
+                <a:srgbClr val="C00000"/>
+              </a:solidFill>
+              <a:latin typeface="+mn-ea"/>
+            </a:endParaRPr>
+          </a:p>
+          <a:p>
+            <a:pPr marL="0" indent="0">
+              <a:lnSpc>
+                <a:spcPct val="100000"/>
+              </a:lnSpc>
+              <a:buNone/>
+            </a:pPr>
+            <a:r>
+              <a:rPr lang="ko-KR" altLang="en-US" sz="1800" b="1" dirty="0" smtClean="0">
+                <a:solidFill>
+                  <a:srgbClr val="C00000"/>
+                </a:solidFill>
+                <a:latin typeface="+mn-ea"/>
+              </a:rPr>
+              <a:t>  배열을 이용하여 읽어오기</a:t>
+            </a:r>
+            <a:endParaRPr lang="en-US" altLang="ko-KR" sz="1800" b="1" dirty="0" smtClean="0">
+              <a:solidFill>
+                <a:srgbClr val="C00000"/>
+              </a:solidFill>
+            </a:endParaRPr>
+          </a:p>
+        </p:txBody>
+      </p:sp>
       <p:pic>
         <p:nvPicPr>
           <p:cNvPr id="3" name="그림 2"/>
@@ -24689,8 +24405,8 @@
         </p:blipFill>
         <p:spPr>
           <a:xfrm>
-            <a:off x="1495360" y="980727"/>
-            <a:ext cx="6409968" cy="5331063"/>
+            <a:off x="3512840" y="1052736"/>
+            <a:ext cx="6030792" cy="5040560"/>
           </a:xfrm>
           <a:prstGeom prst="rect">
             <a:avLst/>
@@ -24707,7 +24423,7 @@
     </p:spTree>
     <p:extLst>
       <p:ext uri="{BB962C8B-B14F-4D97-AF65-F5344CB8AC3E}">
-        <p14:creationId xmlns:p14="http://schemas.microsoft.com/office/powerpoint/2010/main" val="2185554131"/>
+        <p14:creationId xmlns:p14="http://schemas.microsoft.com/office/powerpoint/2010/main" val="1383485163"/>
       </p:ext>
     </p:extLst>
   </p:cSld>
@@ -25725,6 +25441,944 @@
 </file>
 
 <file path=ppt/slides/slide40.xml><?xml version="1.0" encoding="utf-8"?>
+<p:sld xmlns:a="http://schemas.openxmlformats.org/drawingml/2006/main" xmlns:r="http://schemas.openxmlformats.org/officeDocument/2006/relationships" xmlns:p="http://schemas.openxmlformats.org/presentationml/2006/main">
+  <p:cSld>
+    <p:spTree>
+      <p:nvGrpSpPr>
+        <p:cNvPr id="1" name=""/>
+        <p:cNvGrpSpPr/>
+        <p:nvPr/>
+      </p:nvGrpSpPr>
+      <p:grpSpPr>
+        <a:xfrm>
+          <a:off x="0" y="0"/>
+          <a:ext cx="0" cy="0"/>
+          <a:chOff x="0" y="0"/>
+          <a:chExt cx="0" cy="0"/>
+        </a:xfrm>
+      </p:grpSpPr>
+      <p:sp>
+        <p:nvSpPr>
+          <p:cNvPr id="22" name="제목 5"/>
+          <p:cNvSpPr txBox="1">
+            <a:spLocks/>
+          </p:cNvSpPr>
+          <p:nvPr/>
+        </p:nvSpPr>
+        <p:spPr>
+          <a:xfrm>
+            <a:off x="0" y="-27384"/>
+            <a:ext cx="7257255" cy="854968"/>
+          </a:xfrm>
+          <a:prstGeom prst="rect">
+            <a:avLst/>
+          </a:prstGeom>
+        </p:spPr>
+        <p:txBody>
+          <a:bodyPr anchor="ctr" anchorCtr="0"/>
+          <a:lstStyle>
+            <a:lvl1pPr algn="l" defTabSz="914400" rtl="0" eaLnBrk="1" latinLnBrk="1" hangingPunct="1">
+              <a:spcBef>
+                <a:spcPct val="0"/>
+              </a:spcBef>
+              <a:buNone/>
+              <a:defRPr sz="3200" kern="1200">
+                <a:solidFill>
+                  <a:schemeClr val="bg1"/>
+                </a:solidFill>
+                <a:latin typeface="HY헤드라인M" panose="02030600000101010101" pitchFamily="18" charset="-127"/>
+                <a:ea typeface="HY헤드라인M" panose="02030600000101010101" pitchFamily="18" charset="-127"/>
+                <a:cs typeface="+mj-cs"/>
+              </a:defRPr>
+            </a:lvl1pPr>
+          </a:lstStyle>
+          <a:p>
+            <a:r>
+              <a:rPr lang="en-US" altLang="ko-KR" dirty="0" smtClean="0"/>
+              <a:t> </a:t>
+            </a:r>
+            <a:r>
+              <a:rPr lang="ko-KR" altLang="en-US" dirty="0" smtClean="0"/>
+              <a:t>보조 </a:t>
+            </a:r>
+            <a:r>
+              <a:rPr lang="ko-KR" altLang="en-US" dirty="0" err="1" smtClean="0"/>
+              <a:t>스트림</a:t>
+            </a:r>
+            <a:r>
+              <a:rPr lang="ko-KR" altLang="en-US" dirty="0" smtClean="0"/>
+              <a:t> </a:t>
+            </a:r>
+            <a:r>
+              <a:rPr lang="en-US" altLang="ko-KR" dirty="0" smtClean="0"/>
+              <a:t>– </a:t>
+            </a:r>
+            <a:r>
+              <a:rPr lang="en-US" altLang="ko-KR" dirty="0" err="1" smtClean="0"/>
+              <a:t>BufferedReader</a:t>
+            </a:r>
+            <a:endParaRPr lang="ko-KR" altLang="en-US" dirty="0"/>
+          </a:p>
+        </p:txBody>
+      </p:sp>
+      <p:sp>
+        <p:nvSpPr>
+          <p:cNvPr id="23" name="내용 개체 틀 2">
+            <a:extLst>
+              <a:ext uri="{FF2B5EF4-FFF2-40B4-BE49-F238E27FC236}">
+                <a16:creationId xmlns:a16="http://schemas.microsoft.com/office/drawing/2014/main" id="{98AF3A4E-7D90-4241-89FE-799D6F9D5A94}"/>
+              </a:ext>
+            </a:extLst>
+          </p:cNvPr>
+          <p:cNvSpPr txBox="1">
+            <a:spLocks/>
+          </p:cNvSpPr>
+          <p:nvPr/>
+        </p:nvSpPr>
+        <p:spPr>
+          <a:xfrm>
+            <a:off x="553287" y="997455"/>
+            <a:ext cx="4111681" cy="559337"/>
+          </a:xfrm>
+          <a:prstGeom prst="rect">
+            <a:avLst/>
+          </a:prstGeom>
+        </p:spPr>
+        <p:txBody>
+          <a:bodyPr/>
+          <a:lstStyle>
+            <a:lvl1pPr marL="228600" indent="-228600" algn="l" defTabSz="914400" rtl="0" eaLnBrk="1" latinLnBrk="1" hangingPunct="1">
+              <a:lnSpc>
+                <a:spcPct val="90000"/>
+              </a:lnSpc>
+              <a:spcBef>
+                <a:spcPts val="1000"/>
+              </a:spcBef>
+              <a:buFont typeface="Arial" panose="020B0604020202020204" pitchFamily="34" charset="0"/>
+              <a:buChar char="•"/>
+              <a:defRPr sz="2800" kern="1200">
+                <a:solidFill>
+                  <a:schemeClr val="tx1"/>
+                </a:solidFill>
+                <a:latin typeface="+mn-lt"/>
+                <a:ea typeface="+mn-ea"/>
+                <a:cs typeface="+mn-cs"/>
+              </a:defRPr>
+            </a:lvl1pPr>
+            <a:lvl2pPr marL="685800" indent="-228600" algn="l" defTabSz="914400" rtl="0" eaLnBrk="1" latinLnBrk="1" hangingPunct="1">
+              <a:lnSpc>
+                <a:spcPct val="90000"/>
+              </a:lnSpc>
+              <a:spcBef>
+                <a:spcPts val="500"/>
+              </a:spcBef>
+              <a:buFont typeface="Arial" panose="020B0604020202020204" pitchFamily="34" charset="0"/>
+              <a:buChar char="•"/>
+              <a:defRPr sz="2400" kern="1200">
+                <a:solidFill>
+                  <a:schemeClr val="tx1"/>
+                </a:solidFill>
+                <a:latin typeface="+mn-lt"/>
+                <a:ea typeface="+mn-ea"/>
+                <a:cs typeface="+mn-cs"/>
+              </a:defRPr>
+            </a:lvl2pPr>
+            <a:lvl3pPr marL="1143000" indent="-228600" algn="l" defTabSz="914400" rtl="0" eaLnBrk="1" latinLnBrk="1" hangingPunct="1">
+              <a:lnSpc>
+                <a:spcPct val="90000"/>
+              </a:lnSpc>
+              <a:spcBef>
+                <a:spcPts val="500"/>
+              </a:spcBef>
+              <a:buFont typeface="Arial" panose="020B0604020202020204" pitchFamily="34" charset="0"/>
+              <a:buChar char="•"/>
+              <a:defRPr sz="2000" kern="1200">
+                <a:solidFill>
+                  <a:schemeClr val="tx1"/>
+                </a:solidFill>
+                <a:latin typeface="+mn-lt"/>
+                <a:ea typeface="+mn-ea"/>
+                <a:cs typeface="+mn-cs"/>
+              </a:defRPr>
+            </a:lvl3pPr>
+            <a:lvl4pPr marL="1600200" indent="-228600" algn="l" defTabSz="914400" rtl="0" eaLnBrk="1" latinLnBrk="1" hangingPunct="1">
+              <a:lnSpc>
+                <a:spcPct val="90000"/>
+              </a:lnSpc>
+              <a:spcBef>
+                <a:spcPts val="500"/>
+              </a:spcBef>
+              <a:buFont typeface="Arial" panose="020B0604020202020204" pitchFamily="34" charset="0"/>
+              <a:buChar char="•"/>
+              <a:defRPr sz="1800" kern="1200">
+                <a:solidFill>
+                  <a:schemeClr val="tx1"/>
+                </a:solidFill>
+                <a:latin typeface="+mn-lt"/>
+                <a:ea typeface="+mn-ea"/>
+                <a:cs typeface="+mn-cs"/>
+              </a:defRPr>
+            </a:lvl4pPr>
+            <a:lvl5pPr marL="2057400" indent="-228600" algn="l" defTabSz="914400" rtl="0" eaLnBrk="1" latinLnBrk="1" hangingPunct="1">
+              <a:lnSpc>
+                <a:spcPct val="90000"/>
+              </a:lnSpc>
+              <a:spcBef>
+                <a:spcPts val="500"/>
+              </a:spcBef>
+              <a:buFont typeface="Arial" panose="020B0604020202020204" pitchFamily="34" charset="0"/>
+              <a:buChar char="•"/>
+              <a:defRPr sz="1800" kern="1200">
+                <a:solidFill>
+                  <a:schemeClr val="tx1"/>
+                </a:solidFill>
+                <a:latin typeface="+mn-lt"/>
+                <a:ea typeface="+mn-ea"/>
+                <a:cs typeface="+mn-cs"/>
+              </a:defRPr>
+            </a:lvl5pPr>
+            <a:lvl6pPr marL="2514600" indent="-228600" algn="l" defTabSz="914400" rtl="0" eaLnBrk="1" latinLnBrk="1" hangingPunct="1">
+              <a:lnSpc>
+                <a:spcPct val="90000"/>
+              </a:lnSpc>
+              <a:spcBef>
+                <a:spcPts val="500"/>
+              </a:spcBef>
+              <a:buFont typeface="Arial" panose="020B0604020202020204" pitchFamily="34" charset="0"/>
+              <a:buChar char="•"/>
+              <a:defRPr sz="1800" kern="1200">
+                <a:solidFill>
+                  <a:schemeClr val="tx1"/>
+                </a:solidFill>
+                <a:latin typeface="+mn-lt"/>
+                <a:ea typeface="+mn-ea"/>
+                <a:cs typeface="+mn-cs"/>
+              </a:defRPr>
+            </a:lvl6pPr>
+            <a:lvl7pPr marL="2971800" indent="-228600" algn="l" defTabSz="914400" rtl="0" eaLnBrk="1" latinLnBrk="1" hangingPunct="1">
+              <a:lnSpc>
+                <a:spcPct val="90000"/>
+              </a:lnSpc>
+              <a:spcBef>
+                <a:spcPts val="500"/>
+              </a:spcBef>
+              <a:buFont typeface="Arial" panose="020B0604020202020204" pitchFamily="34" charset="0"/>
+              <a:buChar char="•"/>
+              <a:defRPr sz="1800" kern="1200">
+                <a:solidFill>
+                  <a:schemeClr val="tx1"/>
+                </a:solidFill>
+                <a:latin typeface="+mn-lt"/>
+                <a:ea typeface="+mn-ea"/>
+                <a:cs typeface="+mn-cs"/>
+              </a:defRPr>
+            </a:lvl7pPr>
+            <a:lvl8pPr marL="3429000" indent="-228600" algn="l" defTabSz="914400" rtl="0" eaLnBrk="1" latinLnBrk="1" hangingPunct="1">
+              <a:lnSpc>
+                <a:spcPct val="90000"/>
+              </a:lnSpc>
+              <a:spcBef>
+                <a:spcPts val="500"/>
+              </a:spcBef>
+              <a:buFont typeface="Arial" panose="020B0604020202020204" pitchFamily="34" charset="0"/>
+              <a:buChar char="•"/>
+              <a:defRPr sz="1800" kern="1200">
+                <a:solidFill>
+                  <a:schemeClr val="tx1"/>
+                </a:solidFill>
+                <a:latin typeface="+mn-lt"/>
+                <a:ea typeface="+mn-ea"/>
+                <a:cs typeface="+mn-cs"/>
+              </a:defRPr>
+            </a:lvl8pPr>
+            <a:lvl9pPr marL="3886200" indent="-228600" algn="l" defTabSz="914400" rtl="0" eaLnBrk="1" latinLnBrk="1" hangingPunct="1">
+              <a:lnSpc>
+                <a:spcPct val="90000"/>
+              </a:lnSpc>
+              <a:spcBef>
+                <a:spcPts val="500"/>
+              </a:spcBef>
+              <a:buFont typeface="Arial" panose="020B0604020202020204" pitchFamily="34" charset="0"/>
+              <a:buChar char="•"/>
+              <a:defRPr sz="1800" kern="1200">
+                <a:solidFill>
+                  <a:schemeClr val="tx1"/>
+                </a:solidFill>
+                <a:latin typeface="+mn-lt"/>
+                <a:ea typeface="+mn-ea"/>
+                <a:cs typeface="+mn-cs"/>
+              </a:defRPr>
+            </a:lvl9pPr>
+          </a:lstStyle>
+          <a:p>
+            <a:pPr marL="0" indent="0">
+              <a:lnSpc>
+                <a:spcPct val="150000"/>
+              </a:lnSpc>
+              <a:buNone/>
+            </a:pPr>
+            <a:r>
+              <a:rPr lang="ko-KR" altLang="en-US" sz="1800" b="1" dirty="0">
+                <a:solidFill>
+                  <a:srgbClr val="C00000"/>
+                </a:solidFill>
+                <a:latin typeface="+mn-ea"/>
+              </a:rPr>
+              <a:t> </a:t>
+            </a:r>
+            <a:r>
+              <a:rPr lang="ko-KR" altLang="en-US" sz="1800" b="1" dirty="0" smtClean="0">
+                <a:solidFill>
+                  <a:srgbClr val="C00000"/>
+                </a:solidFill>
+                <a:latin typeface="+mn-ea"/>
+              </a:rPr>
+              <a:t> 영어 </a:t>
+            </a:r>
+            <a:r>
+              <a:rPr lang="ko-KR" altLang="en-US" sz="1800" b="1" dirty="0">
+                <a:solidFill>
+                  <a:srgbClr val="C00000"/>
+                </a:solidFill>
+                <a:latin typeface="+mn-ea"/>
+              </a:rPr>
+              <a:t>타자 연습 게임</a:t>
+            </a:r>
+            <a:endParaRPr lang="en-US" altLang="ko-KR" sz="1800" b="1" dirty="0">
+              <a:solidFill>
+                <a:srgbClr val="C00000"/>
+              </a:solidFill>
+            </a:endParaRPr>
+          </a:p>
+          <a:p>
+            <a:pPr marL="457200" lvl="1" indent="0">
+              <a:lnSpc>
+                <a:spcPct val="150000"/>
+              </a:lnSpc>
+              <a:buNone/>
+            </a:pPr>
+            <a:endParaRPr lang="en-US" altLang="ko-KR" sz="1400" b="1" dirty="0" smtClean="0">
+              <a:solidFill>
+                <a:srgbClr val="C00000"/>
+              </a:solidFill>
+            </a:endParaRPr>
+          </a:p>
+        </p:txBody>
+      </p:sp>
+      <p:pic>
+        <p:nvPicPr>
+          <p:cNvPr id="6" name="그림 5"/>
+          <p:cNvPicPr>
+            <a:picLocks noChangeAspect="1"/>
+          </p:cNvPicPr>
+          <p:nvPr/>
+        </p:nvPicPr>
+        <p:blipFill>
+          <a:blip r:embed="rId2">
+            <a:extLst>
+              <a:ext uri="{28A0092B-C50C-407E-A947-70E740481C1C}">
+                <a14:useLocalDpi xmlns:a14="http://schemas.microsoft.com/office/drawing/2010/main" val="0"/>
+              </a:ext>
+            </a:extLst>
+          </a:blip>
+          <a:stretch>
+            <a:fillRect/>
+          </a:stretch>
+        </p:blipFill>
+        <p:spPr>
+          <a:xfrm>
+            <a:off x="1398301" y="1718550"/>
+            <a:ext cx="3105464" cy="2862578"/>
+          </a:xfrm>
+          <a:prstGeom prst="rect">
+            <a:avLst/>
+          </a:prstGeom>
+          <a:ln>
+            <a:solidFill>
+              <a:schemeClr val="bg1">
+                <a:lumMod val="85000"/>
+              </a:schemeClr>
+            </a:solidFill>
+          </a:ln>
+        </p:spPr>
+      </p:pic>
+      <p:pic>
+        <p:nvPicPr>
+          <p:cNvPr id="4" name="그림 3"/>
+          <p:cNvPicPr>
+            <a:picLocks noChangeAspect="1"/>
+          </p:cNvPicPr>
+          <p:nvPr/>
+        </p:nvPicPr>
+        <p:blipFill rotWithShape="1">
+          <a:blip r:embed="rId3">
+            <a:extLst>
+              <a:ext uri="{28A0092B-C50C-407E-A947-70E740481C1C}">
+                <a14:useLocalDpi xmlns:a14="http://schemas.microsoft.com/office/drawing/2010/main" val="0"/>
+              </a:ext>
+            </a:extLst>
+          </a:blip>
+          <a:srcRect r="16772"/>
+          <a:stretch/>
+        </p:blipFill>
+        <p:spPr>
+          <a:xfrm>
+            <a:off x="1398301" y="4941168"/>
+            <a:ext cx="5459297" cy="492116"/>
+          </a:xfrm>
+          <a:prstGeom prst="rect">
+            <a:avLst/>
+          </a:prstGeom>
+          <a:ln>
+            <a:solidFill>
+              <a:schemeClr val="bg1">
+                <a:lumMod val="85000"/>
+              </a:schemeClr>
+            </a:solidFill>
+          </a:ln>
+        </p:spPr>
+      </p:pic>
+    </p:spTree>
+    <p:extLst>
+      <p:ext uri="{BB962C8B-B14F-4D97-AF65-F5344CB8AC3E}">
+        <p14:creationId xmlns:p14="http://schemas.microsoft.com/office/powerpoint/2010/main" val="3058047726"/>
+      </p:ext>
+    </p:extLst>
+  </p:cSld>
+  <p:clrMapOvr>
+    <a:masterClrMapping/>
+  </p:clrMapOvr>
+  <p:timing>
+    <p:tnLst>
+      <p:par>
+        <p:cTn id="1" dur="indefinite" restart="never" nodeType="tmRoot"/>
+      </p:par>
+    </p:tnLst>
+  </p:timing>
+</p:sld>
+</file>
+
+<file path=ppt/slides/slide41.xml><?xml version="1.0" encoding="utf-8"?>
+<p:sld xmlns:a="http://schemas.openxmlformats.org/drawingml/2006/main" xmlns:r="http://schemas.openxmlformats.org/officeDocument/2006/relationships" xmlns:p="http://schemas.openxmlformats.org/presentationml/2006/main">
+  <p:cSld>
+    <p:spTree>
+      <p:nvGrpSpPr>
+        <p:cNvPr id="1" name=""/>
+        <p:cNvGrpSpPr/>
+        <p:nvPr/>
+      </p:nvGrpSpPr>
+      <p:grpSpPr>
+        <a:xfrm>
+          <a:off x="0" y="0"/>
+          <a:ext cx="0" cy="0"/>
+          <a:chOff x="0" y="0"/>
+          <a:chExt cx="0" cy="0"/>
+        </a:xfrm>
+      </p:grpSpPr>
+      <p:sp>
+        <p:nvSpPr>
+          <p:cNvPr id="22" name="제목 5"/>
+          <p:cNvSpPr txBox="1">
+            <a:spLocks/>
+          </p:cNvSpPr>
+          <p:nvPr/>
+        </p:nvSpPr>
+        <p:spPr>
+          <a:xfrm>
+            <a:off x="0" y="-27384"/>
+            <a:ext cx="7257255" cy="854968"/>
+          </a:xfrm>
+          <a:prstGeom prst="rect">
+            <a:avLst/>
+          </a:prstGeom>
+        </p:spPr>
+        <p:txBody>
+          <a:bodyPr anchor="ctr" anchorCtr="0"/>
+          <a:lstStyle>
+            <a:lvl1pPr algn="l" defTabSz="914400" rtl="0" eaLnBrk="1" latinLnBrk="1" hangingPunct="1">
+              <a:spcBef>
+                <a:spcPct val="0"/>
+              </a:spcBef>
+              <a:buNone/>
+              <a:defRPr sz="3200" kern="1200">
+                <a:solidFill>
+                  <a:schemeClr val="bg1"/>
+                </a:solidFill>
+                <a:latin typeface="HY헤드라인M" panose="02030600000101010101" pitchFamily="18" charset="-127"/>
+                <a:ea typeface="HY헤드라인M" panose="02030600000101010101" pitchFamily="18" charset="-127"/>
+                <a:cs typeface="+mj-cs"/>
+              </a:defRPr>
+            </a:lvl1pPr>
+          </a:lstStyle>
+          <a:p>
+            <a:r>
+              <a:rPr lang="en-US" altLang="ko-KR" dirty="0" smtClean="0"/>
+              <a:t> </a:t>
+            </a:r>
+            <a:r>
+              <a:rPr lang="ko-KR" altLang="en-US" dirty="0" smtClean="0"/>
+              <a:t>보조 </a:t>
+            </a:r>
+            <a:r>
+              <a:rPr lang="ko-KR" altLang="en-US" dirty="0" err="1" smtClean="0"/>
+              <a:t>스트림</a:t>
+            </a:r>
+            <a:r>
+              <a:rPr lang="ko-KR" altLang="en-US" dirty="0" smtClean="0"/>
+              <a:t> </a:t>
+            </a:r>
+            <a:r>
+              <a:rPr lang="en-US" altLang="ko-KR" dirty="0" smtClean="0"/>
+              <a:t>– </a:t>
+            </a:r>
+            <a:r>
+              <a:rPr lang="en-US" altLang="ko-KR" dirty="0" err="1" smtClean="0"/>
+              <a:t>BufferedReader</a:t>
+            </a:r>
+            <a:endParaRPr lang="ko-KR" altLang="en-US" dirty="0"/>
+          </a:p>
+        </p:txBody>
+      </p:sp>
+      <p:sp>
+        <p:nvSpPr>
+          <p:cNvPr id="23" name="내용 개체 틀 2">
+            <a:extLst>
+              <a:ext uri="{FF2B5EF4-FFF2-40B4-BE49-F238E27FC236}">
+                <a16:creationId xmlns:a16="http://schemas.microsoft.com/office/drawing/2014/main" id="{98AF3A4E-7D90-4241-89FE-799D6F9D5A94}"/>
+              </a:ext>
+            </a:extLst>
+          </p:cNvPr>
+          <p:cNvSpPr txBox="1">
+            <a:spLocks/>
+          </p:cNvSpPr>
+          <p:nvPr/>
+        </p:nvSpPr>
+        <p:spPr>
+          <a:xfrm>
+            <a:off x="553287" y="997455"/>
+            <a:ext cx="4111681" cy="559337"/>
+          </a:xfrm>
+          <a:prstGeom prst="rect">
+            <a:avLst/>
+          </a:prstGeom>
+        </p:spPr>
+        <p:txBody>
+          <a:bodyPr/>
+          <a:lstStyle>
+            <a:lvl1pPr marL="228600" indent="-228600" algn="l" defTabSz="914400" rtl="0" eaLnBrk="1" latinLnBrk="1" hangingPunct="1">
+              <a:lnSpc>
+                <a:spcPct val="90000"/>
+              </a:lnSpc>
+              <a:spcBef>
+                <a:spcPts val="1000"/>
+              </a:spcBef>
+              <a:buFont typeface="Arial" panose="020B0604020202020204" pitchFamily="34" charset="0"/>
+              <a:buChar char="•"/>
+              <a:defRPr sz="2800" kern="1200">
+                <a:solidFill>
+                  <a:schemeClr val="tx1"/>
+                </a:solidFill>
+                <a:latin typeface="+mn-lt"/>
+                <a:ea typeface="+mn-ea"/>
+                <a:cs typeface="+mn-cs"/>
+              </a:defRPr>
+            </a:lvl1pPr>
+            <a:lvl2pPr marL="685800" indent="-228600" algn="l" defTabSz="914400" rtl="0" eaLnBrk="1" latinLnBrk="1" hangingPunct="1">
+              <a:lnSpc>
+                <a:spcPct val="90000"/>
+              </a:lnSpc>
+              <a:spcBef>
+                <a:spcPts val="500"/>
+              </a:spcBef>
+              <a:buFont typeface="Arial" panose="020B0604020202020204" pitchFamily="34" charset="0"/>
+              <a:buChar char="•"/>
+              <a:defRPr sz="2400" kern="1200">
+                <a:solidFill>
+                  <a:schemeClr val="tx1"/>
+                </a:solidFill>
+                <a:latin typeface="+mn-lt"/>
+                <a:ea typeface="+mn-ea"/>
+                <a:cs typeface="+mn-cs"/>
+              </a:defRPr>
+            </a:lvl2pPr>
+            <a:lvl3pPr marL="1143000" indent="-228600" algn="l" defTabSz="914400" rtl="0" eaLnBrk="1" latinLnBrk="1" hangingPunct="1">
+              <a:lnSpc>
+                <a:spcPct val="90000"/>
+              </a:lnSpc>
+              <a:spcBef>
+                <a:spcPts val="500"/>
+              </a:spcBef>
+              <a:buFont typeface="Arial" panose="020B0604020202020204" pitchFamily="34" charset="0"/>
+              <a:buChar char="•"/>
+              <a:defRPr sz="2000" kern="1200">
+                <a:solidFill>
+                  <a:schemeClr val="tx1"/>
+                </a:solidFill>
+                <a:latin typeface="+mn-lt"/>
+                <a:ea typeface="+mn-ea"/>
+                <a:cs typeface="+mn-cs"/>
+              </a:defRPr>
+            </a:lvl3pPr>
+            <a:lvl4pPr marL="1600200" indent="-228600" algn="l" defTabSz="914400" rtl="0" eaLnBrk="1" latinLnBrk="1" hangingPunct="1">
+              <a:lnSpc>
+                <a:spcPct val="90000"/>
+              </a:lnSpc>
+              <a:spcBef>
+                <a:spcPts val="500"/>
+              </a:spcBef>
+              <a:buFont typeface="Arial" panose="020B0604020202020204" pitchFamily="34" charset="0"/>
+              <a:buChar char="•"/>
+              <a:defRPr sz="1800" kern="1200">
+                <a:solidFill>
+                  <a:schemeClr val="tx1"/>
+                </a:solidFill>
+                <a:latin typeface="+mn-lt"/>
+                <a:ea typeface="+mn-ea"/>
+                <a:cs typeface="+mn-cs"/>
+              </a:defRPr>
+            </a:lvl4pPr>
+            <a:lvl5pPr marL="2057400" indent="-228600" algn="l" defTabSz="914400" rtl="0" eaLnBrk="1" latinLnBrk="1" hangingPunct="1">
+              <a:lnSpc>
+                <a:spcPct val="90000"/>
+              </a:lnSpc>
+              <a:spcBef>
+                <a:spcPts val="500"/>
+              </a:spcBef>
+              <a:buFont typeface="Arial" panose="020B0604020202020204" pitchFamily="34" charset="0"/>
+              <a:buChar char="•"/>
+              <a:defRPr sz="1800" kern="1200">
+                <a:solidFill>
+                  <a:schemeClr val="tx1"/>
+                </a:solidFill>
+                <a:latin typeface="+mn-lt"/>
+                <a:ea typeface="+mn-ea"/>
+                <a:cs typeface="+mn-cs"/>
+              </a:defRPr>
+            </a:lvl5pPr>
+            <a:lvl6pPr marL="2514600" indent="-228600" algn="l" defTabSz="914400" rtl="0" eaLnBrk="1" latinLnBrk="1" hangingPunct="1">
+              <a:lnSpc>
+                <a:spcPct val="90000"/>
+              </a:lnSpc>
+              <a:spcBef>
+                <a:spcPts val="500"/>
+              </a:spcBef>
+              <a:buFont typeface="Arial" panose="020B0604020202020204" pitchFamily="34" charset="0"/>
+              <a:buChar char="•"/>
+              <a:defRPr sz="1800" kern="1200">
+                <a:solidFill>
+                  <a:schemeClr val="tx1"/>
+                </a:solidFill>
+                <a:latin typeface="+mn-lt"/>
+                <a:ea typeface="+mn-ea"/>
+                <a:cs typeface="+mn-cs"/>
+              </a:defRPr>
+            </a:lvl6pPr>
+            <a:lvl7pPr marL="2971800" indent="-228600" algn="l" defTabSz="914400" rtl="0" eaLnBrk="1" latinLnBrk="1" hangingPunct="1">
+              <a:lnSpc>
+                <a:spcPct val="90000"/>
+              </a:lnSpc>
+              <a:spcBef>
+                <a:spcPts val="500"/>
+              </a:spcBef>
+              <a:buFont typeface="Arial" panose="020B0604020202020204" pitchFamily="34" charset="0"/>
+              <a:buChar char="•"/>
+              <a:defRPr sz="1800" kern="1200">
+                <a:solidFill>
+                  <a:schemeClr val="tx1"/>
+                </a:solidFill>
+                <a:latin typeface="+mn-lt"/>
+                <a:ea typeface="+mn-ea"/>
+                <a:cs typeface="+mn-cs"/>
+              </a:defRPr>
+            </a:lvl7pPr>
+            <a:lvl8pPr marL="3429000" indent="-228600" algn="l" defTabSz="914400" rtl="0" eaLnBrk="1" latinLnBrk="1" hangingPunct="1">
+              <a:lnSpc>
+                <a:spcPct val="90000"/>
+              </a:lnSpc>
+              <a:spcBef>
+                <a:spcPts val="500"/>
+              </a:spcBef>
+              <a:buFont typeface="Arial" panose="020B0604020202020204" pitchFamily="34" charset="0"/>
+              <a:buChar char="•"/>
+              <a:defRPr sz="1800" kern="1200">
+                <a:solidFill>
+                  <a:schemeClr val="tx1"/>
+                </a:solidFill>
+                <a:latin typeface="+mn-lt"/>
+                <a:ea typeface="+mn-ea"/>
+                <a:cs typeface="+mn-cs"/>
+              </a:defRPr>
+            </a:lvl8pPr>
+            <a:lvl9pPr marL="3886200" indent="-228600" algn="l" defTabSz="914400" rtl="0" eaLnBrk="1" latinLnBrk="1" hangingPunct="1">
+              <a:lnSpc>
+                <a:spcPct val="90000"/>
+              </a:lnSpc>
+              <a:spcBef>
+                <a:spcPts val="500"/>
+              </a:spcBef>
+              <a:buFont typeface="Arial" panose="020B0604020202020204" pitchFamily="34" charset="0"/>
+              <a:buChar char="•"/>
+              <a:defRPr sz="1800" kern="1200">
+                <a:solidFill>
+                  <a:schemeClr val="tx1"/>
+                </a:solidFill>
+                <a:latin typeface="+mn-lt"/>
+                <a:ea typeface="+mn-ea"/>
+                <a:cs typeface="+mn-cs"/>
+              </a:defRPr>
+            </a:lvl9pPr>
+          </a:lstStyle>
+          <a:p>
+            <a:pPr marL="0" indent="0">
+              <a:lnSpc>
+                <a:spcPct val="150000"/>
+              </a:lnSpc>
+              <a:buNone/>
+            </a:pPr>
+            <a:r>
+              <a:rPr lang="ko-KR" altLang="en-US" sz="1800" b="1" dirty="0">
+                <a:solidFill>
+                  <a:srgbClr val="C00000"/>
+                </a:solidFill>
+                <a:latin typeface="+mn-ea"/>
+              </a:rPr>
+              <a:t> </a:t>
+            </a:r>
+            <a:r>
+              <a:rPr lang="ko-KR" altLang="en-US" sz="1800" b="1" dirty="0" smtClean="0">
+                <a:solidFill>
+                  <a:srgbClr val="C00000"/>
+                </a:solidFill>
+                <a:latin typeface="+mn-ea"/>
+              </a:rPr>
+              <a:t> 영어 </a:t>
+            </a:r>
+            <a:r>
+              <a:rPr lang="ko-KR" altLang="en-US" sz="1800" b="1" dirty="0">
+                <a:solidFill>
+                  <a:srgbClr val="C00000"/>
+                </a:solidFill>
+                <a:latin typeface="+mn-ea"/>
+              </a:rPr>
+              <a:t>타자 연습 게임</a:t>
+            </a:r>
+            <a:endParaRPr lang="en-US" altLang="ko-KR" sz="1800" b="1" dirty="0">
+              <a:solidFill>
+                <a:srgbClr val="C00000"/>
+              </a:solidFill>
+            </a:endParaRPr>
+          </a:p>
+          <a:p>
+            <a:pPr marL="457200" lvl="1" indent="0">
+              <a:lnSpc>
+                <a:spcPct val="150000"/>
+              </a:lnSpc>
+              <a:buNone/>
+            </a:pPr>
+            <a:endParaRPr lang="en-US" altLang="ko-KR" sz="1400" b="1" dirty="0" smtClean="0">
+              <a:solidFill>
+                <a:srgbClr val="C00000"/>
+              </a:solidFill>
+            </a:endParaRPr>
+          </a:p>
+        </p:txBody>
+      </p:sp>
+      <p:pic>
+        <p:nvPicPr>
+          <p:cNvPr id="3" name="그림 2"/>
+          <p:cNvPicPr>
+            <a:picLocks noChangeAspect="1"/>
+          </p:cNvPicPr>
+          <p:nvPr/>
+        </p:nvPicPr>
+        <p:blipFill>
+          <a:blip r:embed="rId2">
+            <a:extLst>
+              <a:ext uri="{28A0092B-C50C-407E-A947-70E740481C1C}">
+                <a14:useLocalDpi xmlns:a14="http://schemas.microsoft.com/office/drawing/2010/main" val="0"/>
+              </a:ext>
+            </a:extLst>
+          </a:blip>
+          <a:stretch>
+            <a:fillRect/>
+          </a:stretch>
+        </p:blipFill>
+        <p:spPr>
+          <a:xfrm>
+            <a:off x="1266153" y="1916832"/>
+            <a:ext cx="6797629" cy="3238781"/>
+          </a:xfrm>
+          <a:prstGeom prst="rect">
+            <a:avLst/>
+          </a:prstGeom>
+          <a:ln>
+            <a:solidFill>
+              <a:schemeClr val="bg1">
+                <a:lumMod val="85000"/>
+              </a:schemeClr>
+            </a:solidFill>
+          </a:ln>
+        </p:spPr>
+      </p:pic>
+    </p:spTree>
+    <p:extLst>
+      <p:ext uri="{BB962C8B-B14F-4D97-AF65-F5344CB8AC3E}">
+        <p14:creationId xmlns:p14="http://schemas.microsoft.com/office/powerpoint/2010/main" val="684328773"/>
+      </p:ext>
+    </p:extLst>
+  </p:cSld>
+  <p:clrMapOvr>
+    <a:masterClrMapping/>
+  </p:clrMapOvr>
+  <p:timing>
+    <p:tnLst>
+      <p:par>
+        <p:cTn id="1" dur="indefinite" restart="never" nodeType="tmRoot"/>
+      </p:par>
+    </p:tnLst>
+  </p:timing>
+</p:sld>
+</file>
+
+<file path=ppt/slides/slide42.xml><?xml version="1.0" encoding="utf-8"?>
+<p:sld xmlns:a="http://schemas.openxmlformats.org/drawingml/2006/main" xmlns:r="http://schemas.openxmlformats.org/officeDocument/2006/relationships" xmlns:p="http://schemas.openxmlformats.org/presentationml/2006/main">
+  <p:cSld>
+    <p:spTree>
+      <p:nvGrpSpPr>
+        <p:cNvPr id="1" name=""/>
+        <p:cNvGrpSpPr/>
+        <p:nvPr/>
+      </p:nvGrpSpPr>
+      <p:grpSpPr>
+        <a:xfrm>
+          <a:off x="0" y="0"/>
+          <a:ext cx="0" cy="0"/>
+          <a:chOff x="0" y="0"/>
+          <a:chExt cx="0" cy="0"/>
+        </a:xfrm>
+      </p:grpSpPr>
+      <p:sp>
+        <p:nvSpPr>
+          <p:cNvPr id="22" name="제목 5"/>
+          <p:cNvSpPr txBox="1">
+            <a:spLocks/>
+          </p:cNvSpPr>
+          <p:nvPr/>
+        </p:nvSpPr>
+        <p:spPr>
+          <a:xfrm>
+            <a:off x="0" y="-27384"/>
+            <a:ext cx="7257255" cy="854968"/>
+          </a:xfrm>
+          <a:prstGeom prst="rect">
+            <a:avLst/>
+          </a:prstGeom>
+        </p:spPr>
+        <p:txBody>
+          <a:bodyPr anchor="ctr" anchorCtr="0"/>
+          <a:lstStyle>
+            <a:lvl1pPr algn="l" defTabSz="914400" rtl="0" eaLnBrk="1" latinLnBrk="1" hangingPunct="1">
+              <a:spcBef>
+                <a:spcPct val="0"/>
+              </a:spcBef>
+              <a:buNone/>
+              <a:defRPr sz="3200" kern="1200">
+                <a:solidFill>
+                  <a:schemeClr val="bg1"/>
+                </a:solidFill>
+                <a:latin typeface="HY헤드라인M" panose="02030600000101010101" pitchFamily="18" charset="-127"/>
+                <a:ea typeface="HY헤드라인M" panose="02030600000101010101" pitchFamily="18" charset="-127"/>
+                <a:cs typeface="+mj-cs"/>
+              </a:defRPr>
+            </a:lvl1pPr>
+          </a:lstStyle>
+          <a:p>
+            <a:r>
+              <a:rPr lang="en-US" altLang="ko-KR" dirty="0" smtClean="0"/>
+              <a:t> </a:t>
+            </a:r>
+            <a:r>
+              <a:rPr lang="ko-KR" altLang="en-US" dirty="0" smtClean="0"/>
+              <a:t>보조 </a:t>
+            </a:r>
+            <a:r>
+              <a:rPr lang="ko-KR" altLang="en-US" dirty="0" err="1" smtClean="0"/>
+              <a:t>스트림</a:t>
+            </a:r>
+            <a:r>
+              <a:rPr lang="ko-KR" altLang="en-US" dirty="0" smtClean="0"/>
+              <a:t> </a:t>
+            </a:r>
+            <a:r>
+              <a:rPr lang="en-US" altLang="ko-KR" dirty="0" smtClean="0"/>
+              <a:t>– </a:t>
+            </a:r>
+            <a:r>
+              <a:rPr lang="en-US" altLang="ko-KR" dirty="0" err="1" smtClean="0"/>
+              <a:t>BufferedReader</a:t>
+            </a:r>
+            <a:endParaRPr lang="ko-KR" altLang="en-US" dirty="0"/>
+          </a:p>
+        </p:txBody>
+      </p:sp>
+      <p:pic>
+        <p:nvPicPr>
+          <p:cNvPr id="3" name="그림 2"/>
+          <p:cNvPicPr>
+            <a:picLocks noChangeAspect="1"/>
+          </p:cNvPicPr>
+          <p:nvPr/>
+        </p:nvPicPr>
+        <p:blipFill>
+          <a:blip r:embed="rId2">
+            <a:extLst>
+              <a:ext uri="{28A0092B-C50C-407E-A947-70E740481C1C}">
+                <a14:useLocalDpi xmlns:a14="http://schemas.microsoft.com/office/drawing/2010/main" val="0"/>
+              </a:ext>
+            </a:extLst>
+          </a:blip>
+          <a:stretch>
+            <a:fillRect/>
+          </a:stretch>
+        </p:blipFill>
+        <p:spPr>
+          <a:xfrm>
+            <a:off x="1495360" y="980727"/>
+            <a:ext cx="6409968" cy="5331063"/>
+          </a:xfrm>
+          <a:prstGeom prst="rect">
+            <a:avLst/>
+          </a:prstGeom>
+          <a:ln>
+            <a:solidFill>
+              <a:schemeClr val="bg1">
+                <a:lumMod val="85000"/>
+              </a:schemeClr>
+            </a:solidFill>
+          </a:ln>
+        </p:spPr>
+      </p:pic>
+    </p:spTree>
+    <p:extLst>
+      <p:ext uri="{BB962C8B-B14F-4D97-AF65-F5344CB8AC3E}">
+        <p14:creationId xmlns:p14="http://schemas.microsoft.com/office/powerpoint/2010/main" val="2185554131"/>
+      </p:ext>
+    </p:extLst>
+  </p:cSld>
+  <p:clrMapOvr>
+    <a:masterClrMapping/>
+  </p:clrMapOvr>
+  <p:timing>
+    <p:tnLst>
+      <p:par>
+        <p:cTn id="1" dur="indefinite" restart="never" nodeType="tmRoot"/>
+      </p:par>
+    </p:tnLst>
+  </p:timing>
+</p:sld>
+</file>
+
+<file path=ppt/slides/slide43.xml><?xml version="1.0" encoding="utf-8"?>
 <p:sld xmlns:a="http://schemas.openxmlformats.org/drawingml/2006/main" xmlns:r="http://schemas.openxmlformats.org/officeDocument/2006/relationships" xmlns:p="http://schemas.openxmlformats.org/presentationml/2006/main">
   <p:cSld>
     <p:spTree>
@@ -26178,7 +26832,7 @@
 </p:sld>
 </file>
 
-<file path=ppt/slides/slide41.xml><?xml version="1.0" encoding="utf-8"?>
+<file path=ppt/slides/slide44.xml><?xml version="1.0" encoding="utf-8"?>
 <p:sld xmlns:a="http://schemas.openxmlformats.org/drawingml/2006/main" xmlns:r="http://schemas.openxmlformats.org/officeDocument/2006/relationships" xmlns:p="http://schemas.openxmlformats.org/presentationml/2006/main">
   <p:cSld>
     <p:spTree>
@@ -28138,7 +28792,7 @@
 </p:sld>
 </file>
 
-<file path=ppt/slides/slide42.xml><?xml version="1.0" encoding="utf-8"?>
+<file path=ppt/slides/slide45.xml><?xml version="1.0" encoding="utf-8"?>
 <p:sld xmlns:a="http://schemas.openxmlformats.org/drawingml/2006/main" xmlns:r="http://schemas.openxmlformats.org/officeDocument/2006/relationships" xmlns:p="http://schemas.openxmlformats.org/presentationml/2006/main">
   <p:cSld>
     <p:spTree>
@@ -28293,7 +28947,7 @@
 </p:sld>
 </file>
 
-<file path=ppt/slides/slide43.xml><?xml version="1.0" encoding="utf-8"?>
+<file path=ppt/slides/slide46.xml><?xml version="1.0" encoding="utf-8"?>
 <p:sld xmlns:a="http://schemas.openxmlformats.org/drawingml/2006/main" xmlns:r="http://schemas.openxmlformats.org/officeDocument/2006/relationships" xmlns:p="http://schemas.openxmlformats.org/presentationml/2006/main">
   <p:cSld>
     <p:spTree>
@@ -28356,7 +29010,7 @@
       </p:sp>
       <p:pic>
         <p:nvPicPr>
-          <p:cNvPr id="3" name="그림 2"/>
+          <p:cNvPr id="2" name="그림 1"/>
           <p:cNvPicPr>
             <a:picLocks noChangeAspect="1"/>
           </p:cNvPicPr>
@@ -28376,8 +29030,45 @@
         </p:blipFill>
         <p:spPr>
           <a:xfrm>
-            <a:off x="1336996" y="1554317"/>
-            <a:ext cx="7232007" cy="3749365"/>
+            <a:off x="1047411" y="1459059"/>
+            <a:ext cx="7811177" cy="3939881"/>
+          </a:xfrm>
+          <a:prstGeom prst="rect">
+            <a:avLst/>
+          </a:prstGeom>
+          <a:ln>
+            <a:solidFill>
+              <a:schemeClr val="bg1">
+                <a:lumMod val="85000"/>
+              </a:schemeClr>
+            </a:solidFill>
+          </a:ln>
+        </p:spPr>
+      </p:pic>
+      <p:pic>
+        <p:nvPicPr>
+          <p:cNvPr id="4" name="그림 3"/>
+          <p:cNvPicPr>
+            <a:picLocks noChangeAspect="1"/>
+          </p:cNvPicPr>
+          <p:nvPr/>
+        </p:nvPicPr>
+        <p:blipFill>
+          <a:blip r:embed="rId3">
+            <a:extLst>
+              <a:ext uri="{28A0092B-C50C-407E-A947-70E740481C1C}">
+                <a14:useLocalDpi xmlns:a14="http://schemas.microsoft.com/office/drawing/2010/main" val="0"/>
+              </a:ext>
+            </a:extLst>
+          </a:blip>
+          <a:stretch>
+            <a:fillRect/>
+          </a:stretch>
+        </p:blipFill>
+        <p:spPr>
+          <a:xfrm>
+            <a:off x="7041232" y="4365104"/>
+            <a:ext cx="1470787" cy="1386960"/>
           </a:xfrm>
           <a:prstGeom prst="rect">
             <a:avLst/>
@@ -28411,7 +29102,7 @@
 </p:sld>
 </file>
 
-<file path=ppt/slides/slide44.xml><?xml version="1.0" encoding="utf-8"?>
+<file path=ppt/slides/slide47.xml><?xml version="1.0" encoding="utf-8"?>
 <p:sld xmlns:a="http://schemas.openxmlformats.org/drawingml/2006/main" xmlns:r="http://schemas.openxmlformats.org/officeDocument/2006/relationships" xmlns:p="http://schemas.openxmlformats.org/presentationml/2006/main">
   <p:cSld>
     <p:spTree>
@@ -29599,7 +30290,7 @@
 </p:sld>
 </file>
 
-<file path=ppt/slides/slide45.xml><?xml version="1.0" encoding="utf-8"?>
+<file path=ppt/slides/slide48.xml><?xml version="1.0" encoding="utf-8"?>
 <p:sld xmlns:a="http://schemas.openxmlformats.org/drawingml/2006/main" xmlns:r="http://schemas.openxmlformats.org/officeDocument/2006/relationships" xmlns:p="http://schemas.openxmlformats.org/presentationml/2006/main">
   <p:cSld>
     <p:spTree>
@@ -29979,7 +30670,7 @@
 </p:sld>
 </file>
 
-<file path=ppt/slides/slide46.xml><?xml version="1.0" encoding="utf-8"?>
+<file path=ppt/slides/slide49.xml><?xml version="1.0" encoding="utf-8"?>
 <p:sld xmlns:a="http://schemas.openxmlformats.org/drawingml/2006/main" xmlns:r="http://schemas.openxmlformats.org/officeDocument/2006/relationships" xmlns:p="http://schemas.openxmlformats.org/presentationml/2006/main">
   <p:cSld>
     <p:spTree>
